--- a/slides.pptx
+++ b/slides.pptx
@@ -4,10 +4,30 @@
   <p:sldMasterIdLst>
     <p:sldMasterId id="2147483695" r:id="rId1"/>
   </p:sldMasterIdLst>
+  <p:notesMasterIdLst>
+    <p:notesMasterId r:id="rId22"/>
+  </p:notesMasterIdLst>
   <p:sldIdLst>
     <p:sldId id="256" r:id="rId2"/>
-    <p:sldId id="257" r:id="rId3"/>
-    <p:sldId id="258" r:id="rId4"/>
+    <p:sldId id="262" r:id="rId3"/>
+    <p:sldId id="261" r:id="rId4"/>
+    <p:sldId id="260" r:id="rId5"/>
+    <p:sldId id="259" r:id="rId6"/>
+    <p:sldId id="263" r:id="rId7"/>
+    <p:sldId id="264" r:id="rId8"/>
+    <p:sldId id="265" r:id="rId9"/>
+    <p:sldId id="266" r:id="rId10"/>
+    <p:sldId id="267" r:id="rId11"/>
+    <p:sldId id="268" r:id="rId12"/>
+    <p:sldId id="269" r:id="rId13"/>
+    <p:sldId id="270" r:id="rId14"/>
+    <p:sldId id="271" r:id="rId15"/>
+    <p:sldId id="272" r:id="rId16"/>
+    <p:sldId id="273" r:id="rId17"/>
+    <p:sldId id="275" r:id="rId18"/>
+    <p:sldId id="274" r:id="rId19"/>
+    <p:sldId id="276" r:id="rId20"/>
+    <p:sldId id="258" r:id="rId21"/>
   </p:sldIdLst>
   <p:sldSz cx="12192000" cy="6858000"/>
   <p:notesSz cx="6858000" cy="9144000"/>
@@ -107,6 +127,748 @@
     </a:lvl9pPr>
   </p:defaultTextStyle>
 </p:presentation>
+</file>
+
+<file path=ppt/notesMasters/notesMaster1.xml><?xml version="1.0" encoding="utf-8"?>
+<p:notesMaster xmlns:a="http://schemas.openxmlformats.org/drawingml/2006/main" xmlns:r="http://schemas.openxmlformats.org/officeDocument/2006/relationships" xmlns:p="http://schemas.openxmlformats.org/presentationml/2006/main">
+  <p:cSld>
+    <p:bg>
+      <p:bgRef idx="1001">
+        <a:schemeClr val="bg1"/>
+      </p:bgRef>
+    </p:bg>
+    <p:spTree>
+      <p:nvGrpSpPr>
+        <p:cNvPr id="1" name=""/>
+        <p:cNvGrpSpPr/>
+        <p:nvPr/>
+      </p:nvGrpSpPr>
+      <p:grpSpPr>
+        <a:xfrm>
+          <a:off x="0" y="0"/>
+          <a:ext cx="0" cy="0"/>
+          <a:chOff x="0" y="0"/>
+          <a:chExt cx="0" cy="0"/>
+        </a:xfrm>
+      </p:grpSpPr>
+      <p:sp>
+        <p:nvSpPr>
+          <p:cNvPr id="2" name="Header Placeholder 1"/>
+          <p:cNvSpPr>
+            <a:spLocks noGrp="1"/>
+          </p:cNvSpPr>
+          <p:nvPr>
+            <p:ph type="hdr" sz="quarter"/>
+          </p:nvPr>
+        </p:nvSpPr>
+        <p:spPr>
+          <a:xfrm>
+            <a:off x="0" y="0"/>
+            <a:ext cx="2971800" cy="458788"/>
+          </a:xfrm>
+          <a:prstGeom prst="rect">
+            <a:avLst/>
+          </a:prstGeom>
+        </p:spPr>
+        <p:txBody>
+          <a:bodyPr vert="horz" lIns="91440" tIns="45720" rIns="91440" bIns="45720" rtlCol="0"/>
+          <a:lstStyle>
+            <a:lvl1pPr algn="l">
+              <a:defRPr sz="1200"/>
+            </a:lvl1pPr>
+          </a:lstStyle>
+          <a:p>
+            <a:endParaRPr lang="en-AT"/>
+          </a:p>
+        </p:txBody>
+      </p:sp>
+      <p:sp>
+        <p:nvSpPr>
+          <p:cNvPr id="3" name="Date Placeholder 2"/>
+          <p:cNvSpPr>
+            <a:spLocks noGrp="1"/>
+          </p:cNvSpPr>
+          <p:nvPr>
+            <p:ph type="dt" idx="1"/>
+          </p:nvPr>
+        </p:nvSpPr>
+        <p:spPr>
+          <a:xfrm>
+            <a:off x="3884613" y="0"/>
+            <a:ext cx="2971800" cy="458788"/>
+          </a:xfrm>
+          <a:prstGeom prst="rect">
+            <a:avLst/>
+          </a:prstGeom>
+        </p:spPr>
+        <p:txBody>
+          <a:bodyPr vert="horz" lIns="91440" tIns="45720" rIns="91440" bIns="45720" rtlCol="0"/>
+          <a:lstStyle>
+            <a:lvl1pPr algn="r">
+              <a:defRPr sz="1200"/>
+            </a:lvl1pPr>
+          </a:lstStyle>
+          <a:p>
+            <a:fld id="{B67A8BCD-B78C-754D-A0F2-EF0519EC9695}" type="datetimeFigureOut">
+              <a:rPr lang="en-AT" smtClean="0"/>
+              <a:t>12.05.25</a:t>
+            </a:fld>
+            <a:endParaRPr lang="en-AT"/>
+          </a:p>
+        </p:txBody>
+      </p:sp>
+      <p:sp>
+        <p:nvSpPr>
+          <p:cNvPr id="4" name="Slide Image Placeholder 3"/>
+          <p:cNvSpPr>
+            <a:spLocks noGrp="1" noRot="1" noChangeAspect="1"/>
+          </p:cNvSpPr>
+          <p:nvPr>
+            <p:ph type="sldImg" idx="2"/>
+          </p:nvPr>
+        </p:nvSpPr>
+        <p:spPr>
+          <a:xfrm>
+            <a:off x="685800" y="1143000"/>
+            <a:ext cx="5486400" cy="3086100"/>
+          </a:xfrm>
+          <a:prstGeom prst="rect">
+            <a:avLst/>
+          </a:prstGeom>
+          <a:noFill/>
+          <a:ln w="12700">
+            <a:solidFill>
+              <a:prstClr val="black"/>
+            </a:solidFill>
+          </a:ln>
+        </p:spPr>
+        <p:txBody>
+          <a:bodyPr vert="horz" lIns="91440" tIns="45720" rIns="91440" bIns="45720" rtlCol="0" anchor="ctr"/>
+          <a:lstStyle/>
+          <a:p>
+            <a:endParaRPr lang="en-AT"/>
+          </a:p>
+        </p:txBody>
+      </p:sp>
+      <p:sp>
+        <p:nvSpPr>
+          <p:cNvPr id="5" name="Notes Placeholder 4"/>
+          <p:cNvSpPr>
+            <a:spLocks noGrp="1"/>
+          </p:cNvSpPr>
+          <p:nvPr>
+            <p:ph type="body" sz="quarter" idx="3"/>
+          </p:nvPr>
+        </p:nvSpPr>
+        <p:spPr>
+          <a:xfrm>
+            <a:off x="685800" y="4400550"/>
+            <a:ext cx="5486400" cy="3600450"/>
+          </a:xfrm>
+          <a:prstGeom prst="rect">
+            <a:avLst/>
+          </a:prstGeom>
+        </p:spPr>
+        <p:txBody>
+          <a:bodyPr vert="horz" lIns="91440" tIns="45720" rIns="91440" bIns="45720" rtlCol="0"/>
+          <a:lstStyle/>
+          <a:p>
+            <a:pPr lvl="0"/>
+            <a:r>
+              <a:rPr lang="en-GB"/>
+              <a:t>Click to edit Master text styles</a:t>
+            </a:r>
+          </a:p>
+          <a:p>
+            <a:pPr lvl="1"/>
+            <a:r>
+              <a:rPr lang="en-GB"/>
+              <a:t>Second level</a:t>
+            </a:r>
+          </a:p>
+          <a:p>
+            <a:pPr lvl="2"/>
+            <a:r>
+              <a:rPr lang="en-GB"/>
+              <a:t>Third level</a:t>
+            </a:r>
+          </a:p>
+          <a:p>
+            <a:pPr lvl="3"/>
+            <a:r>
+              <a:rPr lang="en-GB"/>
+              <a:t>Fourth level</a:t>
+            </a:r>
+          </a:p>
+          <a:p>
+            <a:pPr lvl="4"/>
+            <a:r>
+              <a:rPr lang="en-GB"/>
+              <a:t>Fifth level</a:t>
+            </a:r>
+            <a:endParaRPr lang="en-AT"/>
+          </a:p>
+        </p:txBody>
+      </p:sp>
+      <p:sp>
+        <p:nvSpPr>
+          <p:cNvPr id="6" name="Footer Placeholder 5"/>
+          <p:cNvSpPr>
+            <a:spLocks noGrp="1"/>
+          </p:cNvSpPr>
+          <p:nvPr>
+            <p:ph type="ftr" sz="quarter" idx="4"/>
+          </p:nvPr>
+        </p:nvSpPr>
+        <p:spPr>
+          <a:xfrm>
+            <a:off x="0" y="8685213"/>
+            <a:ext cx="2971800" cy="458787"/>
+          </a:xfrm>
+          <a:prstGeom prst="rect">
+            <a:avLst/>
+          </a:prstGeom>
+        </p:spPr>
+        <p:txBody>
+          <a:bodyPr vert="horz" lIns="91440" tIns="45720" rIns="91440" bIns="45720" rtlCol="0" anchor="b"/>
+          <a:lstStyle>
+            <a:lvl1pPr algn="l">
+              <a:defRPr sz="1200"/>
+            </a:lvl1pPr>
+          </a:lstStyle>
+          <a:p>
+            <a:endParaRPr lang="en-AT"/>
+          </a:p>
+        </p:txBody>
+      </p:sp>
+      <p:sp>
+        <p:nvSpPr>
+          <p:cNvPr id="7" name="Slide Number Placeholder 6"/>
+          <p:cNvSpPr>
+            <a:spLocks noGrp="1"/>
+          </p:cNvSpPr>
+          <p:nvPr>
+            <p:ph type="sldNum" sz="quarter" idx="5"/>
+          </p:nvPr>
+        </p:nvSpPr>
+        <p:spPr>
+          <a:xfrm>
+            <a:off x="3884613" y="8685213"/>
+            <a:ext cx="2971800" cy="458787"/>
+          </a:xfrm>
+          <a:prstGeom prst="rect">
+            <a:avLst/>
+          </a:prstGeom>
+        </p:spPr>
+        <p:txBody>
+          <a:bodyPr vert="horz" lIns="91440" tIns="45720" rIns="91440" bIns="45720" rtlCol="0" anchor="b"/>
+          <a:lstStyle>
+            <a:lvl1pPr algn="r">
+              <a:defRPr sz="1200"/>
+            </a:lvl1pPr>
+          </a:lstStyle>
+          <a:p>
+            <a:fld id="{161D0137-A32E-984C-B467-D3F6B7FCE6FF}" type="slidenum">
+              <a:rPr lang="en-AT" smtClean="0"/>
+              <a:t>‹#›</a:t>
+            </a:fld>
+            <a:endParaRPr lang="en-AT"/>
+          </a:p>
+        </p:txBody>
+      </p:sp>
+    </p:spTree>
+    <p:extLst>
+      <p:ext uri="{BB962C8B-B14F-4D97-AF65-F5344CB8AC3E}">
+        <p14:creationId xmlns:p14="http://schemas.microsoft.com/office/powerpoint/2010/main" val="1105880287"/>
+      </p:ext>
+    </p:extLst>
+  </p:cSld>
+  <p:clrMap bg1="lt1" tx1="dk1" bg2="lt2" tx2="dk2" accent1="accent1" accent2="accent2" accent3="accent3" accent4="accent4" accent5="accent5" accent6="accent6" hlink="hlink" folHlink="folHlink"/>
+  <p:notesStyle>
+    <a:lvl1pPr marL="0" algn="l" defTabSz="914400" rtl="0" eaLnBrk="1" latinLnBrk="0" hangingPunct="1">
+      <a:defRPr sz="1200" kern="1200">
+        <a:solidFill>
+          <a:schemeClr val="tx1"/>
+        </a:solidFill>
+        <a:latin typeface="+mn-lt"/>
+        <a:ea typeface="+mn-ea"/>
+        <a:cs typeface="+mn-cs"/>
+      </a:defRPr>
+    </a:lvl1pPr>
+    <a:lvl2pPr marL="457200" algn="l" defTabSz="914400" rtl="0" eaLnBrk="1" latinLnBrk="0" hangingPunct="1">
+      <a:defRPr sz="1200" kern="1200">
+        <a:solidFill>
+          <a:schemeClr val="tx1"/>
+        </a:solidFill>
+        <a:latin typeface="+mn-lt"/>
+        <a:ea typeface="+mn-ea"/>
+        <a:cs typeface="+mn-cs"/>
+      </a:defRPr>
+    </a:lvl2pPr>
+    <a:lvl3pPr marL="914400" algn="l" defTabSz="914400" rtl="0" eaLnBrk="1" latinLnBrk="0" hangingPunct="1">
+      <a:defRPr sz="1200" kern="1200">
+        <a:solidFill>
+          <a:schemeClr val="tx1"/>
+        </a:solidFill>
+        <a:latin typeface="+mn-lt"/>
+        <a:ea typeface="+mn-ea"/>
+        <a:cs typeface="+mn-cs"/>
+      </a:defRPr>
+    </a:lvl3pPr>
+    <a:lvl4pPr marL="1371600" algn="l" defTabSz="914400" rtl="0" eaLnBrk="1" latinLnBrk="0" hangingPunct="1">
+      <a:defRPr sz="1200" kern="1200">
+        <a:solidFill>
+          <a:schemeClr val="tx1"/>
+        </a:solidFill>
+        <a:latin typeface="+mn-lt"/>
+        <a:ea typeface="+mn-ea"/>
+        <a:cs typeface="+mn-cs"/>
+      </a:defRPr>
+    </a:lvl4pPr>
+    <a:lvl5pPr marL="1828800" algn="l" defTabSz="914400" rtl="0" eaLnBrk="1" latinLnBrk="0" hangingPunct="1">
+      <a:defRPr sz="1200" kern="1200">
+        <a:solidFill>
+          <a:schemeClr val="tx1"/>
+        </a:solidFill>
+        <a:latin typeface="+mn-lt"/>
+        <a:ea typeface="+mn-ea"/>
+        <a:cs typeface="+mn-cs"/>
+      </a:defRPr>
+    </a:lvl5pPr>
+    <a:lvl6pPr marL="2286000" algn="l" defTabSz="914400" rtl="0" eaLnBrk="1" latinLnBrk="0" hangingPunct="1">
+      <a:defRPr sz="1200" kern="1200">
+        <a:solidFill>
+          <a:schemeClr val="tx1"/>
+        </a:solidFill>
+        <a:latin typeface="+mn-lt"/>
+        <a:ea typeface="+mn-ea"/>
+        <a:cs typeface="+mn-cs"/>
+      </a:defRPr>
+    </a:lvl6pPr>
+    <a:lvl7pPr marL="2743200" algn="l" defTabSz="914400" rtl="0" eaLnBrk="1" latinLnBrk="0" hangingPunct="1">
+      <a:defRPr sz="1200" kern="1200">
+        <a:solidFill>
+          <a:schemeClr val="tx1"/>
+        </a:solidFill>
+        <a:latin typeface="+mn-lt"/>
+        <a:ea typeface="+mn-ea"/>
+        <a:cs typeface="+mn-cs"/>
+      </a:defRPr>
+    </a:lvl7pPr>
+    <a:lvl8pPr marL="3200400" algn="l" defTabSz="914400" rtl="0" eaLnBrk="1" latinLnBrk="0" hangingPunct="1">
+      <a:defRPr sz="1200" kern="1200">
+        <a:solidFill>
+          <a:schemeClr val="tx1"/>
+        </a:solidFill>
+        <a:latin typeface="+mn-lt"/>
+        <a:ea typeface="+mn-ea"/>
+        <a:cs typeface="+mn-cs"/>
+      </a:defRPr>
+    </a:lvl8pPr>
+    <a:lvl9pPr marL="3657600" algn="l" defTabSz="914400" rtl="0" eaLnBrk="1" latinLnBrk="0" hangingPunct="1">
+      <a:defRPr sz="1200" kern="1200">
+        <a:solidFill>
+          <a:schemeClr val="tx1"/>
+        </a:solidFill>
+        <a:latin typeface="+mn-lt"/>
+        <a:ea typeface="+mn-ea"/>
+        <a:cs typeface="+mn-cs"/>
+      </a:defRPr>
+    </a:lvl9pPr>
+  </p:notesStyle>
+</p:notesMaster>
+</file>
+
+<file path=ppt/notesSlides/notesSlide1.xml><?xml version="1.0" encoding="utf-8"?>
+<p:notes xmlns:a="http://schemas.openxmlformats.org/drawingml/2006/main" xmlns:r="http://schemas.openxmlformats.org/officeDocument/2006/relationships" xmlns:p="http://schemas.openxmlformats.org/presentationml/2006/main">
+  <p:cSld>
+    <p:spTree>
+      <p:nvGrpSpPr>
+        <p:cNvPr id="1" name=""/>
+        <p:cNvGrpSpPr/>
+        <p:nvPr/>
+      </p:nvGrpSpPr>
+      <p:grpSpPr>
+        <a:xfrm>
+          <a:off x="0" y="0"/>
+          <a:ext cx="0" cy="0"/>
+          <a:chOff x="0" y="0"/>
+          <a:chExt cx="0" cy="0"/>
+        </a:xfrm>
+      </p:grpSpPr>
+      <p:sp>
+        <p:nvSpPr>
+          <p:cNvPr id="2" name="Slide Image Placeholder 1"/>
+          <p:cNvSpPr>
+            <a:spLocks noGrp="1" noRot="1" noChangeAspect="1"/>
+          </p:cNvSpPr>
+          <p:nvPr>
+            <p:ph type="sldImg"/>
+          </p:nvPr>
+        </p:nvSpPr>
+        <p:spPr/>
+      </p:sp>
+      <p:sp>
+        <p:nvSpPr>
+          <p:cNvPr id="3" name="Notes Placeholder 2"/>
+          <p:cNvSpPr>
+            <a:spLocks noGrp="1"/>
+          </p:cNvSpPr>
+          <p:nvPr>
+            <p:ph type="body" idx="1"/>
+          </p:nvPr>
+        </p:nvSpPr>
+        <p:spPr/>
+        <p:txBody>
+          <a:bodyPr/>
+          <a:lstStyle/>
+          <a:p>
+            <a:r>
+              <a:rPr lang="en-GB" b="1" dirty="0"/>
+              <a:t>H</a:t>
+            </a:r>
+            <a:r>
+              <a:rPr lang="en-AT" b="1" dirty="0"/>
+              <a:t>eute</a:t>
+            </a:r>
+            <a:r>
+              <a:rPr lang="en-AT" dirty="0"/>
+              <a:t>: My History, Crawling vs. Scraping, HTTP, URL Schemas, HTML, OpenGraph, CSS Selectors, XPath, robots.txt, Scrapy, Python, jsonl</a:t>
+            </a:r>
+          </a:p>
+          <a:p>
+            <a:endParaRPr lang="en-AT" dirty="0"/>
+          </a:p>
+          <a:p>
+            <a:r>
+              <a:rPr lang="en-AT" b="1" dirty="0"/>
+              <a:t>Morgen</a:t>
+            </a:r>
+            <a:r>
+              <a:rPr lang="en-AT" dirty="0"/>
+              <a:t>: Headless Browsers, Logging In, Proxies, Page Pattern, Canonical URLs, Zyte, Scrapinghub, LLMs (Morals and Laws), gau</a:t>
+            </a:r>
+          </a:p>
+        </p:txBody>
+      </p:sp>
+      <p:sp>
+        <p:nvSpPr>
+          <p:cNvPr id="4" name="Slide Number Placeholder 3"/>
+          <p:cNvSpPr>
+            <a:spLocks noGrp="1"/>
+          </p:cNvSpPr>
+          <p:nvPr>
+            <p:ph type="sldNum" sz="quarter" idx="5"/>
+          </p:nvPr>
+        </p:nvSpPr>
+        <p:spPr/>
+        <p:txBody>
+          <a:bodyPr/>
+          <a:lstStyle/>
+          <a:p>
+            <a:fld id="{161D0137-A32E-984C-B467-D3F6B7FCE6FF}" type="slidenum">
+              <a:rPr lang="en-AT" smtClean="0"/>
+              <a:t>2</a:t>
+            </a:fld>
+            <a:endParaRPr lang="en-AT"/>
+          </a:p>
+        </p:txBody>
+      </p:sp>
+    </p:spTree>
+    <p:extLst>
+      <p:ext uri="{BB962C8B-B14F-4D97-AF65-F5344CB8AC3E}">
+        <p14:creationId xmlns:p14="http://schemas.microsoft.com/office/powerpoint/2010/main" val="2322259346"/>
+      </p:ext>
+    </p:extLst>
+  </p:cSld>
+  <p:clrMapOvr>
+    <a:masterClrMapping/>
+  </p:clrMapOvr>
+</p:notes>
+</file>
+
+<file path=ppt/notesSlides/notesSlide2.xml><?xml version="1.0" encoding="utf-8"?>
+<p:notes xmlns:a="http://schemas.openxmlformats.org/drawingml/2006/main" xmlns:r="http://schemas.openxmlformats.org/officeDocument/2006/relationships" xmlns:p="http://schemas.openxmlformats.org/presentationml/2006/main">
+  <p:cSld>
+    <p:spTree>
+      <p:nvGrpSpPr>
+        <p:cNvPr id="1" name=""/>
+        <p:cNvGrpSpPr/>
+        <p:nvPr/>
+      </p:nvGrpSpPr>
+      <p:grpSpPr>
+        <a:xfrm>
+          <a:off x="0" y="0"/>
+          <a:ext cx="0" cy="0"/>
+          <a:chOff x="0" y="0"/>
+          <a:chExt cx="0" cy="0"/>
+        </a:xfrm>
+      </p:grpSpPr>
+      <p:sp>
+        <p:nvSpPr>
+          <p:cNvPr id="2" name="Slide Image Placeholder 1"/>
+          <p:cNvSpPr>
+            <a:spLocks noGrp="1" noRot="1" noChangeAspect="1"/>
+          </p:cNvSpPr>
+          <p:nvPr>
+            <p:ph type="sldImg"/>
+          </p:nvPr>
+        </p:nvSpPr>
+        <p:spPr/>
+      </p:sp>
+      <p:sp>
+        <p:nvSpPr>
+          <p:cNvPr id="3" name="Notes Placeholder 2"/>
+          <p:cNvSpPr>
+            <a:spLocks noGrp="1"/>
+          </p:cNvSpPr>
+          <p:nvPr>
+            <p:ph type="body" idx="1"/>
+          </p:nvPr>
+        </p:nvSpPr>
+        <p:spPr/>
+        <p:txBody>
+          <a:bodyPr/>
+          <a:lstStyle/>
+          <a:p>
+            <a:r>
+              <a:rPr lang="en-AT" dirty="0"/>
+              <a:t>Wie bin ich überhaupt zu dem Thema gekommen?</a:t>
+            </a:r>
+          </a:p>
+        </p:txBody>
+      </p:sp>
+      <p:sp>
+        <p:nvSpPr>
+          <p:cNvPr id="4" name="Slide Number Placeholder 3"/>
+          <p:cNvSpPr>
+            <a:spLocks noGrp="1"/>
+          </p:cNvSpPr>
+          <p:nvPr>
+            <p:ph type="sldNum" sz="quarter" idx="5"/>
+          </p:nvPr>
+        </p:nvSpPr>
+        <p:spPr/>
+        <p:txBody>
+          <a:bodyPr/>
+          <a:lstStyle/>
+          <a:p>
+            <a:fld id="{161D0137-A32E-984C-B467-D3F6B7FCE6FF}" type="slidenum">
+              <a:rPr lang="en-AT" smtClean="0"/>
+              <a:t>3</a:t>
+            </a:fld>
+            <a:endParaRPr lang="en-AT"/>
+          </a:p>
+        </p:txBody>
+      </p:sp>
+    </p:spTree>
+    <p:extLst>
+      <p:ext uri="{BB962C8B-B14F-4D97-AF65-F5344CB8AC3E}">
+        <p14:creationId xmlns:p14="http://schemas.microsoft.com/office/powerpoint/2010/main" val="738037368"/>
+      </p:ext>
+    </p:extLst>
+  </p:cSld>
+  <p:clrMapOvr>
+    <a:masterClrMapping/>
+  </p:clrMapOvr>
+</p:notes>
+</file>
+
+<file path=ppt/notesSlides/notesSlide3.xml><?xml version="1.0" encoding="utf-8"?>
+<p:notes xmlns:a="http://schemas.openxmlformats.org/drawingml/2006/main" xmlns:r="http://schemas.openxmlformats.org/officeDocument/2006/relationships" xmlns:p="http://schemas.openxmlformats.org/presentationml/2006/main">
+  <p:cSld>
+    <p:spTree>
+      <p:nvGrpSpPr>
+        <p:cNvPr id="1" name=""/>
+        <p:cNvGrpSpPr/>
+        <p:nvPr/>
+      </p:nvGrpSpPr>
+      <p:grpSpPr>
+        <a:xfrm>
+          <a:off x="0" y="0"/>
+          <a:ext cx="0" cy="0"/>
+          <a:chOff x="0" y="0"/>
+          <a:chExt cx="0" cy="0"/>
+        </a:xfrm>
+      </p:grpSpPr>
+      <p:sp>
+        <p:nvSpPr>
+          <p:cNvPr id="2" name="Slide Image Placeholder 1"/>
+          <p:cNvSpPr>
+            <a:spLocks noGrp="1" noRot="1" noChangeAspect="1"/>
+          </p:cNvSpPr>
+          <p:nvPr>
+            <p:ph type="sldImg"/>
+          </p:nvPr>
+        </p:nvSpPr>
+        <p:spPr/>
+      </p:sp>
+      <p:sp>
+        <p:nvSpPr>
+          <p:cNvPr id="3" name="Notes Placeholder 2"/>
+          <p:cNvSpPr>
+            <a:spLocks noGrp="1"/>
+          </p:cNvSpPr>
+          <p:nvPr>
+            <p:ph type="body" idx="1"/>
+          </p:nvPr>
+        </p:nvSpPr>
+        <p:spPr/>
+        <p:txBody>
+          <a:bodyPr/>
+          <a:lstStyle/>
+          <a:p>
+            <a:r>
+              <a:rPr lang="en-AT" b="1" dirty="0">
+                <a:highlight>
+                  <a:srgbClr val="FFFF00"/>
+                </a:highlight>
+              </a:rPr>
+              <a:t>=== JUST A TRANSITION SLIDE ===</a:t>
+            </a:r>
+          </a:p>
+          <a:p>
+            <a:endParaRPr lang="en-AT" b="1" dirty="0">
+              <a:highlight>
+                <a:srgbClr val="FFFF00"/>
+              </a:highlight>
+            </a:endParaRPr>
+          </a:p>
+          <a:p>
+            <a:r>
+              <a:rPr lang="en-GB" b="0" dirty="0">
+                <a:highlight>
+                  <a:srgbClr val="FFFF00"/>
+                </a:highlight>
+              </a:rPr>
+              <a:t>Talk something about the fear of CSS</a:t>
+            </a:r>
+            <a:endParaRPr lang="en-AT" b="0" dirty="0">
+              <a:highlight>
+                <a:srgbClr val="FFFF00"/>
+              </a:highlight>
+            </a:endParaRPr>
+          </a:p>
+        </p:txBody>
+      </p:sp>
+      <p:sp>
+        <p:nvSpPr>
+          <p:cNvPr id="4" name="Slide Number Placeholder 3"/>
+          <p:cNvSpPr>
+            <a:spLocks noGrp="1"/>
+          </p:cNvSpPr>
+          <p:nvPr>
+            <p:ph type="sldNum" sz="quarter" idx="5"/>
+          </p:nvPr>
+        </p:nvSpPr>
+        <p:spPr/>
+        <p:txBody>
+          <a:bodyPr/>
+          <a:lstStyle/>
+          <a:p>
+            <a:fld id="{161D0137-A32E-984C-B467-D3F6B7FCE6FF}" type="slidenum">
+              <a:rPr lang="en-AT" smtClean="0"/>
+              <a:t>10</a:t>
+            </a:fld>
+            <a:endParaRPr lang="en-AT"/>
+          </a:p>
+        </p:txBody>
+      </p:sp>
+    </p:spTree>
+    <p:extLst>
+      <p:ext uri="{BB962C8B-B14F-4D97-AF65-F5344CB8AC3E}">
+        <p14:creationId xmlns:p14="http://schemas.microsoft.com/office/powerpoint/2010/main" val="2090066024"/>
+      </p:ext>
+    </p:extLst>
+  </p:cSld>
+  <p:clrMapOvr>
+    <a:masterClrMapping/>
+  </p:clrMapOvr>
+</p:notes>
+</file>
+
+<file path=ppt/notesSlides/notesSlide4.xml><?xml version="1.0" encoding="utf-8"?>
+<p:notes xmlns:a="http://schemas.openxmlformats.org/drawingml/2006/main" xmlns:r="http://schemas.openxmlformats.org/officeDocument/2006/relationships" xmlns:p="http://schemas.openxmlformats.org/presentationml/2006/main">
+  <p:cSld>
+    <p:spTree>
+      <p:nvGrpSpPr>
+        <p:cNvPr id="1" name=""/>
+        <p:cNvGrpSpPr/>
+        <p:nvPr/>
+      </p:nvGrpSpPr>
+      <p:grpSpPr>
+        <a:xfrm>
+          <a:off x="0" y="0"/>
+          <a:ext cx="0" cy="0"/>
+          <a:chOff x="0" y="0"/>
+          <a:chExt cx="0" cy="0"/>
+        </a:xfrm>
+      </p:grpSpPr>
+      <p:sp>
+        <p:nvSpPr>
+          <p:cNvPr id="2" name="Slide Image Placeholder 1"/>
+          <p:cNvSpPr>
+            <a:spLocks noGrp="1" noRot="1" noChangeAspect="1"/>
+          </p:cNvSpPr>
+          <p:nvPr>
+            <p:ph type="sldImg"/>
+          </p:nvPr>
+        </p:nvSpPr>
+        <p:spPr/>
+      </p:sp>
+      <p:sp>
+        <p:nvSpPr>
+          <p:cNvPr id="3" name="Notes Placeholder 2"/>
+          <p:cNvSpPr>
+            <a:spLocks noGrp="1"/>
+          </p:cNvSpPr>
+          <p:nvPr>
+            <p:ph type="body" idx="1"/>
+          </p:nvPr>
+        </p:nvSpPr>
+        <p:spPr/>
+        <p:txBody>
+          <a:bodyPr/>
+          <a:lstStyle/>
+          <a:p>
+            <a:endParaRPr lang="en-AT" dirty="0"/>
+          </a:p>
+        </p:txBody>
+      </p:sp>
+      <p:sp>
+        <p:nvSpPr>
+          <p:cNvPr id="4" name="Slide Number Placeholder 3"/>
+          <p:cNvSpPr>
+            <a:spLocks noGrp="1"/>
+          </p:cNvSpPr>
+          <p:nvPr>
+            <p:ph type="sldNum" sz="quarter" idx="5"/>
+          </p:nvPr>
+        </p:nvSpPr>
+        <p:spPr/>
+        <p:txBody>
+          <a:bodyPr/>
+          <a:lstStyle/>
+          <a:p>
+            <a:fld id="{161D0137-A32E-984C-B467-D3F6B7FCE6FF}" type="slidenum">
+              <a:rPr lang="en-AT" smtClean="0"/>
+              <a:t>15</a:t>
+            </a:fld>
+            <a:endParaRPr lang="en-AT"/>
+          </a:p>
+        </p:txBody>
+      </p:sp>
+    </p:spTree>
+    <p:extLst>
+      <p:ext uri="{BB962C8B-B14F-4D97-AF65-F5344CB8AC3E}">
+        <p14:creationId xmlns:p14="http://schemas.microsoft.com/office/powerpoint/2010/main" val="521885813"/>
+      </p:ext>
+    </p:extLst>
+  </p:cSld>
+  <p:clrMapOvr>
+    <a:masterClrMapping/>
+  </p:clrMapOvr>
+</p:notes>
 </file>
 
 <file path=ppt/slideLayouts/slideLayout1.xml><?xml version="1.0" encoding="utf-8"?>
@@ -4056,7 +4818,167 @@
 </p:sld>
 </file>
 
-<file path=ppt/slides/slide2.xml><?xml version="1.0" encoding="utf-8"?>
+<file path=ppt/slides/slide10.xml><?xml version="1.0" encoding="utf-8"?>
+<p:sld xmlns:a="http://schemas.openxmlformats.org/drawingml/2006/main" xmlns:r="http://schemas.openxmlformats.org/officeDocument/2006/relationships" xmlns:p="http://schemas.openxmlformats.org/presentationml/2006/main">
+  <p:cSld>
+    <p:spTree>
+      <p:nvGrpSpPr>
+        <p:cNvPr id="1" name="">
+          <a:extLst>
+            <a:ext uri="{FF2B5EF4-FFF2-40B4-BE49-F238E27FC236}">
+              <a16:creationId xmlns:a16="http://schemas.microsoft.com/office/drawing/2014/main" id="{0995CE19-E770-3C7D-1B3B-7078A387A474}"/>
+            </a:ext>
+          </a:extLst>
+        </p:cNvPr>
+        <p:cNvGrpSpPr/>
+        <p:nvPr/>
+      </p:nvGrpSpPr>
+      <p:grpSpPr>
+        <a:xfrm>
+          <a:off x="0" y="0"/>
+          <a:ext cx="0" cy="0"/>
+          <a:chOff x="0" y="0"/>
+          <a:chExt cx="0" cy="0"/>
+        </a:xfrm>
+      </p:grpSpPr>
+      <p:sp>
+        <p:nvSpPr>
+          <p:cNvPr id="2" name="Title 1">
+            <a:extLst>
+              <a:ext uri="{FF2B5EF4-FFF2-40B4-BE49-F238E27FC236}">
+                <a16:creationId xmlns:a16="http://schemas.microsoft.com/office/drawing/2014/main" id="{08AC7C58-C4CB-F6FB-8840-4A2B91C616FF}"/>
+              </a:ext>
+            </a:extLst>
+          </p:cNvPr>
+          <p:cNvSpPr>
+            <a:spLocks noGrp="1"/>
+          </p:cNvSpPr>
+          <p:nvPr>
+            <p:ph type="title"/>
+          </p:nvPr>
+        </p:nvSpPr>
+        <p:spPr/>
+        <p:txBody>
+          <a:bodyPr/>
+          <a:lstStyle/>
+          <a:p>
+            <a:r>
+              <a:rPr lang="en-GB" dirty="0"/>
+              <a:t>CSS</a:t>
+            </a:r>
+          </a:p>
+        </p:txBody>
+      </p:sp>
+    </p:spTree>
+    <p:extLst>
+      <p:ext uri="{BB962C8B-B14F-4D97-AF65-F5344CB8AC3E}">
+        <p14:creationId xmlns:p14="http://schemas.microsoft.com/office/powerpoint/2010/main" val="560992918"/>
+      </p:ext>
+    </p:extLst>
+  </p:cSld>
+  <p:clrMapOvr>
+    <a:masterClrMapping/>
+  </p:clrMapOvr>
+</p:sld>
+</file>
+
+<file path=ppt/slides/slide11.xml><?xml version="1.0" encoding="utf-8"?>
+<p:sld xmlns:a="http://schemas.openxmlformats.org/drawingml/2006/main" xmlns:r="http://schemas.openxmlformats.org/officeDocument/2006/relationships" xmlns:p="http://schemas.openxmlformats.org/presentationml/2006/main">
+  <p:cSld>
+    <p:spTree>
+      <p:nvGrpSpPr>
+        <p:cNvPr id="1" name="">
+          <a:extLst>
+            <a:ext uri="{FF2B5EF4-FFF2-40B4-BE49-F238E27FC236}">
+              <a16:creationId xmlns:a16="http://schemas.microsoft.com/office/drawing/2014/main" id="{99FA87A0-6E33-0B62-B14A-57402E38A95A}"/>
+            </a:ext>
+          </a:extLst>
+        </p:cNvPr>
+        <p:cNvGrpSpPr/>
+        <p:nvPr/>
+      </p:nvGrpSpPr>
+      <p:grpSpPr>
+        <a:xfrm>
+          <a:off x="0" y="0"/>
+          <a:ext cx="0" cy="0"/>
+          <a:chOff x="0" y="0"/>
+          <a:chExt cx="0" cy="0"/>
+        </a:xfrm>
+      </p:grpSpPr>
+      <p:pic>
+        <p:nvPicPr>
+          <p:cNvPr id="6146" name="Picture 2" descr="css-selectors jpg_large">
+            <a:hlinkClick r:id="rId2"/>
+            <a:extLst>
+              <a:ext uri="{FF2B5EF4-FFF2-40B4-BE49-F238E27FC236}">
+                <a16:creationId xmlns:a16="http://schemas.microsoft.com/office/drawing/2014/main" id="{071E6C09-BA95-E798-8992-423A38119687}"/>
+              </a:ext>
+            </a:extLst>
+          </p:cNvPr>
+          <p:cNvPicPr>
+            <a:picLocks noChangeAspect="1" noChangeArrowheads="1"/>
+          </p:cNvPicPr>
+          <p:nvPr/>
+        </p:nvPicPr>
+        <p:blipFill>
+          <a:blip r:embed="rId3">
+            <a:extLst>
+              <a:ext uri="{28A0092B-C50C-407E-A947-70E740481C1C}">
+                <a14:useLocalDpi xmlns:a14="http://schemas.microsoft.com/office/drawing/2010/main" val="0"/>
+              </a:ext>
+            </a:extLst>
+          </a:blip>
+          <a:srcRect/>
+          <a:stretch>
+            <a:fillRect/>
+          </a:stretch>
+        </p:blipFill>
+        <p:spPr bwMode="auto">
+          <a:xfrm>
+            <a:off x="1354035" y="413797"/>
+            <a:ext cx="9483931" cy="6030407"/>
+          </a:xfrm>
+          <a:prstGeom prst="rect">
+            <a:avLst/>
+          </a:prstGeom>
+          <a:noFill/>
+          <a:extLst>
+            <a:ext uri="{909E8E84-426E-40DD-AFC4-6F175D3DCCD1}">
+              <a14:hiddenFill xmlns:a14="http://schemas.microsoft.com/office/drawing/2010/main">
+                <a:solidFill>
+                  <a:srgbClr val="FFFFFF"/>
+                </a:solidFill>
+              </a14:hiddenFill>
+            </a:ext>
+          </a:extLst>
+        </p:spPr>
+      </p:pic>
+    </p:spTree>
+    <p:extLst>
+      <p:ext uri="{BB962C8B-B14F-4D97-AF65-F5344CB8AC3E}">
+        <p14:creationId xmlns:p14="http://schemas.microsoft.com/office/powerpoint/2010/main" val="2173447109"/>
+      </p:ext>
+    </p:extLst>
+  </p:cSld>
+  <p:clrMapOvr>
+    <a:masterClrMapping/>
+  </p:clrMapOvr>
+  <mc:AlternateContent xmlns:mc="http://schemas.openxmlformats.org/markup-compatibility/2006">
+    <mc:Choice xmlns:p14="http://schemas.microsoft.com/office/powerpoint/2010/main" Requires="p14">
+      <p:transition spd="med" p14:dur="700">
+        <p:fade/>
+      </p:transition>
+    </mc:Choice>
+    <mc:Fallback>
+      <p:transition spd="med">
+        <p:fade/>
+      </p:transition>
+    </mc:Fallback>
+  </mc:AlternateContent>
+</p:sld>
+</file>
+
+<file path=ppt/slides/slide12.xml><?xml version="1.0" encoding="utf-8"?>
 <p:sld xmlns:a="http://schemas.openxmlformats.org/drawingml/2006/main" xmlns:r="http://schemas.openxmlformats.org/officeDocument/2006/relationships" xmlns:p="http://schemas.openxmlformats.org/presentationml/2006/main">
   <p:cSld>
     <p:spTree>
@@ -4078,7 +5000,7 @@
           <p:cNvPr id="2" name="Title 1">
             <a:extLst>
               <a:ext uri="{FF2B5EF4-FFF2-40B4-BE49-F238E27FC236}">
-                <a16:creationId xmlns:a16="http://schemas.microsoft.com/office/drawing/2014/main" id="{6ADB2109-C6B7-B8E7-B567-132C0EEFF0BE}"/>
+                <a16:creationId xmlns:a16="http://schemas.microsoft.com/office/drawing/2014/main" id="{5D6B7AF0-D7DF-10F0-F2AE-B4D5BB3FE76F}"/>
               </a:ext>
             </a:extLst>
           </p:cNvPr>
@@ -4096,7 +5018,7 @@
           <a:p>
             <a:r>
               <a:rPr lang="en-AT" dirty="0"/>
-              <a:t>Content</a:t>
+              <a:t>XPath</a:t>
             </a:r>
           </a:p>
         </p:txBody>
@@ -4106,7 +5028,7 @@
           <p:cNvPr id="3" name="Content Placeholder 2">
             <a:extLst>
               <a:ext uri="{FF2B5EF4-FFF2-40B4-BE49-F238E27FC236}">
-                <a16:creationId xmlns:a16="http://schemas.microsoft.com/office/drawing/2014/main" id="{DF815FA9-E2A4-88B4-B23B-9EA15B0D626B}"/>
+                <a16:creationId xmlns:a16="http://schemas.microsoft.com/office/drawing/2014/main" id="{4BD8EBA5-BA19-F648-3BB4-173003924E43}"/>
               </a:ext>
             </a:extLst>
           </p:cNvPr>
@@ -4114,160 +5036,138 @@
             <a:spLocks noGrp="1"/>
           </p:cNvSpPr>
           <p:nvPr>
-            <p:ph sz="half" idx="1"/>
+            <p:ph idx="1"/>
           </p:nvPr>
         </p:nvSpPr>
         <p:spPr/>
         <p:txBody>
-          <a:bodyPr>
-            <a:normAutofit fontScale="62500" lnSpcReduction="20000"/>
+          <a:bodyPr/>
+          <a:lstStyle/>
+          <a:p>
+            <a:r>
+              <a:rPr lang="en-GB" dirty="0"/>
+              <a:t>Query language for selecting nodes from an XML document</a:t>
+            </a:r>
+          </a:p>
+          <a:p>
+            <a:r>
+              <a:rPr lang="en-GB" dirty="0"/>
+              <a:t>Example</a:t>
+            </a:r>
+            <a:endParaRPr lang="en-AT" dirty="0"/>
+          </a:p>
+        </p:txBody>
+      </p:sp>
+      <p:sp>
+        <p:nvSpPr>
+          <p:cNvPr id="5" name="TextBox 4">
+            <a:extLst>
+              <a:ext uri="{FF2B5EF4-FFF2-40B4-BE49-F238E27FC236}">
+                <a16:creationId xmlns:a16="http://schemas.microsoft.com/office/drawing/2014/main" id="{CBB85102-858C-9922-7651-29AB4D8A7BC0}"/>
+              </a:ext>
+            </a:extLst>
+          </p:cNvPr>
+          <p:cNvSpPr txBox="1"/>
+          <p:nvPr/>
+        </p:nvSpPr>
+        <p:spPr>
+          <a:xfrm>
+            <a:off x="4819650" y="6273225"/>
+            <a:ext cx="7372350" cy="584775"/>
+          </a:xfrm>
+          <a:prstGeom prst="rect">
+            <a:avLst/>
+          </a:prstGeom>
+          <a:noFill/>
+        </p:spPr>
+        <p:txBody>
+          <a:bodyPr wrap="square">
+            <a:spAutoFit/>
           </a:bodyPr>
           <a:lstStyle/>
           <a:p>
-            <a:r>
-              <a:rPr lang="en-AT" dirty="0"/>
-              <a:t>HTTP + Requests</a:t>
-            </a:r>
-          </a:p>
-          <a:p>
-            <a:r>
-              <a:rPr lang="en-AT" dirty="0"/>
-              <a:t>OpenGraph</a:t>
-            </a:r>
-          </a:p>
-          <a:p>
-            <a:r>
-              <a:rPr lang="en-AT" dirty="0"/>
-              <a:t>HTML</a:t>
-            </a:r>
-          </a:p>
-          <a:p>
-            <a:r>
-              <a:rPr lang="en-AT" dirty="0"/>
-              <a:t>URL Schemes</a:t>
-            </a:r>
-          </a:p>
-          <a:p>
-            <a:r>
-              <a:rPr lang="en-AT" dirty="0"/>
-              <a:t>XPath</a:t>
-            </a:r>
-          </a:p>
-          <a:p>
-            <a:r>
-              <a:rPr lang="en-AT" dirty="0"/>
-              <a:t>CSS Selectors</a:t>
-            </a:r>
-          </a:p>
-          <a:p>
-            <a:r>
-              <a:rPr lang="en-AT" dirty="0"/>
-              <a:t>jsonl</a:t>
-            </a:r>
-          </a:p>
-          <a:p>
-            <a:r>
-              <a:rPr lang="en-AT" dirty="0"/>
-              <a:t>robots.txt</a:t>
-            </a:r>
-          </a:p>
-          <a:p>
-            <a:r>
-              <a:rPr lang="en-AT" dirty="0"/>
-              <a:t>Python</a:t>
-            </a:r>
-          </a:p>
-          <a:p>
-            <a:r>
-              <a:rPr lang="en-AT" dirty="0"/>
-              <a:t>Scrapy</a:t>
-            </a:r>
-          </a:p>
-          <a:p>
-            <a:r>
-              <a:rPr lang="en-GB" dirty="0"/>
-              <a:t>W</a:t>
-            </a:r>
-            <a:r>
-              <a:rPr lang="en-AT" dirty="0"/>
-              <a:t>ie ich zum Scraping gekommen bin?</a:t>
-            </a:r>
-          </a:p>
-          <a:p>
-            <a:endParaRPr lang="en-AT" dirty="0"/>
-          </a:p>
-        </p:txBody>
-      </p:sp>
-      <p:sp>
-        <p:nvSpPr>
-          <p:cNvPr id="4" name="Content Placeholder 3">
-            <a:extLst>
-              <a:ext uri="{FF2B5EF4-FFF2-40B4-BE49-F238E27FC236}">
-                <a16:creationId xmlns:a16="http://schemas.microsoft.com/office/drawing/2014/main" id="{891FE322-5B76-805C-7DA6-2A9A7371290A}"/>
-              </a:ext>
-            </a:extLst>
-          </p:cNvPr>
-          <p:cNvSpPr>
-            <a:spLocks noGrp="1"/>
-          </p:cNvSpPr>
-          <p:nvPr>
-            <p:ph sz="half" idx="2"/>
-          </p:nvPr>
-        </p:nvSpPr>
-        <p:spPr/>
-        <p:txBody>
-          <a:bodyPr>
-            <a:normAutofit fontScale="62500" lnSpcReduction="20000"/>
-          </a:bodyPr>
-          <a:lstStyle/>
-          <a:p>
-            <a:r>
-              <a:rPr lang="en-AT" dirty="0"/>
-              <a:t>Headless Browsers</a:t>
-            </a:r>
-          </a:p>
-          <a:p>
-            <a:r>
-              <a:rPr lang="en-AT" dirty="0"/>
-              <a:t>LLMs, Morality and Judication</a:t>
-            </a:r>
-          </a:p>
-          <a:p>
-            <a:r>
-              <a:rPr lang="en-AT" dirty="0"/>
-              <a:t>Logging In, Proxies</a:t>
-            </a:r>
-          </a:p>
-          <a:p>
-            <a:r>
-              <a:rPr lang="en-AT" dirty="0"/>
-              <a:t>gau</a:t>
-            </a:r>
-          </a:p>
-          <a:p>
-            <a:r>
-              <a:rPr lang="en-AT" dirty="0"/>
-              <a:t>Zyte</a:t>
-            </a:r>
-          </a:p>
-          <a:p>
-            <a:r>
-              <a:rPr lang="en-AT" dirty="0"/>
-              <a:t>Page Pattern</a:t>
-            </a:r>
-          </a:p>
-          <a:p>
-            <a:r>
-              <a:rPr lang="en-AT" dirty="0"/>
-              <a:t>Canonical URLs</a:t>
-            </a:r>
-          </a:p>
-        </p:txBody>
-      </p:sp>
+            <a:pPr algn="r"/>
+            <a:r>
+              <a:rPr lang="en-AT" sz="1600" dirty="0">
+                <a:hlinkClick r:id="rId2"/>
+              </a:rPr>
+              <a:t>https://www.scrapehero.com/xpath-cheat-sheet-for-web-scraping/</a:t>
+            </a:r>
+            <a:endParaRPr lang="en-AT" sz="1600" dirty="0"/>
+          </a:p>
+          <a:p>
+            <a:pPr algn="r"/>
+            <a:r>
+              <a:rPr lang="en-GB" sz="1600" dirty="0">
+                <a:hlinkClick r:id="rId3"/>
+              </a:rPr>
+              <a:t>https://www.w3schools.com/xml/xpath_intro.asp</a:t>
+            </a:r>
+            <a:endParaRPr lang="en-AT" sz="1600" dirty="0"/>
+          </a:p>
+        </p:txBody>
+      </p:sp>
+      <p:pic>
+        <p:nvPicPr>
+          <p:cNvPr id="13314" name="Picture 2">
+            <a:extLst>
+              <a:ext uri="{FF2B5EF4-FFF2-40B4-BE49-F238E27FC236}">
+                <a16:creationId xmlns:a16="http://schemas.microsoft.com/office/drawing/2014/main" id="{A2161992-E696-4340-CD7E-1643FCF12758}"/>
+              </a:ext>
+            </a:extLst>
+          </p:cNvPr>
+          <p:cNvPicPr>
+            <a:picLocks noChangeAspect="1" noChangeArrowheads="1"/>
+          </p:cNvPicPr>
+          <p:nvPr/>
+        </p:nvPicPr>
+        <p:blipFill>
+          <a:blip r:embed="rId4">
+            <a:clrChange>
+              <a:clrFrom>
+                <a:srgbClr val="FFFFFF"/>
+              </a:clrFrom>
+              <a:clrTo>
+                <a:srgbClr val="FFFFFF">
+                  <a:alpha val="0"/>
+                </a:srgbClr>
+              </a:clrTo>
+            </a:clrChange>
+            <a:extLst>
+              <a:ext uri="{28A0092B-C50C-407E-A947-70E740481C1C}">
+                <a14:useLocalDpi xmlns:a14="http://schemas.microsoft.com/office/drawing/2010/main" val="0"/>
+              </a:ext>
+            </a:extLst>
+          </a:blip>
+          <a:srcRect/>
+          <a:stretch>
+            <a:fillRect/>
+          </a:stretch>
+        </p:blipFill>
+        <p:spPr bwMode="auto">
+          <a:xfrm>
+            <a:off x="2486025" y="3063805"/>
+            <a:ext cx="7219950" cy="2860718"/>
+          </a:xfrm>
+          <a:prstGeom prst="rect">
+            <a:avLst/>
+          </a:prstGeom>
+          <a:noFill/>
+          <a:extLst>
+            <a:ext uri="{909E8E84-426E-40DD-AFC4-6F175D3DCCD1}">
+              <a14:hiddenFill xmlns:a14="http://schemas.microsoft.com/office/drawing/2010/main">
+                <a:solidFill>
+                  <a:srgbClr val="FFFFFF"/>
+                </a:solidFill>
+              </a14:hiddenFill>
+            </a:ext>
+          </a:extLst>
+        </p:spPr>
+      </p:pic>
     </p:spTree>
     <p:extLst>
       <p:ext uri="{BB962C8B-B14F-4D97-AF65-F5344CB8AC3E}">
-        <p14:creationId xmlns:p14="http://schemas.microsoft.com/office/powerpoint/2010/main" val="2941981752"/>
+        <p14:creationId xmlns:p14="http://schemas.microsoft.com/office/powerpoint/2010/main" val="3796691758"/>
       </p:ext>
     </p:extLst>
   </p:cSld>
@@ -4277,7 +5177,116 @@
 </p:sld>
 </file>
 
-<file path=ppt/slides/slide3.xml><?xml version="1.0" encoding="utf-8"?>
+<file path=ppt/slides/slide13.xml><?xml version="1.0" encoding="utf-8"?>
+<p:sld xmlns:a="http://schemas.openxmlformats.org/drawingml/2006/main" xmlns:r="http://schemas.openxmlformats.org/officeDocument/2006/relationships" xmlns:p="http://schemas.openxmlformats.org/presentationml/2006/main">
+  <p:cSld>
+    <p:spTree>
+      <p:nvGrpSpPr>
+        <p:cNvPr id="1" name="">
+          <a:extLst>
+            <a:ext uri="{FF2B5EF4-FFF2-40B4-BE49-F238E27FC236}">
+              <a16:creationId xmlns:a16="http://schemas.microsoft.com/office/drawing/2014/main" id="{4E216CDB-F6A1-988A-E0AF-86EB68C868B1}"/>
+            </a:ext>
+          </a:extLst>
+        </p:cNvPr>
+        <p:cNvGrpSpPr/>
+        <p:nvPr/>
+      </p:nvGrpSpPr>
+      <p:grpSpPr>
+        <a:xfrm>
+          <a:off x="0" y="0"/>
+          <a:ext cx="0" cy="0"/>
+          <a:chOff x="0" y="0"/>
+          <a:chExt cx="0" cy="0"/>
+        </a:xfrm>
+      </p:grpSpPr>
+      <p:sp>
+        <p:nvSpPr>
+          <p:cNvPr id="2" name="Title 1">
+            <a:extLst>
+              <a:ext uri="{FF2B5EF4-FFF2-40B4-BE49-F238E27FC236}">
+                <a16:creationId xmlns:a16="http://schemas.microsoft.com/office/drawing/2014/main" id="{127304E8-FD41-B3A3-4DD7-93A0D758B791}"/>
+              </a:ext>
+            </a:extLst>
+          </p:cNvPr>
+          <p:cNvSpPr>
+            <a:spLocks noGrp="1"/>
+          </p:cNvSpPr>
+          <p:nvPr>
+            <p:ph type="title"/>
+          </p:nvPr>
+        </p:nvSpPr>
+        <p:spPr/>
+        <p:txBody>
+          <a:bodyPr/>
+          <a:lstStyle/>
+          <a:p>
+            <a:r>
+              <a:rPr lang="en-GB" dirty="0"/>
+              <a:t>robots</a:t>
+            </a:r>
+            <a:r>
+              <a:rPr lang="en-AT" dirty="0"/>
+              <a:t>.txt</a:t>
+            </a:r>
+          </a:p>
+        </p:txBody>
+      </p:sp>
+      <p:pic>
+        <p:nvPicPr>
+          <p:cNvPr id="4" name="Picture 3">
+            <a:hlinkClick r:id="rId2"/>
+            <a:extLst>
+              <a:ext uri="{FF2B5EF4-FFF2-40B4-BE49-F238E27FC236}">
+                <a16:creationId xmlns:a16="http://schemas.microsoft.com/office/drawing/2014/main" id="{3F56F89E-D3D2-5D18-A52D-BF7AAAC92975}"/>
+              </a:ext>
+            </a:extLst>
+          </p:cNvPr>
+          <p:cNvPicPr>
+            <a:picLocks noChangeAspect="1"/>
+          </p:cNvPicPr>
+          <p:nvPr/>
+        </p:nvPicPr>
+        <p:blipFill>
+          <a:blip r:embed="rId3">
+            <a:clrChange>
+              <a:clrFrom>
+                <a:srgbClr val="F3F4F6"/>
+              </a:clrFrom>
+              <a:clrTo>
+                <a:srgbClr val="F3F4F6">
+                  <a:alpha val="0"/>
+                </a:srgbClr>
+              </a:clrTo>
+            </a:clrChange>
+          </a:blip>
+          <a:srcRect l="1642" b="1205"/>
+          <a:stretch/>
+        </p:blipFill>
+        <p:spPr>
+          <a:xfrm>
+            <a:off x="4152900" y="938522"/>
+            <a:ext cx="6248400" cy="4980956"/>
+          </a:xfrm>
+          <a:prstGeom prst="rect">
+            <a:avLst/>
+          </a:prstGeom>
+        </p:spPr>
+      </p:pic>
+    </p:spTree>
+    <p:extLst>
+      <p:ext uri="{BB962C8B-B14F-4D97-AF65-F5344CB8AC3E}">
+        <p14:creationId xmlns:p14="http://schemas.microsoft.com/office/powerpoint/2010/main" val="3369894172"/>
+      </p:ext>
+    </p:extLst>
+  </p:cSld>
+  <p:clrMapOvr>
+    <a:masterClrMapping/>
+  </p:clrMapOvr>
+</p:sld>
+</file>
+
+<file path=ppt/slides/slide14.xml><?xml version="1.0" encoding="utf-8"?>
 <p:sld xmlns:a="http://schemas.openxmlformats.org/drawingml/2006/main" xmlns:r="http://schemas.openxmlformats.org/officeDocument/2006/relationships" xmlns:p="http://schemas.openxmlformats.org/presentationml/2006/main">
   <p:cSld>
     <p:spTree>
@@ -4299,6 +5308,1241 @@
           <p:cNvPr id="2" name="Title 1">
             <a:extLst>
               <a:ext uri="{FF2B5EF4-FFF2-40B4-BE49-F238E27FC236}">
+                <a16:creationId xmlns:a16="http://schemas.microsoft.com/office/drawing/2014/main" id="{D8EEDC4B-EB93-16C1-78A5-8972C1569F6B}"/>
+              </a:ext>
+            </a:extLst>
+          </p:cNvPr>
+          <p:cNvSpPr>
+            <a:spLocks noGrp="1"/>
+          </p:cNvSpPr>
+          <p:nvPr>
+            <p:ph type="title"/>
+          </p:nvPr>
+        </p:nvSpPr>
+        <p:spPr>
+          <a:xfrm>
+            <a:off x="640079" y="1371600"/>
+            <a:ext cx="10890929" cy="5692140"/>
+          </a:xfrm>
+        </p:spPr>
+        <p:txBody>
+          <a:bodyPr>
+            <a:normAutofit/>
+          </a:bodyPr>
+          <a:lstStyle/>
+          <a:p>
+            <a:r>
+              <a:rPr lang="en-AT" dirty="0"/>
+              <a:t>Scrapy</a:t>
+            </a:r>
+            <a:br>
+              <a:rPr lang="en-AT" dirty="0"/>
+            </a:br>
+            <a:r>
+              <a:rPr lang="en-AT" dirty="0"/>
+              <a:t>Python</a:t>
+            </a:r>
+            <a:br>
+              <a:rPr lang="en-AT" dirty="0"/>
+            </a:br>
+            <a:r>
+              <a:rPr lang="en-AT" dirty="0"/>
+              <a:t>jsonl</a:t>
+            </a:r>
+            <a:br>
+              <a:rPr lang="en-AT" dirty="0"/>
+            </a:br>
+            <a:r>
+              <a:rPr lang="en-AT" dirty="0"/>
+              <a:t>Spiders</a:t>
+            </a:r>
+            <a:br>
+              <a:rPr lang="en-AT" dirty="0"/>
+            </a:br>
+            <a:r>
+              <a:rPr lang="en-AT" dirty="0"/>
+              <a:t>Crawlers</a:t>
+            </a:r>
+            <a:br>
+              <a:rPr lang="en-AT" dirty="0"/>
+            </a:br>
+            <a:br>
+              <a:rPr lang="en-AT" sz="200" dirty="0"/>
+            </a:br>
+            <a:r>
+              <a:rPr lang="en-AT" sz="3200" dirty="0">
+                <a:latin typeface="Andale Mono" panose="020B0509000000000004" pitchFamily="49" charset="0"/>
+              </a:rPr>
+              <a:t>scrapy shell</a:t>
+            </a:r>
+            <a:br>
+              <a:rPr lang="en-AT" dirty="0"/>
+            </a:br>
+            <a:r>
+              <a:rPr lang="en-AT" dirty="0"/>
+              <a:t>…</a:t>
+            </a:r>
+          </a:p>
+        </p:txBody>
+      </p:sp>
+      <p:pic>
+        <p:nvPicPr>
+          <p:cNvPr id="4" name="Content Placeholder 3">
+            <a:extLst>
+              <a:ext uri="{FF2B5EF4-FFF2-40B4-BE49-F238E27FC236}">
+                <a16:creationId xmlns:a16="http://schemas.microsoft.com/office/drawing/2014/main" id="{438AB81A-0C3E-5410-799B-40BC50C29BCD}"/>
+              </a:ext>
+            </a:extLst>
+          </p:cNvPr>
+          <p:cNvPicPr>
+            <a:picLocks noGrp="1" noChangeAspect="1"/>
+          </p:cNvPicPr>
+          <p:nvPr>
+            <p:ph idx="1"/>
+          </p:nvPr>
+        </p:nvPicPr>
+        <p:blipFill>
+          <a:blip r:embed="rId2">
+            <a:clrChange>
+              <a:clrFrom>
+                <a:srgbClr val="F2F2F2"/>
+              </a:clrFrom>
+              <a:clrTo>
+                <a:srgbClr val="F2F2F2">
+                  <a:alpha val="0"/>
+                </a:srgbClr>
+              </a:clrTo>
+            </a:clrChange>
+          </a:blip>
+          <a:srcRect l="1353"/>
+          <a:stretch/>
+        </p:blipFill>
+        <p:spPr>
+          <a:xfrm>
+            <a:off x="4505452" y="1646237"/>
+            <a:ext cx="6588428" cy="3565525"/>
+          </a:xfrm>
+          <a:prstGeom prst="rect">
+            <a:avLst/>
+          </a:prstGeom>
+        </p:spPr>
+      </p:pic>
+    </p:spTree>
+    <p:extLst>
+      <p:ext uri="{BB962C8B-B14F-4D97-AF65-F5344CB8AC3E}">
+        <p14:creationId xmlns:p14="http://schemas.microsoft.com/office/powerpoint/2010/main" val="981083703"/>
+      </p:ext>
+    </p:extLst>
+  </p:cSld>
+  <p:clrMapOvr>
+    <a:masterClrMapping/>
+  </p:clrMapOvr>
+</p:sld>
+</file>
+
+<file path=ppt/slides/slide15.xml><?xml version="1.0" encoding="utf-8"?>
+<p:sld xmlns:a="http://schemas.openxmlformats.org/drawingml/2006/main" xmlns:r="http://schemas.openxmlformats.org/officeDocument/2006/relationships" xmlns:p="http://schemas.openxmlformats.org/presentationml/2006/main" showMasterSp="0">
+  <p:cSld>
+    <p:bg>
+      <p:bgPr>
+        <a:solidFill>
+          <a:schemeClr val="tx1"/>
+        </a:solidFill>
+        <a:effectLst/>
+      </p:bgPr>
+    </p:bg>
+    <p:spTree>
+      <p:nvGrpSpPr>
+        <p:cNvPr id="1" name=""/>
+        <p:cNvGrpSpPr/>
+        <p:nvPr/>
+      </p:nvGrpSpPr>
+      <p:grpSpPr>
+        <a:xfrm>
+          <a:off x="0" y="0"/>
+          <a:ext cx="0" cy="0"/>
+          <a:chOff x="0" y="0"/>
+          <a:chExt cx="0" cy="0"/>
+        </a:xfrm>
+      </p:grpSpPr>
+      <p:sp>
+        <p:nvSpPr>
+          <p:cNvPr id="2" name="Title 1">
+            <a:extLst>
+              <a:ext uri="{FF2B5EF4-FFF2-40B4-BE49-F238E27FC236}">
+                <a16:creationId xmlns:a16="http://schemas.microsoft.com/office/drawing/2014/main" id="{25F77757-00DB-DA2B-B460-2989C5C5714D}"/>
+              </a:ext>
+            </a:extLst>
+          </p:cNvPr>
+          <p:cNvSpPr>
+            <a:spLocks noGrp="1"/>
+          </p:cNvSpPr>
+          <p:nvPr>
+            <p:ph type="title" idx="4294967295"/>
+          </p:nvPr>
+        </p:nvSpPr>
+        <p:spPr>
+          <a:xfrm>
+            <a:off x="650081" y="2043113"/>
+            <a:ext cx="10891838" cy="2771775"/>
+          </a:xfrm>
+          <a:effectLst>
+            <a:glow rad="127000">
+              <a:srgbClr val="FF70DE"/>
+            </a:glow>
+          </a:effectLst>
+        </p:spPr>
+        <p:txBody>
+          <a:bodyPr anchor="ctr">
+            <a:normAutofit fontScale="90000"/>
+          </a:bodyPr>
+          <a:lstStyle/>
+          <a:p>
+            <a:pPr algn="ctr"/>
+            <a:r>
+              <a:rPr lang="en-AT" sz="8000" i="1" dirty="0">
+                <a:solidFill>
+                  <a:schemeClr val="accent6">
+                    <a:lumMod val="60000"/>
+                    <a:lumOff val="40000"/>
+                  </a:schemeClr>
+                </a:solidFill>
+                <a:effectLst>
+                  <a:glow rad="139700">
+                    <a:schemeClr val="accent6">
+                      <a:satMod val="175000"/>
+                      <a:alpha val="40000"/>
+                    </a:schemeClr>
+                  </a:glow>
+                </a:effectLst>
+                <a:latin typeface="Monoton" pitchFamily="2" charset="0"/>
+              </a:rPr>
+              <a:t>Let’s</a:t>
+            </a:r>
+            <a:br>
+              <a:rPr lang="en-AT" sz="9600" i="1" dirty="0">
+                <a:solidFill>
+                  <a:schemeClr val="accent6">
+                    <a:lumMod val="20000"/>
+                    <a:lumOff val="80000"/>
+                  </a:schemeClr>
+                </a:solidFill>
+                <a:latin typeface="Monoton" pitchFamily="2" charset="0"/>
+              </a:rPr>
+            </a:br>
+            <a:r>
+              <a:rPr lang="en-AT" sz="9600" i="1" dirty="0">
+                <a:solidFill>
+                  <a:srgbClr val="6F76F7"/>
+                </a:solidFill>
+                <a:effectLst>
+                  <a:glow rad="139700">
+                    <a:srgbClr val="6F76F7">
+                      <a:alpha val="40000"/>
+                    </a:srgbClr>
+                  </a:glow>
+                </a:effectLst>
+                <a:latin typeface="Monoton" pitchFamily="2" charset="0"/>
+              </a:rPr>
+              <a:t>Vibe</a:t>
+            </a:r>
+            <a:r>
+              <a:rPr lang="en-AT" sz="9600" i="1" dirty="0">
+                <a:solidFill>
+                  <a:schemeClr val="accent6">
+                    <a:lumMod val="20000"/>
+                    <a:lumOff val="80000"/>
+                  </a:schemeClr>
+                </a:solidFill>
+                <a:effectLst>
+                  <a:glow rad="127000">
+                    <a:schemeClr val="accent6">
+                      <a:lumMod val="50000"/>
+                    </a:schemeClr>
+                  </a:glow>
+                </a:effectLst>
+                <a:latin typeface="Monoton" pitchFamily="2" charset="0"/>
+              </a:rPr>
+              <a:t>  </a:t>
+            </a:r>
+            <a:r>
+              <a:rPr lang="en-AT" sz="9600" i="1" dirty="0">
+                <a:solidFill>
+                  <a:srgbClr val="FB4A9D"/>
+                </a:solidFill>
+                <a:effectLst>
+                  <a:glow rad="127000">
+                    <a:srgbClr val="FF70DE">
+                      <a:alpha val="63000"/>
+                    </a:srgbClr>
+                  </a:glow>
+                </a:effectLst>
+                <a:latin typeface="Monoton" pitchFamily="2" charset="0"/>
+              </a:rPr>
+              <a:t>Code</a:t>
+            </a:r>
+          </a:p>
+        </p:txBody>
+      </p:sp>
+    </p:spTree>
+    <p:extLst>
+      <p:ext uri="{BB962C8B-B14F-4D97-AF65-F5344CB8AC3E}">
+        <p14:creationId xmlns:p14="http://schemas.microsoft.com/office/powerpoint/2010/main" val="1809876981"/>
+      </p:ext>
+    </p:extLst>
+  </p:cSld>
+  <p:clrMapOvr>
+    <a:masterClrMapping/>
+  </p:clrMapOvr>
+</p:sld>
+</file>
+
+<file path=ppt/slides/slide16.xml><?xml version="1.0" encoding="utf-8"?>
+<p:sld xmlns:a="http://schemas.openxmlformats.org/drawingml/2006/main" xmlns:r="http://schemas.openxmlformats.org/officeDocument/2006/relationships" xmlns:p="http://schemas.openxmlformats.org/presentationml/2006/main">
+  <p:cSld>
+    <p:spTree>
+      <p:nvGrpSpPr>
+        <p:cNvPr id="1" name=""/>
+        <p:cNvGrpSpPr/>
+        <p:nvPr/>
+      </p:nvGrpSpPr>
+      <p:grpSpPr>
+        <a:xfrm>
+          <a:off x="0" y="0"/>
+          <a:ext cx="0" cy="0"/>
+          <a:chOff x="0" y="0"/>
+          <a:chExt cx="0" cy="0"/>
+        </a:xfrm>
+      </p:grpSpPr>
+      <p:pic>
+        <p:nvPicPr>
+          <p:cNvPr id="7170" name="Picture 2" descr="r/TheMidnight - The Midnight America Online Artwork [1920x1080]">
+            <a:extLst>
+              <a:ext uri="{FF2B5EF4-FFF2-40B4-BE49-F238E27FC236}">
+                <a16:creationId xmlns:a16="http://schemas.microsoft.com/office/drawing/2014/main" id="{72DD925F-1617-1D08-7C90-1B10461A010A}"/>
+              </a:ext>
+            </a:extLst>
+          </p:cNvPr>
+          <p:cNvPicPr>
+            <a:picLocks noChangeAspect="1" noChangeArrowheads="1"/>
+          </p:cNvPicPr>
+          <p:nvPr/>
+        </p:nvPicPr>
+        <p:blipFill>
+          <a:blip r:embed="rId2">
+            <a:extLst>
+              <a:ext uri="{28A0092B-C50C-407E-A947-70E740481C1C}">
+                <a14:useLocalDpi xmlns:a14="http://schemas.microsoft.com/office/drawing/2010/main" val="0"/>
+              </a:ext>
+            </a:extLst>
+          </a:blip>
+          <a:srcRect/>
+          <a:stretch>
+            <a:fillRect/>
+          </a:stretch>
+        </p:blipFill>
+        <p:spPr bwMode="auto">
+          <a:xfrm>
+            <a:off x="0" y="0"/>
+            <a:ext cx="12192000" cy="6858000"/>
+          </a:xfrm>
+          <a:prstGeom prst="rect">
+            <a:avLst/>
+          </a:prstGeom>
+          <a:noFill/>
+          <a:extLst>
+            <a:ext uri="{909E8E84-426E-40DD-AFC4-6F175D3DCCD1}">
+              <a14:hiddenFill xmlns:a14="http://schemas.microsoft.com/office/drawing/2010/main">
+                <a:solidFill>
+                  <a:srgbClr val="FFFFFF"/>
+                </a:solidFill>
+              </a14:hiddenFill>
+            </a:ext>
+          </a:extLst>
+        </p:spPr>
+      </p:pic>
+    </p:spTree>
+    <p:extLst>
+      <p:ext uri="{BB962C8B-B14F-4D97-AF65-F5344CB8AC3E}">
+        <p14:creationId xmlns:p14="http://schemas.microsoft.com/office/powerpoint/2010/main" val="3904198010"/>
+      </p:ext>
+    </p:extLst>
+  </p:cSld>
+  <p:clrMapOvr>
+    <a:masterClrMapping/>
+  </p:clrMapOvr>
+</p:sld>
+</file>
+
+<file path=ppt/slides/slide17.xml><?xml version="1.0" encoding="utf-8"?>
+<p:sld xmlns:a="http://schemas.openxmlformats.org/drawingml/2006/main" xmlns:r="http://schemas.openxmlformats.org/officeDocument/2006/relationships" xmlns:p="http://schemas.openxmlformats.org/presentationml/2006/main">
+  <p:cSld>
+    <p:spTree>
+      <p:nvGrpSpPr>
+        <p:cNvPr id="1" name=""/>
+        <p:cNvGrpSpPr/>
+        <p:nvPr/>
+      </p:nvGrpSpPr>
+      <p:grpSpPr>
+        <a:xfrm>
+          <a:off x="0" y="0"/>
+          <a:ext cx="0" cy="0"/>
+          <a:chOff x="0" y="0"/>
+          <a:chExt cx="0" cy="0"/>
+        </a:xfrm>
+      </p:grpSpPr>
+      <p:pic>
+        <p:nvPicPr>
+          <p:cNvPr id="9218" name="Picture 2" descr="r/TheMidnight - The Midnight Prom Night Artwork [1920x1080]">
+            <a:extLst>
+              <a:ext uri="{FF2B5EF4-FFF2-40B4-BE49-F238E27FC236}">
+                <a16:creationId xmlns:a16="http://schemas.microsoft.com/office/drawing/2014/main" id="{04CD56CC-C4F9-B320-45F7-6E46A3ECE13D}"/>
+              </a:ext>
+            </a:extLst>
+          </p:cNvPr>
+          <p:cNvPicPr>
+            <a:picLocks noChangeAspect="1" noChangeArrowheads="1"/>
+          </p:cNvPicPr>
+          <p:nvPr/>
+        </p:nvPicPr>
+        <p:blipFill>
+          <a:blip r:embed="rId2">
+            <a:extLst>
+              <a:ext uri="{28A0092B-C50C-407E-A947-70E740481C1C}">
+                <a14:useLocalDpi xmlns:a14="http://schemas.microsoft.com/office/drawing/2010/main" val="0"/>
+              </a:ext>
+            </a:extLst>
+          </a:blip>
+          <a:srcRect/>
+          <a:stretch>
+            <a:fillRect/>
+          </a:stretch>
+        </p:blipFill>
+        <p:spPr bwMode="auto">
+          <a:xfrm>
+            <a:off x="0" y="0"/>
+            <a:ext cx="12192000" cy="6858000"/>
+          </a:xfrm>
+          <a:prstGeom prst="rect">
+            <a:avLst/>
+          </a:prstGeom>
+          <a:noFill/>
+          <a:extLst>
+            <a:ext uri="{909E8E84-426E-40DD-AFC4-6F175D3DCCD1}">
+              <a14:hiddenFill xmlns:a14="http://schemas.microsoft.com/office/drawing/2010/main">
+                <a:solidFill>
+                  <a:srgbClr val="FFFFFF"/>
+                </a:solidFill>
+              </a14:hiddenFill>
+            </a:ext>
+          </a:extLst>
+        </p:spPr>
+      </p:pic>
+    </p:spTree>
+    <p:extLst>
+      <p:ext uri="{BB962C8B-B14F-4D97-AF65-F5344CB8AC3E}">
+        <p14:creationId xmlns:p14="http://schemas.microsoft.com/office/powerpoint/2010/main" val="1862824905"/>
+      </p:ext>
+    </p:extLst>
+  </p:cSld>
+  <p:clrMapOvr>
+    <a:masterClrMapping/>
+  </p:clrMapOvr>
+</p:sld>
+</file>
+
+<file path=ppt/slides/slide18.xml><?xml version="1.0" encoding="utf-8"?>
+<p:sld xmlns:a="http://schemas.openxmlformats.org/drawingml/2006/main" xmlns:r="http://schemas.openxmlformats.org/officeDocument/2006/relationships" xmlns:p="http://schemas.openxmlformats.org/presentationml/2006/main">
+  <p:cSld>
+    <p:spTree>
+      <p:nvGrpSpPr>
+        <p:cNvPr id="1" name=""/>
+        <p:cNvGrpSpPr/>
+        <p:nvPr/>
+      </p:nvGrpSpPr>
+      <p:grpSpPr>
+        <a:xfrm>
+          <a:off x="0" y="0"/>
+          <a:ext cx="0" cy="0"/>
+          <a:chOff x="0" y="0"/>
+          <a:chExt cx="0" cy="0"/>
+        </a:xfrm>
+      </p:grpSpPr>
+      <p:pic>
+        <p:nvPicPr>
+          <p:cNvPr id="8194" name="Picture 2" descr="r/TheMidnight - The Midnight Monsters Album Artwork [3412x1920]">
+            <a:extLst>
+              <a:ext uri="{FF2B5EF4-FFF2-40B4-BE49-F238E27FC236}">
+                <a16:creationId xmlns:a16="http://schemas.microsoft.com/office/drawing/2014/main" id="{AB795D29-070D-CEB6-A8AC-52469403ADD3}"/>
+              </a:ext>
+            </a:extLst>
+          </p:cNvPr>
+          <p:cNvPicPr>
+            <a:picLocks noChangeAspect="1" noChangeArrowheads="1"/>
+          </p:cNvPicPr>
+          <p:nvPr/>
+        </p:nvPicPr>
+        <p:blipFill>
+          <a:blip r:embed="rId2">
+            <a:extLst>
+              <a:ext uri="{28A0092B-C50C-407E-A947-70E740481C1C}">
+                <a14:useLocalDpi xmlns:a14="http://schemas.microsoft.com/office/drawing/2010/main" val="0"/>
+              </a:ext>
+            </a:extLst>
+          </a:blip>
+          <a:srcRect/>
+          <a:stretch>
+            <a:fillRect/>
+          </a:stretch>
+        </p:blipFill>
+        <p:spPr bwMode="auto">
+          <a:xfrm>
+            <a:off x="0" y="0"/>
+            <a:ext cx="12192000" cy="6858000"/>
+          </a:xfrm>
+          <a:prstGeom prst="rect">
+            <a:avLst/>
+          </a:prstGeom>
+          <a:noFill/>
+          <a:extLst>
+            <a:ext uri="{909E8E84-426E-40DD-AFC4-6F175D3DCCD1}">
+              <a14:hiddenFill xmlns:a14="http://schemas.microsoft.com/office/drawing/2010/main">
+                <a:solidFill>
+                  <a:srgbClr val="FFFFFF"/>
+                </a:solidFill>
+              </a14:hiddenFill>
+            </a:ext>
+          </a:extLst>
+        </p:spPr>
+      </p:pic>
+    </p:spTree>
+    <p:extLst>
+      <p:ext uri="{BB962C8B-B14F-4D97-AF65-F5344CB8AC3E}">
+        <p14:creationId xmlns:p14="http://schemas.microsoft.com/office/powerpoint/2010/main" val="2739976865"/>
+      </p:ext>
+    </p:extLst>
+  </p:cSld>
+  <p:clrMapOvr>
+    <a:masterClrMapping/>
+  </p:clrMapOvr>
+</p:sld>
+</file>
+
+<file path=ppt/slides/slide19.xml><?xml version="1.0" encoding="utf-8"?>
+<p:sld xmlns:a="http://schemas.openxmlformats.org/drawingml/2006/main" xmlns:r="http://schemas.openxmlformats.org/officeDocument/2006/relationships" xmlns:p="http://schemas.openxmlformats.org/presentationml/2006/main" showMasterSp="0">
+  <p:cSld>
+    <p:bg>
+      <p:bgPr>
+        <a:solidFill>
+          <a:schemeClr val="tx1"/>
+        </a:solidFill>
+        <a:effectLst/>
+      </p:bgPr>
+    </p:bg>
+    <p:spTree>
+      <p:nvGrpSpPr>
+        <p:cNvPr id="1" name=""/>
+        <p:cNvGrpSpPr/>
+        <p:nvPr/>
+      </p:nvGrpSpPr>
+      <p:grpSpPr>
+        <a:xfrm>
+          <a:off x="0" y="0"/>
+          <a:ext cx="0" cy="0"/>
+          <a:chOff x="0" y="0"/>
+          <a:chExt cx="0" cy="0"/>
+        </a:xfrm>
+      </p:grpSpPr>
+      <p:pic>
+        <p:nvPicPr>
+          <p:cNvPr id="3" name="Picture 2" descr="A person walking past a blue car on a trailer&#10;&#10;AI-generated content may be incorrect.">
+            <a:extLst>
+              <a:ext uri="{FF2B5EF4-FFF2-40B4-BE49-F238E27FC236}">
+                <a16:creationId xmlns:a16="http://schemas.microsoft.com/office/drawing/2014/main" id="{F3446CED-2A13-9D48-B095-3544BBB155AA}"/>
+              </a:ext>
+            </a:extLst>
+          </p:cNvPr>
+          <p:cNvPicPr>
+            <a:picLocks noChangeAspect="1"/>
+          </p:cNvPicPr>
+          <p:nvPr/>
+        </p:nvPicPr>
+        <p:blipFill>
+          <a:blip r:embed="rId2"/>
+          <a:stretch>
+            <a:fillRect/>
+          </a:stretch>
+        </p:blipFill>
+        <p:spPr>
+          <a:xfrm rot="21234564">
+            <a:off x="-1982668" y="-180179"/>
+            <a:ext cx="9624476" cy="7218357"/>
+          </a:xfrm>
+          <a:prstGeom prst="rect">
+            <a:avLst/>
+          </a:prstGeom>
+        </p:spPr>
+      </p:pic>
+      <p:pic>
+        <p:nvPicPr>
+          <p:cNvPr id="5" name="Picture 4" descr="A close up of a car engine&#10;&#10;AI-generated content may be incorrect.">
+            <a:extLst>
+              <a:ext uri="{FF2B5EF4-FFF2-40B4-BE49-F238E27FC236}">
+                <a16:creationId xmlns:a16="http://schemas.microsoft.com/office/drawing/2014/main" id="{EBEAB96E-FF10-4D4D-4883-D4D526FD3877}"/>
+              </a:ext>
+            </a:extLst>
+          </p:cNvPr>
+          <p:cNvPicPr>
+            <a:picLocks noChangeAspect="1"/>
+          </p:cNvPicPr>
+          <p:nvPr/>
+        </p:nvPicPr>
+        <p:blipFill>
+          <a:blip r:embed="rId3"/>
+          <a:stretch>
+            <a:fillRect/>
+          </a:stretch>
+        </p:blipFill>
+        <p:spPr>
+          <a:xfrm>
+            <a:off x="3524250" y="0"/>
+            <a:ext cx="5143500" cy="6858000"/>
+          </a:xfrm>
+          <a:prstGeom prst="rect">
+            <a:avLst/>
+          </a:prstGeom>
+        </p:spPr>
+      </p:pic>
+      <p:pic>
+        <p:nvPicPr>
+          <p:cNvPr id="7" name="Picture 6" descr="The inside of a car&#10;&#10;AI-generated content may be incorrect.">
+            <a:extLst>
+              <a:ext uri="{FF2B5EF4-FFF2-40B4-BE49-F238E27FC236}">
+                <a16:creationId xmlns:a16="http://schemas.microsoft.com/office/drawing/2014/main" id="{D40DD86C-A32A-DE9D-C052-B17ED64F926A}"/>
+              </a:ext>
+            </a:extLst>
+          </p:cNvPr>
+          <p:cNvPicPr>
+            <a:picLocks noChangeAspect="1"/>
+          </p:cNvPicPr>
+          <p:nvPr/>
+        </p:nvPicPr>
+        <p:blipFill>
+          <a:blip r:embed="rId4"/>
+          <a:stretch>
+            <a:fillRect/>
+          </a:stretch>
+        </p:blipFill>
+        <p:spPr>
+          <a:xfrm rot="214418">
+            <a:off x="5181599" y="1"/>
+            <a:ext cx="9143999" cy="6857999"/>
+          </a:xfrm>
+          <a:prstGeom prst="rect">
+            <a:avLst/>
+          </a:prstGeom>
+        </p:spPr>
+      </p:pic>
+    </p:spTree>
+    <p:extLst>
+      <p:ext uri="{BB962C8B-B14F-4D97-AF65-F5344CB8AC3E}">
+        <p14:creationId xmlns:p14="http://schemas.microsoft.com/office/powerpoint/2010/main" val="817573749"/>
+      </p:ext>
+    </p:extLst>
+  </p:cSld>
+  <p:clrMapOvr>
+    <a:masterClrMapping/>
+  </p:clrMapOvr>
+  <p:timing>
+    <p:tnLst>
+      <p:par>
+        <p:cTn id="1" dur="indefinite" restart="never" nodeType="tmRoot">
+          <p:childTnLst>
+            <p:seq concurrent="1" nextAc="seek">
+              <p:cTn id="2" dur="indefinite" nodeType="mainSeq">
+                <p:childTnLst>
+                  <p:par>
+                    <p:cTn id="3" fill="hold">
+                      <p:stCondLst>
+                        <p:cond delay="indefinite"/>
+                      </p:stCondLst>
+                      <p:childTnLst>
+                        <p:par>
+                          <p:cTn id="4" fill="hold">
+                            <p:stCondLst>
+                              <p:cond delay="0"/>
+                            </p:stCondLst>
+                            <p:childTnLst>
+                              <p:par>
+                                <p:cTn id="5" presetID="1" presetClass="entr" presetSubtype="0" fill="hold" nodeType="clickEffect">
+                                  <p:stCondLst>
+                                    <p:cond delay="0"/>
+                                  </p:stCondLst>
+                                  <p:childTnLst>
+                                    <p:set>
+                                      <p:cBhvr>
+                                        <p:cTn id="6" dur="1" fill="hold">
+                                          <p:stCondLst>
+                                            <p:cond delay="0"/>
+                                          </p:stCondLst>
+                                        </p:cTn>
+                                        <p:tgtEl>
+                                          <p:spTgt spid="3"/>
+                                        </p:tgtEl>
+                                        <p:attrNameLst>
+                                          <p:attrName>style.visibility</p:attrName>
+                                        </p:attrNameLst>
+                                      </p:cBhvr>
+                                      <p:to>
+                                        <p:strVal val="visible"/>
+                                      </p:to>
+                                    </p:set>
+                                  </p:childTnLst>
+                                </p:cTn>
+                              </p:par>
+                            </p:childTnLst>
+                          </p:cTn>
+                        </p:par>
+                      </p:childTnLst>
+                    </p:cTn>
+                  </p:par>
+                  <p:par>
+                    <p:cTn id="7" fill="hold">
+                      <p:stCondLst>
+                        <p:cond delay="indefinite"/>
+                      </p:stCondLst>
+                      <p:childTnLst>
+                        <p:par>
+                          <p:cTn id="8" fill="hold">
+                            <p:stCondLst>
+                              <p:cond delay="0"/>
+                            </p:stCondLst>
+                            <p:childTnLst>
+                              <p:par>
+                                <p:cTn id="9" presetID="1" presetClass="entr" presetSubtype="0" fill="hold" nodeType="clickEffect">
+                                  <p:stCondLst>
+                                    <p:cond delay="0"/>
+                                  </p:stCondLst>
+                                  <p:childTnLst>
+                                    <p:set>
+                                      <p:cBhvr>
+                                        <p:cTn id="10" dur="1" fill="hold">
+                                          <p:stCondLst>
+                                            <p:cond delay="0"/>
+                                          </p:stCondLst>
+                                        </p:cTn>
+                                        <p:tgtEl>
+                                          <p:spTgt spid="5"/>
+                                        </p:tgtEl>
+                                        <p:attrNameLst>
+                                          <p:attrName>style.visibility</p:attrName>
+                                        </p:attrNameLst>
+                                      </p:cBhvr>
+                                      <p:to>
+                                        <p:strVal val="visible"/>
+                                      </p:to>
+                                    </p:set>
+                                  </p:childTnLst>
+                                </p:cTn>
+                              </p:par>
+                            </p:childTnLst>
+                          </p:cTn>
+                        </p:par>
+                      </p:childTnLst>
+                    </p:cTn>
+                  </p:par>
+                  <p:par>
+                    <p:cTn id="11" fill="hold">
+                      <p:stCondLst>
+                        <p:cond delay="indefinite"/>
+                      </p:stCondLst>
+                      <p:childTnLst>
+                        <p:par>
+                          <p:cTn id="12" fill="hold">
+                            <p:stCondLst>
+                              <p:cond delay="0"/>
+                            </p:stCondLst>
+                            <p:childTnLst>
+                              <p:par>
+                                <p:cTn id="13" presetID="1" presetClass="entr" presetSubtype="0" fill="hold" nodeType="clickEffect">
+                                  <p:stCondLst>
+                                    <p:cond delay="0"/>
+                                  </p:stCondLst>
+                                  <p:childTnLst>
+                                    <p:set>
+                                      <p:cBhvr>
+                                        <p:cTn id="14" dur="1" fill="hold">
+                                          <p:stCondLst>
+                                            <p:cond delay="0"/>
+                                          </p:stCondLst>
+                                        </p:cTn>
+                                        <p:tgtEl>
+                                          <p:spTgt spid="7"/>
+                                        </p:tgtEl>
+                                        <p:attrNameLst>
+                                          <p:attrName>style.visibility</p:attrName>
+                                        </p:attrNameLst>
+                                      </p:cBhvr>
+                                      <p:to>
+                                        <p:strVal val="visible"/>
+                                      </p:to>
+                                    </p:set>
+                                  </p:childTnLst>
+                                </p:cTn>
+                              </p:par>
+                            </p:childTnLst>
+                          </p:cTn>
+                        </p:par>
+                      </p:childTnLst>
+                    </p:cTn>
+                  </p:par>
+                </p:childTnLst>
+              </p:cTn>
+              <p:prevCondLst>
+                <p:cond evt="onPrev" delay="0">
+                  <p:tgtEl>
+                    <p:sldTgt/>
+                  </p:tgtEl>
+                </p:cond>
+              </p:prevCondLst>
+              <p:nextCondLst>
+                <p:cond evt="onNext" delay="0">
+                  <p:tgtEl>
+                    <p:sldTgt/>
+                  </p:tgtEl>
+                </p:cond>
+              </p:nextCondLst>
+            </p:seq>
+          </p:childTnLst>
+        </p:cTn>
+      </p:par>
+    </p:tnLst>
+  </p:timing>
+</p:sld>
+</file>
+
+<file path=ppt/slides/slide2.xml><?xml version="1.0" encoding="utf-8"?>
+<p:sld xmlns:a="http://schemas.openxmlformats.org/drawingml/2006/main" xmlns:r="http://schemas.openxmlformats.org/officeDocument/2006/relationships" xmlns:p="http://schemas.openxmlformats.org/presentationml/2006/main">
+  <p:cSld>
+    <p:spTree>
+      <p:nvGrpSpPr>
+        <p:cNvPr id="1" name="">
+          <a:extLst>
+            <a:ext uri="{FF2B5EF4-FFF2-40B4-BE49-F238E27FC236}">
+              <a16:creationId xmlns:a16="http://schemas.microsoft.com/office/drawing/2014/main" id="{696CCBDF-9B56-360B-B1F0-20D2C91FED14}"/>
+            </a:ext>
+          </a:extLst>
+        </p:cNvPr>
+        <p:cNvGrpSpPr/>
+        <p:nvPr/>
+      </p:nvGrpSpPr>
+      <p:grpSpPr>
+        <a:xfrm>
+          <a:off x="0" y="0"/>
+          <a:ext cx="0" cy="0"/>
+          <a:chOff x="0" y="0"/>
+          <a:chExt cx="0" cy="0"/>
+        </a:xfrm>
+      </p:grpSpPr>
+      <p:sp>
+        <p:nvSpPr>
+          <p:cNvPr id="2" name="Title 1">
+            <a:extLst>
+              <a:ext uri="{FF2B5EF4-FFF2-40B4-BE49-F238E27FC236}">
+                <a16:creationId xmlns:a16="http://schemas.microsoft.com/office/drawing/2014/main" id="{7036CB23-FE8E-C41A-2D49-69EBDB97062B}"/>
+              </a:ext>
+            </a:extLst>
+          </p:cNvPr>
+          <p:cNvSpPr>
+            <a:spLocks noGrp="1"/>
+          </p:cNvSpPr>
+          <p:nvPr>
+            <p:ph type="title"/>
+          </p:nvPr>
+        </p:nvSpPr>
+        <p:spPr/>
+        <p:txBody>
+          <a:bodyPr/>
+          <a:lstStyle/>
+          <a:p>
+            <a:r>
+              <a:rPr lang="en-AT" dirty="0"/>
+              <a:t>Table of Content</a:t>
+            </a:r>
+          </a:p>
+        </p:txBody>
+      </p:sp>
+      <p:sp>
+        <p:nvSpPr>
+          <p:cNvPr id="3" name="Content Placeholder 2">
+            <a:extLst>
+              <a:ext uri="{FF2B5EF4-FFF2-40B4-BE49-F238E27FC236}">
+                <a16:creationId xmlns:a16="http://schemas.microsoft.com/office/drawing/2014/main" id="{ABC233A2-AA75-DA13-F2A3-70647621C91B}"/>
+              </a:ext>
+            </a:extLst>
+          </p:cNvPr>
+          <p:cNvSpPr>
+            <a:spLocks noGrp="1"/>
+          </p:cNvSpPr>
+          <p:nvPr>
+            <p:ph sz="half" idx="1"/>
+          </p:nvPr>
+        </p:nvSpPr>
+        <p:spPr/>
+        <p:txBody>
+          <a:bodyPr>
+            <a:normAutofit/>
+          </a:bodyPr>
+          <a:lstStyle/>
+          <a:p>
+            <a:r>
+              <a:rPr lang="de-AT" sz="2400" dirty="0"/>
+              <a:t>Heute: </a:t>
+            </a:r>
+            <a:r>
+              <a:rPr lang="de-AT" sz="2400" b="1" dirty="0"/>
+              <a:t>Basics</a:t>
+            </a:r>
+          </a:p>
+          <a:p>
+            <a:r>
+              <a:rPr lang="de-AT" sz="2400" dirty="0"/>
+              <a:t>Morgen: </a:t>
+            </a:r>
+            <a:r>
+              <a:rPr lang="de-AT" sz="2400" b="1" dirty="0" err="1"/>
+              <a:t>Advanced</a:t>
+            </a:r>
+            <a:endParaRPr lang="de-AT" sz="2400" b="1" dirty="0"/>
+          </a:p>
+        </p:txBody>
+      </p:sp>
+      <p:grpSp>
+        <p:nvGrpSpPr>
+          <p:cNvPr id="9" name="Group 8">
+            <a:extLst>
+              <a:ext uri="{FF2B5EF4-FFF2-40B4-BE49-F238E27FC236}">
+                <a16:creationId xmlns:a16="http://schemas.microsoft.com/office/drawing/2014/main" id="{E8E8DA83-179E-D11E-C2D0-8F11834CE715}"/>
+              </a:ext>
+            </a:extLst>
+          </p:cNvPr>
+          <p:cNvGrpSpPr/>
+          <p:nvPr/>
+        </p:nvGrpSpPr>
+        <p:grpSpPr>
+          <a:xfrm>
+            <a:off x="5079570" y="2249671"/>
+            <a:ext cx="6098582" cy="2508781"/>
+            <a:chOff x="5079570" y="2249671"/>
+            <a:chExt cx="6098582" cy="2508781"/>
+          </a:xfrm>
+        </p:grpSpPr>
+        <p:pic>
+          <p:nvPicPr>
+            <p:cNvPr id="1026" name="Picture 2" descr="A QR Code">
+              <a:extLst>
+                <a:ext uri="{FF2B5EF4-FFF2-40B4-BE49-F238E27FC236}">
+                  <a16:creationId xmlns:a16="http://schemas.microsoft.com/office/drawing/2014/main" id="{AB2939CB-4645-EEBF-5F40-DA584999AE0F}"/>
+                </a:ext>
+              </a:extLst>
+            </p:cNvPr>
+            <p:cNvPicPr>
+              <a:picLocks noChangeAspect="1" noChangeArrowheads="1"/>
+            </p:cNvPicPr>
+            <p:nvPr/>
+          </p:nvPicPr>
+          <p:blipFill>
+            <a:blip r:embed="rId3">
+              <a:extLst>
+                <a:ext uri="{28A0092B-C50C-407E-A947-70E740481C1C}">
+                  <a14:useLocalDpi xmlns:a14="http://schemas.microsoft.com/office/drawing/2010/main" val="0"/>
+                </a:ext>
+              </a:extLst>
+            </a:blip>
+            <a:srcRect/>
+            <a:stretch>
+              <a:fillRect/>
+            </a:stretch>
+          </p:blipFill>
+          <p:spPr bwMode="auto">
+            <a:xfrm>
+              <a:off x="7189061" y="2249671"/>
+              <a:ext cx="1879600" cy="1879600"/>
+            </a:xfrm>
+            <a:prstGeom prst="rect">
+              <a:avLst/>
+            </a:prstGeom>
+            <a:noFill/>
+            <a:extLst>
+              <a:ext uri="{909E8E84-426E-40DD-AFC4-6F175D3DCCD1}">
+                <a14:hiddenFill xmlns:a14="http://schemas.microsoft.com/office/drawing/2010/main">
+                  <a:solidFill>
+                    <a:srgbClr val="FFFFFF"/>
+                  </a:solidFill>
+                </a14:hiddenFill>
+              </a:ext>
+            </a:extLst>
+          </p:spPr>
+        </p:pic>
+        <p:sp>
+          <p:nvSpPr>
+            <p:cNvPr id="6" name="TextBox 5">
+              <a:extLst>
+                <a:ext uri="{FF2B5EF4-FFF2-40B4-BE49-F238E27FC236}">
+                  <a16:creationId xmlns:a16="http://schemas.microsoft.com/office/drawing/2014/main" id="{DCA81114-CF5C-9B36-F709-18B3720EBC70}"/>
+                </a:ext>
+              </a:extLst>
+            </p:cNvPr>
+            <p:cNvSpPr txBox="1"/>
+            <p:nvPr/>
+          </p:nvSpPr>
+          <p:spPr>
+            <a:xfrm>
+              <a:off x="5079570" y="4389120"/>
+              <a:ext cx="6098582" cy="369332"/>
+            </a:xfrm>
+            <a:prstGeom prst="rect">
+              <a:avLst/>
+            </a:prstGeom>
+            <a:noFill/>
+            <a:effectLst>
+              <a:glow rad="101600">
+                <a:schemeClr val="accent4">
+                  <a:satMod val="175000"/>
+                  <a:alpha val="40000"/>
+                </a:schemeClr>
+              </a:glow>
+            </a:effectLst>
+          </p:spPr>
+          <p:txBody>
+            <a:bodyPr wrap="square">
+              <a:spAutoFit/>
+            </a:bodyPr>
+            <a:lstStyle/>
+            <a:p>
+              <a:pPr algn="ctr"/>
+              <a:r>
+                <a:rPr lang="en-AT" dirty="0">
+                  <a:hlinkClick r:id="rId4"/>
+                </a:rPr>
+                <a:t>https://github.com/bemayr/web-crawling-and-scraping</a:t>
+              </a:r>
+              <a:endParaRPr lang="en-AT" dirty="0"/>
+            </a:p>
+          </p:txBody>
+        </p:sp>
+      </p:grpSp>
+    </p:spTree>
+    <p:extLst>
+      <p:ext uri="{BB962C8B-B14F-4D97-AF65-F5344CB8AC3E}">
+        <p14:creationId xmlns:p14="http://schemas.microsoft.com/office/powerpoint/2010/main" val="2751186876"/>
+      </p:ext>
+    </p:extLst>
+  </p:cSld>
+  <p:clrMapOvr>
+    <a:masterClrMapping/>
+  </p:clrMapOvr>
+  <p:timing>
+    <p:tnLst>
+      <p:par>
+        <p:cTn id="1" dur="indefinite" restart="never" nodeType="tmRoot">
+          <p:childTnLst>
+            <p:seq concurrent="1" nextAc="seek">
+              <p:cTn id="2" dur="indefinite" nodeType="mainSeq">
+                <p:childTnLst>
+                  <p:par>
+                    <p:cTn id="3" fill="hold">
+                      <p:stCondLst>
+                        <p:cond delay="indefinite"/>
+                      </p:stCondLst>
+                      <p:childTnLst>
+                        <p:par>
+                          <p:cTn id="4" fill="hold">
+                            <p:stCondLst>
+                              <p:cond delay="0"/>
+                            </p:stCondLst>
+                            <p:childTnLst>
+                              <p:par>
+                                <p:cTn id="5" presetID="1" presetClass="entr" presetSubtype="0" fill="hold" grpId="0" nodeType="clickEffect">
+                                  <p:stCondLst>
+                                    <p:cond delay="0"/>
+                                  </p:stCondLst>
+                                  <p:childTnLst>
+                                    <p:set>
+                                      <p:cBhvr>
+                                        <p:cTn id="6" dur="1" fill="hold">
+                                          <p:stCondLst>
+                                            <p:cond delay="0"/>
+                                          </p:stCondLst>
+                                        </p:cTn>
+                                        <p:tgtEl>
+                                          <p:spTgt spid="3">
+                                            <p:txEl>
+                                              <p:pRg st="0" end="0"/>
+                                            </p:txEl>
+                                          </p:spTgt>
+                                        </p:tgtEl>
+                                        <p:attrNameLst>
+                                          <p:attrName>style.visibility</p:attrName>
+                                        </p:attrNameLst>
+                                      </p:cBhvr>
+                                      <p:to>
+                                        <p:strVal val="visible"/>
+                                      </p:to>
+                                    </p:set>
+                                  </p:childTnLst>
+                                </p:cTn>
+                              </p:par>
+                            </p:childTnLst>
+                          </p:cTn>
+                        </p:par>
+                      </p:childTnLst>
+                    </p:cTn>
+                  </p:par>
+                  <p:par>
+                    <p:cTn id="7" fill="hold">
+                      <p:stCondLst>
+                        <p:cond delay="indefinite"/>
+                      </p:stCondLst>
+                      <p:childTnLst>
+                        <p:par>
+                          <p:cTn id="8" fill="hold">
+                            <p:stCondLst>
+                              <p:cond delay="0"/>
+                            </p:stCondLst>
+                            <p:childTnLst>
+                              <p:par>
+                                <p:cTn id="9" presetID="1" presetClass="entr" presetSubtype="0" fill="hold" grpId="0" nodeType="clickEffect">
+                                  <p:stCondLst>
+                                    <p:cond delay="0"/>
+                                  </p:stCondLst>
+                                  <p:childTnLst>
+                                    <p:set>
+                                      <p:cBhvr>
+                                        <p:cTn id="10" dur="1" fill="hold">
+                                          <p:stCondLst>
+                                            <p:cond delay="0"/>
+                                          </p:stCondLst>
+                                        </p:cTn>
+                                        <p:tgtEl>
+                                          <p:spTgt spid="3">
+                                            <p:txEl>
+                                              <p:pRg st="1" end="1"/>
+                                            </p:txEl>
+                                          </p:spTgt>
+                                        </p:tgtEl>
+                                        <p:attrNameLst>
+                                          <p:attrName>style.visibility</p:attrName>
+                                        </p:attrNameLst>
+                                      </p:cBhvr>
+                                      <p:to>
+                                        <p:strVal val="visible"/>
+                                      </p:to>
+                                    </p:set>
+                                  </p:childTnLst>
+                                </p:cTn>
+                              </p:par>
+                            </p:childTnLst>
+                          </p:cTn>
+                        </p:par>
+                      </p:childTnLst>
+                    </p:cTn>
+                  </p:par>
+                  <p:par>
+                    <p:cTn id="11" fill="hold">
+                      <p:stCondLst>
+                        <p:cond delay="indefinite"/>
+                      </p:stCondLst>
+                      <p:childTnLst>
+                        <p:par>
+                          <p:cTn id="12" fill="hold">
+                            <p:stCondLst>
+                              <p:cond delay="0"/>
+                            </p:stCondLst>
+                            <p:childTnLst>
+                              <p:par>
+                                <p:cTn id="13" presetID="1" presetClass="entr" presetSubtype="0" fill="hold" nodeType="clickEffect">
+                                  <p:stCondLst>
+                                    <p:cond delay="0"/>
+                                  </p:stCondLst>
+                                  <p:childTnLst>
+                                    <p:set>
+                                      <p:cBhvr>
+                                        <p:cTn id="14" dur="1" fill="hold">
+                                          <p:stCondLst>
+                                            <p:cond delay="0"/>
+                                          </p:stCondLst>
+                                        </p:cTn>
+                                        <p:tgtEl>
+                                          <p:spTgt spid="9"/>
+                                        </p:tgtEl>
+                                        <p:attrNameLst>
+                                          <p:attrName>style.visibility</p:attrName>
+                                        </p:attrNameLst>
+                                      </p:cBhvr>
+                                      <p:to>
+                                        <p:strVal val="visible"/>
+                                      </p:to>
+                                    </p:set>
+                                  </p:childTnLst>
+                                </p:cTn>
+                              </p:par>
+                            </p:childTnLst>
+                          </p:cTn>
+                        </p:par>
+                      </p:childTnLst>
+                    </p:cTn>
+                  </p:par>
+                </p:childTnLst>
+              </p:cTn>
+              <p:prevCondLst>
+                <p:cond evt="onPrev" delay="0">
+                  <p:tgtEl>
+                    <p:sldTgt/>
+                  </p:tgtEl>
+                </p:cond>
+              </p:prevCondLst>
+              <p:nextCondLst>
+                <p:cond evt="onNext" delay="0">
+                  <p:tgtEl>
+                    <p:sldTgt/>
+                  </p:tgtEl>
+                </p:cond>
+              </p:nextCondLst>
+            </p:seq>
+          </p:childTnLst>
+        </p:cTn>
+      </p:par>
+    </p:tnLst>
+    <p:bldLst>
+      <p:bldP spid="3" grpId="0" build="p"/>
+    </p:bldLst>
+  </p:timing>
+</p:sld>
+</file>
+
+<file path=ppt/slides/slide20.xml><?xml version="1.0" encoding="utf-8"?>
+<p:sld xmlns:a="http://schemas.openxmlformats.org/drawingml/2006/main" xmlns:r="http://schemas.openxmlformats.org/officeDocument/2006/relationships" xmlns:p="http://schemas.openxmlformats.org/presentationml/2006/main">
+  <p:cSld>
+    <p:spTree>
+      <p:nvGrpSpPr>
+        <p:cNvPr id="1" name=""/>
+        <p:cNvGrpSpPr/>
+        <p:nvPr/>
+      </p:nvGrpSpPr>
+      <p:grpSpPr>
+        <a:xfrm>
+          <a:off x="0" y="0"/>
+          <a:ext cx="0" cy="0"/>
+          <a:chOff x="0" y="0"/>
+          <a:chExt cx="0" cy="0"/>
+        </a:xfrm>
+      </p:grpSpPr>
+      <p:sp>
+        <p:nvSpPr>
+          <p:cNvPr id="2" name="Title 1">
+            <a:extLst>
+              <a:ext uri="{FF2B5EF4-FFF2-40B4-BE49-F238E27FC236}">
                 <a16:creationId xmlns:a16="http://schemas.microsoft.com/office/drawing/2014/main" id="{590BBA06-E66E-8782-87A6-1BC7A2565DC3}"/>
               </a:ext>
             </a:extLst>
@@ -4360,6 +6604,2660 @@
     <p:extLst>
       <p:ext uri="{BB962C8B-B14F-4D97-AF65-F5344CB8AC3E}">
         <p14:creationId xmlns:p14="http://schemas.microsoft.com/office/powerpoint/2010/main" val="3385552512"/>
+      </p:ext>
+    </p:extLst>
+  </p:cSld>
+  <p:clrMapOvr>
+    <a:masterClrMapping/>
+  </p:clrMapOvr>
+</p:sld>
+</file>
+
+<file path=ppt/slides/slide3.xml><?xml version="1.0" encoding="utf-8"?>
+<p:sld xmlns:a="http://schemas.openxmlformats.org/drawingml/2006/main" xmlns:r="http://schemas.openxmlformats.org/officeDocument/2006/relationships" xmlns:p="http://schemas.openxmlformats.org/presentationml/2006/main" showMasterSp="0">
+  <p:cSld>
+    <p:bg>
+      <p:bgPr>
+        <a:solidFill>
+          <a:srgbClr val="FAFAFA"/>
+        </a:solidFill>
+        <a:effectLst/>
+      </p:bgPr>
+    </p:bg>
+    <p:spTree>
+      <p:nvGrpSpPr>
+        <p:cNvPr id="1" name=""/>
+        <p:cNvGrpSpPr/>
+        <p:nvPr/>
+      </p:nvGrpSpPr>
+      <p:grpSpPr>
+        <a:xfrm>
+          <a:off x="0" y="0"/>
+          <a:ext cx="0" cy="0"/>
+          <a:chOff x="0" y="0"/>
+          <a:chExt cx="0" cy="0"/>
+        </a:xfrm>
+      </p:grpSpPr>
+      <p:pic>
+        <p:nvPicPr>
+          <p:cNvPr id="2" name="Picture 1">
+            <a:hlinkClick r:id="rId3"/>
+            <a:extLst>
+              <a:ext uri="{FF2B5EF4-FFF2-40B4-BE49-F238E27FC236}">
+                <a16:creationId xmlns:a16="http://schemas.microsoft.com/office/drawing/2014/main" id="{C63610B3-9A54-A962-DE0C-733080F6DDA0}"/>
+              </a:ext>
+            </a:extLst>
+          </p:cNvPr>
+          <p:cNvPicPr>
+            <a:picLocks noChangeAspect="1"/>
+          </p:cNvPicPr>
+          <p:nvPr/>
+        </p:nvPicPr>
+        <p:blipFill>
+          <a:blip r:embed="rId4"/>
+          <a:stretch>
+            <a:fillRect/>
+          </a:stretch>
+        </p:blipFill>
+        <p:spPr>
+          <a:xfrm>
+            <a:off x="2209800" y="1047136"/>
+            <a:ext cx="7772400" cy="4763729"/>
+          </a:xfrm>
+          <a:prstGeom prst="rect">
+            <a:avLst/>
+          </a:prstGeom>
+        </p:spPr>
+      </p:pic>
+    </p:spTree>
+    <p:extLst>
+      <p:ext uri="{BB962C8B-B14F-4D97-AF65-F5344CB8AC3E}">
+        <p14:creationId xmlns:p14="http://schemas.microsoft.com/office/powerpoint/2010/main" val="2233867500"/>
+      </p:ext>
+    </p:extLst>
+  </p:cSld>
+  <p:clrMapOvr>
+    <a:masterClrMapping/>
+  </p:clrMapOvr>
+</p:sld>
+</file>
+
+<file path=ppt/slides/slide4.xml><?xml version="1.0" encoding="utf-8"?>
+<p:sld xmlns:a="http://schemas.openxmlformats.org/drawingml/2006/main" xmlns:r="http://schemas.openxmlformats.org/officeDocument/2006/relationships" xmlns:p="http://schemas.openxmlformats.org/presentationml/2006/main">
+  <p:cSld>
+    <p:spTree>
+      <p:nvGrpSpPr>
+        <p:cNvPr id="1" name=""/>
+        <p:cNvGrpSpPr/>
+        <p:nvPr/>
+      </p:nvGrpSpPr>
+      <p:grpSpPr>
+        <a:xfrm>
+          <a:off x="0" y="0"/>
+          <a:ext cx="0" cy="0"/>
+          <a:chOff x="0" y="0"/>
+          <a:chExt cx="0" cy="0"/>
+        </a:xfrm>
+      </p:grpSpPr>
+      <p:sp>
+        <p:nvSpPr>
+          <p:cNvPr id="4" name="Title 3">
+            <a:extLst>
+              <a:ext uri="{FF2B5EF4-FFF2-40B4-BE49-F238E27FC236}">
+                <a16:creationId xmlns:a16="http://schemas.microsoft.com/office/drawing/2014/main" id="{A62367C9-21F3-DD29-6D18-1A2352B182CF}"/>
+              </a:ext>
+            </a:extLst>
+          </p:cNvPr>
+          <p:cNvSpPr>
+            <a:spLocks noGrp="1"/>
+          </p:cNvSpPr>
+          <p:nvPr>
+            <p:ph type="title"/>
+          </p:nvPr>
+        </p:nvSpPr>
+        <p:spPr/>
+        <p:txBody>
+          <a:bodyPr>
+            <a:normAutofit/>
+          </a:bodyPr>
+          <a:lstStyle/>
+          <a:p>
+            <a:r>
+              <a:rPr lang="en-AT" dirty="0"/>
+              <a:t>Crawling                          Scraping</a:t>
+            </a:r>
+          </a:p>
+        </p:txBody>
+      </p:sp>
+      <p:sp>
+        <p:nvSpPr>
+          <p:cNvPr id="3" name="Content Placeholder 2">
+            <a:extLst>
+              <a:ext uri="{FF2B5EF4-FFF2-40B4-BE49-F238E27FC236}">
+                <a16:creationId xmlns:a16="http://schemas.microsoft.com/office/drawing/2014/main" id="{D23C9D3E-D6D8-6DA6-3114-9A44ADD2E408}"/>
+              </a:ext>
+            </a:extLst>
+          </p:cNvPr>
+          <p:cNvSpPr>
+            <a:spLocks noGrp="1"/>
+          </p:cNvSpPr>
+          <p:nvPr>
+            <p:ph sz="half" idx="1"/>
+          </p:nvPr>
+        </p:nvSpPr>
+        <p:spPr/>
+        <p:txBody>
+          <a:bodyPr>
+            <a:normAutofit/>
+          </a:bodyPr>
+          <a:lstStyle/>
+          <a:p>
+            <a:pPr>
+              <a:buFont typeface="Arial" panose="020B0604020202020204" pitchFamily="34" charset="0"/>
+              <a:buChar char="•"/>
+            </a:pPr>
+            <a:r>
+              <a:rPr lang="en-GB" dirty="0"/>
+              <a:t>Ziel: </a:t>
+            </a:r>
+            <a:r>
+              <a:rPr lang="en-GB" b="1" dirty="0" err="1"/>
+              <a:t>Durchsuchen</a:t>
+            </a:r>
+            <a:r>
+              <a:rPr lang="en-GB" b="1" dirty="0"/>
+              <a:t> des Internets</a:t>
+            </a:r>
+            <a:r>
+              <a:rPr lang="en-GB" dirty="0"/>
+              <a:t>, um </a:t>
+            </a:r>
+            <a:r>
+              <a:rPr lang="en-GB" dirty="0" err="1"/>
+              <a:t>Webseiten</a:t>
+            </a:r>
+            <a:r>
+              <a:rPr lang="en-GB" dirty="0"/>
+              <a:t> </a:t>
+            </a:r>
+            <a:r>
+              <a:rPr lang="en-GB" dirty="0" err="1"/>
+              <a:t>zu</a:t>
+            </a:r>
+            <a:r>
+              <a:rPr lang="en-GB" dirty="0"/>
+              <a:t> </a:t>
+            </a:r>
+            <a:r>
+              <a:rPr lang="en-GB" dirty="0" err="1"/>
+              <a:t>entdecken</a:t>
+            </a:r>
+            <a:r>
+              <a:rPr lang="en-GB" dirty="0"/>
+              <a:t> und </a:t>
+            </a:r>
+            <a:r>
+              <a:rPr lang="en-GB" dirty="0" err="1"/>
+              <a:t>zu</a:t>
+            </a:r>
+            <a:r>
+              <a:rPr lang="en-GB" dirty="0"/>
+              <a:t> </a:t>
+            </a:r>
+            <a:r>
+              <a:rPr lang="en-GB" dirty="0" err="1"/>
+              <a:t>indexieren</a:t>
+            </a:r>
+            <a:r>
+              <a:rPr lang="en-GB" dirty="0"/>
+              <a:t>.</a:t>
+            </a:r>
+          </a:p>
+          <a:p>
+            <a:pPr>
+              <a:buFont typeface="Arial" panose="020B0604020202020204" pitchFamily="34" charset="0"/>
+              <a:buChar char="•"/>
+            </a:pPr>
+            <a:r>
+              <a:rPr lang="en-GB" b="1" dirty="0" err="1"/>
+              <a:t>Funktionsweise</a:t>
+            </a:r>
+            <a:r>
+              <a:rPr lang="en-GB" dirty="0"/>
+              <a:t>:</a:t>
+            </a:r>
+          </a:p>
+          <a:p>
+            <a:pPr marL="742950" lvl="1" indent="-285750">
+              <a:buFont typeface="Arial" panose="020B0604020202020204" pitchFamily="34" charset="0"/>
+              <a:buChar char="•"/>
+            </a:pPr>
+            <a:r>
+              <a:rPr lang="en-GB" dirty="0"/>
+              <a:t>Ein Crawler (Spider) </a:t>
+            </a:r>
+            <a:r>
+              <a:rPr lang="en-GB" dirty="0" err="1"/>
+              <a:t>folgt</a:t>
+            </a:r>
+            <a:r>
+              <a:rPr lang="en-GB" dirty="0"/>
+              <a:t> Links auf </a:t>
+            </a:r>
+            <a:r>
+              <a:rPr lang="en-GB" dirty="0" err="1"/>
+              <a:t>Webseiten</a:t>
+            </a:r>
+            <a:endParaRPr lang="en-GB" dirty="0"/>
+          </a:p>
+          <a:p>
+            <a:pPr marL="742950" lvl="1" indent="-285750">
+              <a:buFont typeface="Arial" panose="020B0604020202020204" pitchFamily="34" charset="0"/>
+              <a:buChar char="•"/>
+            </a:pPr>
+            <a:r>
+              <a:rPr lang="en-GB" dirty="0"/>
+              <a:t>Die </a:t>
+            </a:r>
+            <a:r>
+              <a:rPr lang="en-GB" dirty="0" err="1"/>
+              <a:t>gefunden</a:t>
+            </a:r>
+            <a:r>
+              <a:rPr lang="en-GB" dirty="0"/>
+              <a:t> Seiten </a:t>
+            </a:r>
+            <a:r>
+              <a:rPr lang="en-GB" dirty="0" err="1"/>
+              <a:t>werden</a:t>
+            </a:r>
+            <a:r>
+              <a:rPr lang="en-GB" dirty="0"/>
+              <a:t> </a:t>
+            </a:r>
+            <a:r>
+              <a:rPr lang="en-GB" dirty="0" err="1"/>
+              <a:t>indiziert</a:t>
+            </a:r>
+            <a:r>
+              <a:rPr lang="en-GB" dirty="0"/>
+              <a:t> und für </a:t>
+            </a:r>
+            <a:r>
+              <a:rPr lang="en-GB" dirty="0" err="1"/>
+              <a:t>etwaige</a:t>
+            </a:r>
+            <a:r>
+              <a:rPr lang="en-GB" dirty="0"/>
+              <a:t> </a:t>
+            </a:r>
+            <a:r>
+              <a:rPr lang="en-GB" dirty="0" err="1"/>
+              <a:t>spätere</a:t>
+            </a:r>
+            <a:r>
+              <a:rPr lang="en-GB" dirty="0"/>
+              <a:t> Analyse </a:t>
+            </a:r>
+            <a:r>
+              <a:rPr lang="en-GB" dirty="0" err="1"/>
+              <a:t>gespeichert</a:t>
+            </a:r>
+            <a:endParaRPr lang="en-GB" dirty="0"/>
+          </a:p>
+          <a:p>
+            <a:pPr>
+              <a:buFont typeface="Arial" panose="020B0604020202020204" pitchFamily="34" charset="0"/>
+              <a:buChar char="•"/>
+            </a:pPr>
+            <a:r>
+              <a:rPr lang="en-GB" b="1" dirty="0" err="1"/>
+              <a:t>Beispiel</a:t>
+            </a:r>
+            <a:r>
+              <a:rPr lang="en-GB" dirty="0"/>
+              <a:t>: Googlebot</a:t>
+            </a:r>
+          </a:p>
+        </p:txBody>
+      </p:sp>
+      <p:sp>
+        <p:nvSpPr>
+          <p:cNvPr id="5" name="Content Placeholder 4">
+            <a:extLst>
+              <a:ext uri="{FF2B5EF4-FFF2-40B4-BE49-F238E27FC236}">
+                <a16:creationId xmlns:a16="http://schemas.microsoft.com/office/drawing/2014/main" id="{A761F6B1-FD46-F81A-ED95-438044E92F12}"/>
+              </a:ext>
+            </a:extLst>
+          </p:cNvPr>
+          <p:cNvSpPr>
+            <a:spLocks noGrp="1"/>
+          </p:cNvSpPr>
+          <p:nvPr>
+            <p:ph sz="half" idx="2"/>
+          </p:nvPr>
+        </p:nvSpPr>
+        <p:spPr/>
+        <p:txBody>
+          <a:bodyPr>
+            <a:normAutofit/>
+          </a:bodyPr>
+          <a:lstStyle/>
+          <a:p>
+            <a:pPr>
+              <a:buFont typeface="Arial" panose="020B0604020202020204" pitchFamily="34" charset="0"/>
+              <a:buChar char="•"/>
+            </a:pPr>
+            <a:r>
+              <a:rPr lang="en-GB" dirty="0"/>
+              <a:t>Ziel: </a:t>
+            </a:r>
+            <a:r>
+              <a:rPr lang="en-GB" b="1" dirty="0" err="1"/>
+              <a:t>Gezieltes</a:t>
+            </a:r>
+            <a:r>
+              <a:rPr lang="en-GB" b="1" dirty="0"/>
+              <a:t> </a:t>
+            </a:r>
+            <a:r>
+              <a:rPr lang="en-GB" b="1" dirty="0" err="1"/>
+              <a:t>Extrahieren</a:t>
+            </a:r>
+            <a:r>
+              <a:rPr lang="en-GB" b="1" dirty="0"/>
+              <a:t> von Daten</a:t>
+            </a:r>
+            <a:r>
+              <a:rPr lang="en-GB" dirty="0"/>
+              <a:t> </a:t>
+            </a:r>
+            <a:r>
+              <a:rPr lang="en-GB" dirty="0" err="1"/>
+              <a:t>aus</a:t>
+            </a:r>
+            <a:r>
+              <a:rPr lang="en-GB" dirty="0"/>
+              <a:t> </a:t>
+            </a:r>
+            <a:r>
+              <a:rPr lang="en-GB" dirty="0" err="1"/>
+              <a:t>Webseiten</a:t>
+            </a:r>
+            <a:r>
+              <a:rPr lang="en-GB" dirty="0"/>
+              <a:t>.</a:t>
+            </a:r>
+          </a:p>
+          <a:p>
+            <a:pPr>
+              <a:buFont typeface="Arial" panose="020B0604020202020204" pitchFamily="34" charset="0"/>
+              <a:buChar char="•"/>
+            </a:pPr>
+            <a:r>
+              <a:rPr lang="en-GB" b="1" dirty="0" err="1"/>
+              <a:t>Funktionsweise</a:t>
+            </a:r>
+            <a:r>
+              <a:rPr lang="en-GB" dirty="0"/>
+              <a:t>:</a:t>
+            </a:r>
+          </a:p>
+          <a:p>
+            <a:pPr marL="742950" lvl="1" indent="-285750">
+              <a:buFont typeface="Arial" panose="020B0604020202020204" pitchFamily="34" charset="0"/>
+              <a:buChar char="•"/>
+            </a:pPr>
+            <a:r>
+              <a:rPr lang="en-GB" dirty="0" err="1"/>
+              <a:t>Gezieltes</a:t>
+            </a:r>
+            <a:r>
+              <a:rPr lang="en-GB" dirty="0"/>
+              <a:t> </a:t>
+            </a:r>
+            <a:r>
+              <a:rPr lang="en-GB" dirty="0" err="1"/>
+              <a:t>Aufrufen</a:t>
+            </a:r>
+            <a:r>
+              <a:rPr lang="en-GB" dirty="0"/>
+              <a:t> von </a:t>
+            </a:r>
+            <a:r>
+              <a:rPr lang="en-GB" dirty="0" err="1"/>
+              <a:t>Webseiten</a:t>
+            </a:r>
+            <a:endParaRPr lang="en-GB" dirty="0"/>
+          </a:p>
+          <a:p>
+            <a:pPr marL="742950" lvl="1" indent="-285750">
+              <a:buFont typeface="Arial" panose="020B0604020202020204" pitchFamily="34" charset="0"/>
+              <a:buChar char="•"/>
+            </a:pPr>
+            <a:r>
+              <a:rPr lang="en-GB" dirty="0" err="1"/>
+              <a:t>Extrahiert</a:t>
+            </a:r>
+            <a:r>
+              <a:rPr lang="en-GB" dirty="0"/>
+              <a:t> </a:t>
+            </a:r>
+            <a:r>
+              <a:rPr lang="en-GB" dirty="0" err="1"/>
+              <a:t>relevante</a:t>
+            </a:r>
+            <a:r>
+              <a:rPr lang="en-GB" dirty="0"/>
+              <a:t> Daten und </a:t>
+            </a:r>
+            <a:r>
+              <a:rPr lang="en-GB" dirty="0" err="1"/>
+              <a:t>speichert</a:t>
+            </a:r>
+            <a:r>
+              <a:rPr lang="en-GB" dirty="0"/>
+              <a:t> </a:t>
+            </a:r>
+            <a:r>
+              <a:rPr lang="en-GB" dirty="0" err="1"/>
+              <a:t>sie</a:t>
+            </a:r>
+            <a:endParaRPr lang="en-GB" dirty="0"/>
+          </a:p>
+          <a:p>
+            <a:pPr>
+              <a:buFont typeface="Arial" panose="020B0604020202020204" pitchFamily="34" charset="0"/>
+              <a:buChar char="•"/>
+            </a:pPr>
+            <a:r>
+              <a:rPr lang="en-GB" b="1" dirty="0" err="1"/>
+              <a:t>Beispiel</a:t>
+            </a:r>
+            <a:r>
+              <a:rPr lang="en-GB" dirty="0"/>
+              <a:t>: </a:t>
+            </a:r>
+            <a:r>
+              <a:rPr lang="en-GB" dirty="0" err="1"/>
+              <a:t>Extraktion</a:t>
+            </a:r>
+            <a:r>
+              <a:rPr lang="en-GB" dirty="0"/>
+              <a:t> für </a:t>
+            </a:r>
+            <a:r>
+              <a:rPr lang="en-GB" dirty="0">
+                <a:hlinkClick r:id="rId2"/>
+              </a:rPr>
+              <a:t>https://heisse-preise.io/</a:t>
+            </a:r>
+            <a:endParaRPr lang="en-GB" dirty="0"/>
+          </a:p>
+          <a:p>
+            <a:endParaRPr lang="en-AT" dirty="0"/>
+          </a:p>
+        </p:txBody>
+      </p:sp>
+    </p:spTree>
+    <p:extLst>
+      <p:ext uri="{BB962C8B-B14F-4D97-AF65-F5344CB8AC3E}">
+        <p14:creationId xmlns:p14="http://schemas.microsoft.com/office/powerpoint/2010/main" val="459171572"/>
+      </p:ext>
+    </p:extLst>
+  </p:cSld>
+  <p:clrMapOvr>
+    <a:masterClrMapping/>
+  </p:clrMapOvr>
+</p:sld>
+</file>
+
+<file path=ppt/slides/slide5.xml><?xml version="1.0" encoding="utf-8"?>
+<p:sld xmlns:a="http://schemas.openxmlformats.org/drawingml/2006/main" xmlns:r="http://schemas.openxmlformats.org/officeDocument/2006/relationships" xmlns:p="http://schemas.openxmlformats.org/presentationml/2006/main">
+  <p:cSld>
+    <p:spTree>
+      <p:nvGrpSpPr>
+        <p:cNvPr id="1" name=""/>
+        <p:cNvGrpSpPr/>
+        <p:nvPr/>
+      </p:nvGrpSpPr>
+      <p:grpSpPr>
+        <a:xfrm>
+          <a:off x="0" y="0"/>
+          <a:ext cx="0" cy="0"/>
+          <a:chOff x="0" y="0"/>
+          <a:chExt cx="0" cy="0"/>
+        </a:xfrm>
+      </p:grpSpPr>
+      <p:sp>
+        <p:nvSpPr>
+          <p:cNvPr id="2" name="Title 1">
+            <a:extLst>
+              <a:ext uri="{FF2B5EF4-FFF2-40B4-BE49-F238E27FC236}">
+                <a16:creationId xmlns:a16="http://schemas.microsoft.com/office/drawing/2014/main" id="{B526D361-69B9-69D2-BB75-1F80F67A10CA}"/>
+              </a:ext>
+            </a:extLst>
+          </p:cNvPr>
+          <p:cNvSpPr>
+            <a:spLocks noGrp="1"/>
+          </p:cNvSpPr>
+          <p:nvPr>
+            <p:ph type="title"/>
+          </p:nvPr>
+        </p:nvSpPr>
+        <p:spPr>
+          <a:xfrm>
+            <a:off x="1852653" y="554621"/>
+            <a:ext cx="10890929" cy="1097280"/>
+          </a:xfrm>
+        </p:spPr>
+        <p:txBody>
+          <a:bodyPr/>
+          <a:lstStyle/>
+          <a:p>
+            <a:r>
+              <a:rPr lang="en-AT" dirty="0"/>
+              <a:t>HTTP</a:t>
+            </a:r>
+          </a:p>
+        </p:txBody>
+      </p:sp>
+      <p:sp>
+        <p:nvSpPr>
+          <p:cNvPr id="3" name="Content Placeholder 2">
+            <a:extLst>
+              <a:ext uri="{FF2B5EF4-FFF2-40B4-BE49-F238E27FC236}">
+                <a16:creationId xmlns:a16="http://schemas.microsoft.com/office/drawing/2014/main" id="{B1D71D1C-A87E-F5A1-DFB2-27124139FF84}"/>
+              </a:ext>
+            </a:extLst>
+          </p:cNvPr>
+          <p:cNvSpPr>
+            <a:spLocks noGrp="1"/>
+          </p:cNvSpPr>
+          <p:nvPr>
+            <p:ph idx="1"/>
+          </p:nvPr>
+        </p:nvSpPr>
+        <p:spPr>
+          <a:xfrm>
+            <a:off x="640080" y="1651901"/>
+            <a:ext cx="10890928" cy="3730751"/>
+          </a:xfrm>
+        </p:spPr>
+        <p:txBody>
+          <a:bodyPr>
+            <a:normAutofit/>
+          </a:bodyPr>
+          <a:lstStyle/>
+          <a:p>
+            <a:pPr>
+              <a:buFont typeface="Arial" panose="020B0604020202020204" pitchFamily="34" charset="0"/>
+              <a:buChar char="•"/>
+            </a:pPr>
+            <a:r>
+              <a:rPr lang="en-GB" b="1" dirty="0" err="1"/>
+              <a:t>zustandsloses</a:t>
+            </a:r>
+            <a:r>
+              <a:rPr lang="en-GB" b="1" dirty="0"/>
+              <a:t>, </a:t>
+            </a:r>
+            <a:r>
+              <a:rPr lang="en-GB" b="1" dirty="0" err="1"/>
+              <a:t>kommunikationsbasiertes</a:t>
+            </a:r>
+            <a:r>
+              <a:rPr lang="en-GB" b="1" dirty="0"/>
+              <a:t> </a:t>
+            </a:r>
+            <a:r>
+              <a:rPr lang="en-GB" b="1" dirty="0" err="1"/>
+              <a:t>Protokoll</a:t>
+            </a:r>
+            <a:r>
+              <a:rPr lang="en-GB" dirty="0"/>
+              <a:t>, das den </a:t>
+            </a:r>
+            <a:r>
+              <a:rPr lang="en-GB" dirty="0" err="1"/>
+              <a:t>Datenaustausch</a:t>
+            </a:r>
+            <a:r>
+              <a:rPr lang="en-GB" dirty="0"/>
+              <a:t> </a:t>
+            </a:r>
+            <a:r>
+              <a:rPr lang="en-GB" dirty="0" err="1"/>
+              <a:t>zwischen</a:t>
+            </a:r>
+            <a:r>
+              <a:rPr lang="en-GB" dirty="0"/>
+              <a:t> </a:t>
+            </a:r>
+            <a:r>
+              <a:rPr lang="en-GB" dirty="0" err="1"/>
+              <a:t>Webbrowsern</a:t>
+            </a:r>
+            <a:r>
+              <a:rPr lang="en-GB" dirty="0"/>
+              <a:t> und </a:t>
+            </a:r>
+            <a:r>
+              <a:rPr lang="en-GB" dirty="0" err="1"/>
+              <a:t>Servern</a:t>
+            </a:r>
+            <a:r>
+              <a:rPr lang="en-GB" dirty="0"/>
+              <a:t> </a:t>
+            </a:r>
+            <a:r>
+              <a:rPr lang="en-GB" dirty="0" err="1"/>
+              <a:t>regelt</a:t>
+            </a:r>
+            <a:endParaRPr lang="en-GB" dirty="0"/>
+          </a:p>
+          <a:p>
+            <a:pPr>
+              <a:buFont typeface="Arial" panose="020B0604020202020204" pitchFamily="34" charset="0"/>
+              <a:buChar char="•"/>
+            </a:pPr>
+            <a:r>
+              <a:rPr lang="en-GB" dirty="0"/>
+              <a:t>Client-Server-</a:t>
+            </a:r>
+            <a:r>
+              <a:rPr lang="en-GB" dirty="0" err="1"/>
+              <a:t>Prinzip</a:t>
+            </a:r>
+            <a:r>
+              <a:rPr lang="en-GB" dirty="0"/>
+              <a:t>, </a:t>
+            </a:r>
+            <a:r>
+              <a:rPr lang="en-GB" dirty="0" err="1"/>
+              <a:t>bei</a:t>
+            </a:r>
+            <a:r>
+              <a:rPr lang="en-GB" dirty="0"/>
+              <a:t> </a:t>
+            </a:r>
+            <a:r>
+              <a:rPr lang="en-GB" dirty="0" err="1"/>
+              <a:t>dem</a:t>
+            </a:r>
+            <a:r>
+              <a:rPr lang="en-GB" dirty="0"/>
+              <a:t> der Server auf die </a:t>
+            </a:r>
+            <a:r>
+              <a:rPr lang="en-GB" dirty="0" err="1"/>
+              <a:t>Anfragen</a:t>
+            </a:r>
+            <a:r>
+              <a:rPr lang="en-GB" dirty="0"/>
+              <a:t> des Clients </a:t>
+            </a:r>
+            <a:r>
+              <a:rPr lang="en-GB" dirty="0" err="1"/>
+              <a:t>mit</a:t>
+            </a:r>
+            <a:r>
+              <a:rPr lang="en-GB" dirty="0"/>
+              <a:t> den </a:t>
+            </a:r>
+            <a:r>
+              <a:rPr lang="en-GB" dirty="0" err="1"/>
+              <a:t>gewünschten</a:t>
+            </a:r>
+            <a:r>
+              <a:rPr lang="en-GB" dirty="0"/>
+              <a:t> </a:t>
+            </a:r>
+            <a:r>
+              <a:rPr lang="en-GB" dirty="0" err="1"/>
+              <a:t>Ressourcen</a:t>
+            </a:r>
+            <a:r>
+              <a:rPr lang="en-GB" dirty="0"/>
+              <a:t> </a:t>
+            </a:r>
+            <a:r>
+              <a:rPr lang="en-GB" dirty="0" err="1"/>
+              <a:t>antwortet</a:t>
+            </a:r>
+            <a:endParaRPr lang="en-GB" dirty="0"/>
+          </a:p>
+          <a:p>
+            <a:pPr>
+              <a:buFont typeface="Arial" panose="020B0604020202020204" pitchFamily="34" charset="0"/>
+              <a:buChar char="•"/>
+            </a:pPr>
+            <a:r>
+              <a:rPr lang="en-GB" dirty="0" err="1"/>
+              <a:t>Läuft</a:t>
+            </a:r>
+            <a:r>
+              <a:rPr lang="en-GB" dirty="0"/>
+              <a:t> </a:t>
+            </a:r>
+            <a:r>
+              <a:rPr lang="en-GB" dirty="0" err="1"/>
+              <a:t>standardmäßig</a:t>
+            </a:r>
+            <a:r>
+              <a:rPr lang="en-GB" dirty="0"/>
+              <a:t> auf den Ports 80 (HTTP) </a:t>
+            </a:r>
+            <a:r>
+              <a:rPr lang="en-GB" dirty="0" err="1"/>
+              <a:t>oder</a:t>
+            </a:r>
+            <a:r>
+              <a:rPr lang="en-GB" dirty="0"/>
+              <a:t> 443 (HTTPS = HTTP + SSL/TLS).</a:t>
+            </a:r>
+          </a:p>
+        </p:txBody>
+      </p:sp>
+      <p:sp>
+        <p:nvSpPr>
+          <p:cNvPr id="5" name="TextBox 4">
+            <a:extLst>
+              <a:ext uri="{FF2B5EF4-FFF2-40B4-BE49-F238E27FC236}">
+                <a16:creationId xmlns:a16="http://schemas.microsoft.com/office/drawing/2014/main" id="{E6BE908E-9297-E602-E904-44333D299DF6}"/>
+              </a:ext>
+            </a:extLst>
+          </p:cNvPr>
+          <p:cNvSpPr txBox="1"/>
+          <p:nvPr/>
+        </p:nvSpPr>
+        <p:spPr>
+          <a:xfrm>
+            <a:off x="7845582" y="4202392"/>
+            <a:ext cx="3205018" cy="369332"/>
+          </a:xfrm>
+          <a:prstGeom prst="rect">
+            <a:avLst/>
+          </a:prstGeom>
+          <a:noFill/>
+        </p:spPr>
+        <p:txBody>
+          <a:bodyPr wrap="square">
+            <a:spAutoFit/>
+          </a:bodyPr>
+          <a:lstStyle/>
+          <a:p>
+            <a:r>
+              <a:rPr lang="en-AT" dirty="0">
+                <a:hlinkClick r:id="rId2"/>
+              </a:rPr>
+              <a:t>https://httpbin.org/#/</a:t>
+            </a:r>
+            <a:endParaRPr lang="en-AT" dirty="0"/>
+          </a:p>
+        </p:txBody>
+      </p:sp>
+      <p:sp>
+        <p:nvSpPr>
+          <p:cNvPr id="7" name="TextBox 6">
+            <a:extLst>
+              <a:ext uri="{FF2B5EF4-FFF2-40B4-BE49-F238E27FC236}">
+                <a16:creationId xmlns:a16="http://schemas.microsoft.com/office/drawing/2014/main" id="{43B822C6-875F-294E-A76A-907095DD921C}"/>
+              </a:ext>
+            </a:extLst>
+          </p:cNvPr>
+          <p:cNvSpPr txBox="1"/>
+          <p:nvPr/>
+        </p:nvSpPr>
+        <p:spPr>
+          <a:xfrm>
+            <a:off x="871538" y="4202392"/>
+            <a:ext cx="6581774" cy="1600438"/>
+          </a:xfrm>
+          <a:prstGeom prst="rect">
+            <a:avLst/>
+          </a:prstGeom>
+          <a:noFill/>
+        </p:spPr>
+        <p:txBody>
+          <a:bodyPr wrap="square">
+            <a:spAutoFit/>
+          </a:bodyPr>
+          <a:lstStyle/>
+          <a:p>
+            <a:pPr>
+              <a:buNone/>
+            </a:pPr>
+            <a:r>
+              <a:rPr lang="en-GB" b="1" dirty="0"/>
+              <a:t>HTTP-</a:t>
+            </a:r>
+            <a:r>
+              <a:rPr lang="en-GB" b="1" dirty="0" err="1"/>
+              <a:t>Methoden</a:t>
+            </a:r>
+            <a:endParaRPr lang="en-GB" b="1" dirty="0"/>
+          </a:p>
+          <a:p>
+            <a:pPr>
+              <a:buNone/>
+            </a:pPr>
+            <a:endParaRPr lang="en-GB" sz="800" dirty="0"/>
+          </a:p>
+          <a:p>
+            <a:r>
+              <a:rPr lang="en-GB" b="1" dirty="0"/>
+              <a:t>GET</a:t>
+            </a:r>
+            <a:r>
+              <a:rPr lang="en-GB" dirty="0"/>
+              <a:t> – Daten </a:t>
+            </a:r>
+            <a:r>
+              <a:rPr lang="en-GB" dirty="0" err="1"/>
+              <a:t>abrufen</a:t>
+            </a:r>
+            <a:endParaRPr lang="en-GB" dirty="0"/>
+          </a:p>
+          <a:p>
+            <a:r>
+              <a:rPr lang="en-GB" b="1" dirty="0"/>
+              <a:t>POST</a:t>
+            </a:r>
+            <a:r>
+              <a:rPr lang="en-GB" dirty="0"/>
+              <a:t> – Daten </a:t>
+            </a:r>
+            <a:r>
+              <a:rPr lang="en-GB" dirty="0" err="1"/>
+              <a:t>senden</a:t>
+            </a:r>
+            <a:endParaRPr lang="en-GB" dirty="0"/>
+          </a:p>
+          <a:p>
+            <a:r>
+              <a:rPr lang="en-GB" b="1" dirty="0"/>
+              <a:t>PUT</a:t>
+            </a:r>
+            <a:r>
+              <a:rPr lang="en-GB" dirty="0"/>
+              <a:t> – Daten </a:t>
+            </a:r>
+            <a:r>
+              <a:rPr lang="en-GB" dirty="0" err="1"/>
+              <a:t>aktualisieren</a:t>
+            </a:r>
+            <a:endParaRPr lang="en-GB" dirty="0"/>
+          </a:p>
+          <a:p>
+            <a:r>
+              <a:rPr lang="en-GB" b="1" dirty="0"/>
+              <a:t>DELETE</a:t>
+            </a:r>
+            <a:r>
+              <a:rPr lang="en-GB" dirty="0"/>
+              <a:t> – Daten </a:t>
+            </a:r>
+            <a:r>
+              <a:rPr lang="en-GB" dirty="0" err="1"/>
+              <a:t>löschen</a:t>
+            </a:r>
+            <a:endParaRPr lang="en-GB" dirty="0"/>
+          </a:p>
+        </p:txBody>
+      </p:sp>
+      <p:sp>
+        <p:nvSpPr>
+          <p:cNvPr id="10" name="TextBox 9">
+            <a:extLst>
+              <a:ext uri="{FF2B5EF4-FFF2-40B4-BE49-F238E27FC236}">
+                <a16:creationId xmlns:a16="http://schemas.microsoft.com/office/drawing/2014/main" id="{FD5B27C0-6888-0C46-6529-44CE5053DB0A}"/>
+              </a:ext>
+            </a:extLst>
+          </p:cNvPr>
+          <p:cNvSpPr txBox="1"/>
+          <p:nvPr/>
+        </p:nvSpPr>
+        <p:spPr>
+          <a:xfrm>
+            <a:off x="4554695" y="4202392"/>
+            <a:ext cx="3290887" cy="1877437"/>
+          </a:xfrm>
+          <a:prstGeom prst="rect">
+            <a:avLst/>
+          </a:prstGeom>
+          <a:noFill/>
+        </p:spPr>
+        <p:txBody>
+          <a:bodyPr wrap="square">
+            <a:spAutoFit/>
+          </a:bodyPr>
+          <a:lstStyle/>
+          <a:p>
+            <a:pPr>
+              <a:buNone/>
+            </a:pPr>
+            <a:r>
+              <a:rPr lang="en-GB" b="1" dirty="0"/>
+              <a:t>HTTP-</a:t>
+            </a:r>
+            <a:r>
+              <a:rPr lang="en-GB" b="1" dirty="0" err="1"/>
+              <a:t>Statuscodes</a:t>
+            </a:r>
+            <a:endParaRPr lang="en-GB" b="1" dirty="0"/>
+          </a:p>
+          <a:p>
+            <a:pPr>
+              <a:buNone/>
+            </a:pPr>
+            <a:endParaRPr lang="en-GB" sz="800" dirty="0"/>
+          </a:p>
+          <a:p>
+            <a:r>
+              <a:rPr lang="en-GB" b="1" dirty="0"/>
+              <a:t>1xx</a:t>
+            </a:r>
+            <a:r>
+              <a:rPr lang="en-GB" dirty="0"/>
+              <a:t> – Information</a:t>
+            </a:r>
+          </a:p>
+          <a:p>
+            <a:r>
+              <a:rPr lang="en-GB" b="1" dirty="0"/>
+              <a:t>2xx</a:t>
+            </a:r>
+            <a:r>
+              <a:rPr lang="en-GB" dirty="0"/>
+              <a:t> – </a:t>
+            </a:r>
+            <a:r>
+              <a:rPr lang="en-GB" dirty="0" err="1"/>
+              <a:t>Erfolgreiche</a:t>
+            </a:r>
+            <a:r>
+              <a:rPr lang="en-GB" dirty="0"/>
+              <a:t> Operation</a:t>
+            </a:r>
+          </a:p>
+          <a:p>
+            <a:r>
+              <a:rPr lang="en-GB" b="1" dirty="0"/>
+              <a:t>3xx</a:t>
+            </a:r>
+            <a:r>
+              <a:rPr lang="en-GB" dirty="0"/>
+              <a:t> – </a:t>
+            </a:r>
+            <a:r>
+              <a:rPr lang="en-GB" dirty="0" err="1"/>
+              <a:t>Umleitung</a:t>
+            </a:r>
+            <a:endParaRPr lang="en-GB" dirty="0"/>
+          </a:p>
+          <a:p>
+            <a:r>
+              <a:rPr lang="en-GB" b="1" dirty="0"/>
+              <a:t>4xx</a:t>
+            </a:r>
+            <a:r>
+              <a:rPr lang="en-GB" dirty="0"/>
+              <a:t> – Client-Fehler</a:t>
+            </a:r>
+          </a:p>
+          <a:p>
+            <a:r>
+              <a:rPr lang="en-GB" b="1" dirty="0"/>
+              <a:t>5xx</a:t>
+            </a:r>
+            <a:r>
+              <a:rPr lang="en-GB" dirty="0"/>
+              <a:t> – Server-Fehler</a:t>
+            </a:r>
+          </a:p>
+        </p:txBody>
+      </p:sp>
+    </p:spTree>
+    <p:extLst>
+      <p:ext uri="{BB962C8B-B14F-4D97-AF65-F5344CB8AC3E}">
+        <p14:creationId xmlns:p14="http://schemas.microsoft.com/office/powerpoint/2010/main" val="2642164885"/>
+      </p:ext>
+    </p:extLst>
+  </p:cSld>
+  <p:clrMapOvr>
+    <a:masterClrMapping/>
+  </p:clrMapOvr>
+  <p:timing>
+    <p:tnLst>
+      <p:par>
+        <p:cTn id="1" dur="indefinite" restart="never" nodeType="tmRoot">
+          <p:childTnLst>
+            <p:seq concurrent="1" nextAc="seek">
+              <p:cTn id="2" dur="indefinite" nodeType="mainSeq">
+                <p:childTnLst>
+                  <p:par>
+                    <p:cTn id="3" fill="hold">
+                      <p:stCondLst>
+                        <p:cond delay="indefinite"/>
+                      </p:stCondLst>
+                      <p:childTnLst>
+                        <p:par>
+                          <p:cTn id="4" fill="hold">
+                            <p:stCondLst>
+                              <p:cond delay="0"/>
+                            </p:stCondLst>
+                            <p:childTnLst>
+                              <p:par>
+                                <p:cTn id="5" presetID="1" presetClass="entr" presetSubtype="0" fill="hold" grpId="0" nodeType="clickEffect">
+                                  <p:stCondLst>
+                                    <p:cond delay="0"/>
+                                  </p:stCondLst>
+                                  <p:childTnLst>
+                                    <p:set>
+                                      <p:cBhvr>
+                                        <p:cTn id="6" dur="1" fill="hold">
+                                          <p:stCondLst>
+                                            <p:cond delay="0"/>
+                                          </p:stCondLst>
+                                        </p:cTn>
+                                        <p:tgtEl>
+                                          <p:spTgt spid="3">
+                                            <p:txEl>
+                                              <p:pRg st="0" end="0"/>
+                                            </p:txEl>
+                                          </p:spTgt>
+                                        </p:tgtEl>
+                                        <p:attrNameLst>
+                                          <p:attrName>style.visibility</p:attrName>
+                                        </p:attrNameLst>
+                                      </p:cBhvr>
+                                      <p:to>
+                                        <p:strVal val="visible"/>
+                                      </p:to>
+                                    </p:set>
+                                  </p:childTnLst>
+                                </p:cTn>
+                              </p:par>
+                            </p:childTnLst>
+                          </p:cTn>
+                        </p:par>
+                      </p:childTnLst>
+                    </p:cTn>
+                  </p:par>
+                  <p:par>
+                    <p:cTn id="7" fill="hold">
+                      <p:stCondLst>
+                        <p:cond delay="indefinite"/>
+                      </p:stCondLst>
+                      <p:childTnLst>
+                        <p:par>
+                          <p:cTn id="8" fill="hold">
+                            <p:stCondLst>
+                              <p:cond delay="0"/>
+                            </p:stCondLst>
+                            <p:childTnLst>
+                              <p:par>
+                                <p:cTn id="9" presetID="1" presetClass="entr" presetSubtype="0" fill="hold" grpId="0" nodeType="clickEffect">
+                                  <p:stCondLst>
+                                    <p:cond delay="0"/>
+                                  </p:stCondLst>
+                                  <p:childTnLst>
+                                    <p:set>
+                                      <p:cBhvr>
+                                        <p:cTn id="10" dur="1" fill="hold">
+                                          <p:stCondLst>
+                                            <p:cond delay="0"/>
+                                          </p:stCondLst>
+                                        </p:cTn>
+                                        <p:tgtEl>
+                                          <p:spTgt spid="3">
+                                            <p:txEl>
+                                              <p:pRg st="1" end="1"/>
+                                            </p:txEl>
+                                          </p:spTgt>
+                                        </p:tgtEl>
+                                        <p:attrNameLst>
+                                          <p:attrName>style.visibility</p:attrName>
+                                        </p:attrNameLst>
+                                      </p:cBhvr>
+                                      <p:to>
+                                        <p:strVal val="visible"/>
+                                      </p:to>
+                                    </p:set>
+                                  </p:childTnLst>
+                                </p:cTn>
+                              </p:par>
+                            </p:childTnLst>
+                          </p:cTn>
+                        </p:par>
+                      </p:childTnLst>
+                    </p:cTn>
+                  </p:par>
+                  <p:par>
+                    <p:cTn id="11" fill="hold">
+                      <p:stCondLst>
+                        <p:cond delay="indefinite"/>
+                      </p:stCondLst>
+                      <p:childTnLst>
+                        <p:par>
+                          <p:cTn id="12" fill="hold">
+                            <p:stCondLst>
+                              <p:cond delay="0"/>
+                            </p:stCondLst>
+                            <p:childTnLst>
+                              <p:par>
+                                <p:cTn id="13" presetID="1" presetClass="entr" presetSubtype="0" fill="hold" grpId="0" nodeType="clickEffect">
+                                  <p:stCondLst>
+                                    <p:cond delay="0"/>
+                                  </p:stCondLst>
+                                  <p:childTnLst>
+                                    <p:set>
+                                      <p:cBhvr>
+                                        <p:cTn id="14" dur="1" fill="hold">
+                                          <p:stCondLst>
+                                            <p:cond delay="0"/>
+                                          </p:stCondLst>
+                                        </p:cTn>
+                                        <p:tgtEl>
+                                          <p:spTgt spid="3">
+                                            <p:txEl>
+                                              <p:pRg st="2" end="2"/>
+                                            </p:txEl>
+                                          </p:spTgt>
+                                        </p:tgtEl>
+                                        <p:attrNameLst>
+                                          <p:attrName>style.visibility</p:attrName>
+                                        </p:attrNameLst>
+                                      </p:cBhvr>
+                                      <p:to>
+                                        <p:strVal val="visible"/>
+                                      </p:to>
+                                    </p:set>
+                                  </p:childTnLst>
+                                </p:cTn>
+                              </p:par>
+                            </p:childTnLst>
+                          </p:cTn>
+                        </p:par>
+                      </p:childTnLst>
+                    </p:cTn>
+                  </p:par>
+                  <p:par>
+                    <p:cTn id="15" fill="hold">
+                      <p:stCondLst>
+                        <p:cond delay="indefinite"/>
+                      </p:stCondLst>
+                      <p:childTnLst>
+                        <p:par>
+                          <p:cTn id="16" fill="hold">
+                            <p:stCondLst>
+                              <p:cond delay="0"/>
+                            </p:stCondLst>
+                            <p:childTnLst>
+                              <p:par>
+                                <p:cTn id="17" presetID="1" presetClass="entr" presetSubtype="0" fill="hold" grpId="0" nodeType="clickEffect">
+                                  <p:stCondLst>
+                                    <p:cond delay="0"/>
+                                  </p:stCondLst>
+                                  <p:childTnLst>
+                                    <p:set>
+                                      <p:cBhvr>
+                                        <p:cTn id="18" dur="1" fill="hold">
+                                          <p:stCondLst>
+                                            <p:cond delay="0"/>
+                                          </p:stCondLst>
+                                        </p:cTn>
+                                        <p:tgtEl>
+                                          <p:spTgt spid="7"/>
+                                        </p:tgtEl>
+                                        <p:attrNameLst>
+                                          <p:attrName>style.visibility</p:attrName>
+                                        </p:attrNameLst>
+                                      </p:cBhvr>
+                                      <p:to>
+                                        <p:strVal val="visible"/>
+                                      </p:to>
+                                    </p:set>
+                                  </p:childTnLst>
+                                </p:cTn>
+                              </p:par>
+                            </p:childTnLst>
+                          </p:cTn>
+                        </p:par>
+                      </p:childTnLst>
+                    </p:cTn>
+                  </p:par>
+                  <p:par>
+                    <p:cTn id="19" fill="hold">
+                      <p:stCondLst>
+                        <p:cond delay="indefinite"/>
+                      </p:stCondLst>
+                      <p:childTnLst>
+                        <p:par>
+                          <p:cTn id="20" fill="hold">
+                            <p:stCondLst>
+                              <p:cond delay="0"/>
+                            </p:stCondLst>
+                            <p:childTnLst>
+                              <p:par>
+                                <p:cTn id="21" presetID="1" presetClass="entr" presetSubtype="0" fill="hold" grpId="0" nodeType="clickEffect">
+                                  <p:stCondLst>
+                                    <p:cond delay="0"/>
+                                  </p:stCondLst>
+                                  <p:childTnLst>
+                                    <p:set>
+                                      <p:cBhvr>
+                                        <p:cTn id="22" dur="1" fill="hold">
+                                          <p:stCondLst>
+                                            <p:cond delay="0"/>
+                                          </p:stCondLst>
+                                        </p:cTn>
+                                        <p:tgtEl>
+                                          <p:spTgt spid="10"/>
+                                        </p:tgtEl>
+                                        <p:attrNameLst>
+                                          <p:attrName>style.visibility</p:attrName>
+                                        </p:attrNameLst>
+                                      </p:cBhvr>
+                                      <p:to>
+                                        <p:strVal val="visible"/>
+                                      </p:to>
+                                    </p:set>
+                                  </p:childTnLst>
+                                </p:cTn>
+                              </p:par>
+                            </p:childTnLst>
+                          </p:cTn>
+                        </p:par>
+                      </p:childTnLst>
+                    </p:cTn>
+                  </p:par>
+                  <p:par>
+                    <p:cTn id="23" fill="hold">
+                      <p:stCondLst>
+                        <p:cond delay="indefinite"/>
+                      </p:stCondLst>
+                      <p:childTnLst>
+                        <p:par>
+                          <p:cTn id="24" fill="hold">
+                            <p:stCondLst>
+                              <p:cond delay="0"/>
+                            </p:stCondLst>
+                            <p:childTnLst>
+                              <p:par>
+                                <p:cTn id="25" presetID="1" presetClass="entr" presetSubtype="0" fill="hold" grpId="0" nodeType="clickEffect">
+                                  <p:stCondLst>
+                                    <p:cond delay="0"/>
+                                  </p:stCondLst>
+                                  <p:childTnLst>
+                                    <p:set>
+                                      <p:cBhvr>
+                                        <p:cTn id="26" dur="1" fill="hold">
+                                          <p:stCondLst>
+                                            <p:cond delay="0"/>
+                                          </p:stCondLst>
+                                        </p:cTn>
+                                        <p:tgtEl>
+                                          <p:spTgt spid="5"/>
+                                        </p:tgtEl>
+                                        <p:attrNameLst>
+                                          <p:attrName>style.visibility</p:attrName>
+                                        </p:attrNameLst>
+                                      </p:cBhvr>
+                                      <p:to>
+                                        <p:strVal val="visible"/>
+                                      </p:to>
+                                    </p:set>
+                                  </p:childTnLst>
+                                </p:cTn>
+                              </p:par>
+                            </p:childTnLst>
+                          </p:cTn>
+                        </p:par>
+                      </p:childTnLst>
+                    </p:cTn>
+                  </p:par>
+                </p:childTnLst>
+              </p:cTn>
+              <p:prevCondLst>
+                <p:cond evt="onPrev" delay="0">
+                  <p:tgtEl>
+                    <p:sldTgt/>
+                  </p:tgtEl>
+                </p:cond>
+              </p:prevCondLst>
+              <p:nextCondLst>
+                <p:cond evt="onNext" delay="0">
+                  <p:tgtEl>
+                    <p:sldTgt/>
+                  </p:tgtEl>
+                </p:cond>
+              </p:nextCondLst>
+            </p:seq>
+          </p:childTnLst>
+        </p:cTn>
+      </p:par>
+    </p:tnLst>
+    <p:bldLst>
+      <p:bldP spid="3" grpId="0" build="p"/>
+      <p:bldP spid="5" grpId="0"/>
+      <p:bldP spid="7" grpId="0"/>
+      <p:bldP spid="10" grpId="0"/>
+    </p:bldLst>
+  </p:timing>
+</p:sld>
+</file>
+
+<file path=ppt/slides/slide6.xml><?xml version="1.0" encoding="utf-8"?>
+<p:sld xmlns:a="http://schemas.openxmlformats.org/drawingml/2006/main" xmlns:r="http://schemas.openxmlformats.org/officeDocument/2006/relationships" xmlns:p="http://schemas.openxmlformats.org/presentationml/2006/main">
+  <p:cSld>
+    <p:spTree>
+      <p:nvGrpSpPr>
+        <p:cNvPr id="1" name=""/>
+        <p:cNvGrpSpPr/>
+        <p:nvPr/>
+      </p:nvGrpSpPr>
+      <p:grpSpPr>
+        <a:xfrm>
+          <a:off x="0" y="0"/>
+          <a:ext cx="0" cy="0"/>
+          <a:chOff x="0" y="0"/>
+          <a:chExt cx="0" cy="0"/>
+        </a:xfrm>
+      </p:grpSpPr>
+      <p:sp>
+        <p:nvSpPr>
+          <p:cNvPr id="2" name="Title 1">
+            <a:extLst>
+              <a:ext uri="{FF2B5EF4-FFF2-40B4-BE49-F238E27FC236}">
+                <a16:creationId xmlns:a16="http://schemas.microsoft.com/office/drawing/2014/main" id="{72354441-3201-0661-D434-2F8F09907639}"/>
+              </a:ext>
+            </a:extLst>
+          </p:cNvPr>
+          <p:cNvSpPr>
+            <a:spLocks noGrp="1"/>
+          </p:cNvSpPr>
+          <p:nvPr>
+            <p:ph type="title"/>
+          </p:nvPr>
+        </p:nvSpPr>
+        <p:spPr/>
+        <p:txBody>
+          <a:bodyPr/>
+          <a:lstStyle/>
+          <a:p>
+            <a:r>
+              <a:rPr lang="en-AT"/>
+              <a:t>How do URLs work?</a:t>
+            </a:r>
+            <a:endParaRPr lang="en-AT" dirty="0"/>
+          </a:p>
+        </p:txBody>
+      </p:sp>
+      <p:pic>
+        <p:nvPicPr>
+          <p:cNvPr id="4" name="Content Placeholder 3">
+            <a:hlinkClick r:id="rId2"/>
+            <a:extLst>
+              <a:ext uri="{FF2B5EF4-FFF2-40B4-BE49-F238E27FC236}">
+                <a16:creationId xmlns:a16="http://schemas.microsoft.com/office/drawing/2014/main" id="{3E783A02-1FEA-D534-BBF8-4B777784159E}"/>
+              </a:ext>
+            </a:extLst>
+          </p:cNvPr>
+          <p:cNvPicPr>
+            <a:picLocks noGrp="1" noChangeAspect="1"/>
+          </p:cNvPicPr>
+          <p:nvPr>
+            <p:ph idx="1"/>
+          </p:nvPr>
+        </p:nvPicPr>
+        <p:blipFill>
+          <a:blip r:embed="rId3"/>
+          <a:srcRect b="11176"/>
+          <a:stretch/>
+        </p:blipFill>
+        <p:spPr>
+          <a:xfrm>
+            <a:off x="1455339" y="2633664"/>
+            <a:ext cx="9260684" cy="3167062"/>
+          </a:xfrm>
+          <a:prstGeom prst="rect">
+            <a:avLst/>
+          </a:prstGeom>
+        </p:spPr>
+      </p:pic>
+      <p:sp>
+        <p:nvSpPr>
+          <p:cNvPr id="6" name="TextBox 5">
+            <a:extLst>
+              <a:ext uri="{FF2B5EF4-FFF2-40B4-BE49-F238E27FC236}">
+                <a16:creationId xmlns:a16="http://schemas.microsoft.com/office/drawing/2014/main" id="{A4BA64AC-06F4-5F74-2352-D1C55F7CB247}"/>
+              </a:ext>
+            </a:extLst>
+          </p:cNvPr>
+          <p:cNvSpPr txBox="1"/>
+          <p:nvPr/>
+        </p:nvSpPr>
+        <p:spPr>
+          <a:xfrm>
+            <a:off x="6096000" y="6488668"/>
+            <a:ext cx="6100762" cy="369332"/>
+          </a:xfrm>
+          <a:prstGeom prst="rect">
+            <a:avLst/>
+          </a:prstGeom>
+          <a:noFill/>
+        </p:spPr>
+        <p:txBody>
+          <a:bodyPr wrap="square">
+            <a:spAutoFit/>
+          </a:bodyPr>
+          <a:lstStyle/>
+          <a:p>
+            <a:pPr algn="r"/>
+            <a:r>
+              <a:rPr lang="en-AT" dirty="0">
+                <a:hlinkClick r:id="rId4"/>
+              </a:rPr>
+              <a:t>https://web.dev/articles/url-parts</a:t>
+            </a:r>
+            <a:endParaRPr lang="en-AT" dirty="0"/>
+          </a:p>
+        </p:txBody>
+      </p:sp>
+    </p:spTree>
+    <p:extLst>
+      <p:ext uri="{BB962C8B-B14F-4D97-AF65-F5344CB8AC3E}">
+        <p14:creationId xmlns:p14="http://schemas.microsoft.com/office/powerpoint/2010/main" val="937142333"/>
+      </p:ext>
+    </p:extLst>
+  </p:cSld>
+  <p:clrMapOvr>
+    <a:masterClrMapping/>
+  </p:clrMapOvr>
+</p:sld>
+</file>
+
+<file path=ppt/slides/slide7.xml><?xml version="1.0" encoding="utf-8"?>
+<p:sld xmlns:a="http://schemas.openxmlformats.org/drawingml/2006/main" xmlns:r="http://schemas.openxmlformats.org/officeDocument/2006/relationships" xmlns:p="http://schemas.openxmlformats.org/presentationml/2006/main">
+  <p:cSld>
+    <p:spTree>
+      <p:nvGrpSpPr>
+        <p:cNvPr id="1" name=""/>
+        <p:cNvGrpSpPr/>
+        <p:nvPr/>
+      </p:nvGrpSpPr>
+      <p:grpSpPr>
+        <a:xfrm>
+          <a:off x="0" y="0"/>
+          <a:ext cx="0" cy="0"/>
+          <a:chOff x="0" y="0"/>
+          <a:chExt cx="0" cy="0"/>
+        </a:xfrm>
+      </p:grpSpPr>
+      <p:sp>
+        <p:nvSpPr>
+          <p:cNvPr id="2" name="Title 1">
+            <a:extLst>
+              <a:ext uri="{FF2B5EF4-FFF2-40B4-BE49-F238E27FC236}">
+                <a16:creationId xmlns:a16="http://schemas.microsoft.com/office/drawing/2014/main" id="{93796AE5-0560-717B-2F6B-884C52FD0CAD}"/>
+              </a:ext>
+            </a:extLst>
+          </p:cNvPr>
+          <p:cNvSpPr>
+            <a:spLocks noGrp="1"/>
+          </p:cNvSpPr>
+          <p:nvPr>
+            <p:ph type="title"/>
+          </p:nvPr>
+        </p:nvSpPr>
+        <p:spPr/>
+        <p:txBody>
+          <a:bodyPr/>
+          <a:lstStyle/>
+          <a:p>
+            <a:r>
+              <a:rPr lang="en-AT" dirty="0"/>
+              <a:t>HTML</a:t>
+            </a:r>
+          </a:p>
+        </p:txBody>
+      </p:sp>
+      <p:pic>
+        <p:nvPicPr>
+          <p:cNvPr id="12290" name="Picture 2">
+            <a:extLst>
+              <a:ext uri="{FF2B5EF4-FFF2-40B4-BE49-F238E27FC236}">
+                <a16:creationId xmlns:a16="http://schemas.microsoft.com/office/drawing/2014/main" id="{C12C674C-3342-2295-9139-556EC9188293}"/>
+              </a:ext>
+            </a:extLst>
+          </p:cNvPr>
+          <p:cNvPicPr>
+            <a:picLocks noChangeAspect="1" noChangeArrowheads="1"/>
+          </p:cNvPicPr>
+          <p:nvPr/>
+        </p:nvPicPr>
+        <p:blipFill>
+          <a:blip r:embed="rId2">
+            <a:extLst>
+              <a:ext uri="{28A0092B-C50C-407E-A947-70E740481C1C}">
+                <a14:useLocalDpi xmlns:a14="http://schemas.microsoft.com/office/drawing/2010/main" val="0"/>
+              </a:ext>
+            </a:extLst>
+          </a:blip>
+          <a:srcRect/>
+          <a:stretch>
+            <a:fillRect/>
+          </a:stretch>
+        </p:blipFill>
+        <p:spPr bwMode="auto">
+          <a:xfrm>
+            <a:off x="3252048" y="369332"/>
+            <a:ext cx="7326204" cy="6119336"/>
+          </a:xfrm>
+          <a:prstGeom prst="rect">
+            <a:avLst/>
+          </a:prstGeom>
+          <a:noFill/>
+          <a:extLst>
+            <a:ext uri="{909E8E84-426E-40DD-AFC4-6F175D3DCCD1}">
+              <a14:hiddenFill xmlns:a14="http://schemas.microsoft.com/office/drawing/2010/main">
+                <a:solidFill>
+                  <a:srgbClr val="FFFFFF"/>
+                </a:solidFill>
+              </a14:hiddenFill>
+            </a:ext>
+          </a:extLst>
+        </p:spPr>
+      </p:pic>
+      <p:sp>
+        <p:nvSpPr>
+          <p:cNvPr id="5" name="TextBox 4">
+            <a:extLst>
+              <a:ext uri="{FF2B5EF4-FFF2-40B4-BE49-F238E27FC236}">
+                <a16:creationId xmlns:a16="http://schemas.microsoft.com/office/drawing/2014/main" id="{387B2633-6185-73F7-9DC9-8088D811CE02}"/>
+              </a:ext>
+            </a:extLst>
+          </p:cNvPr>
+          <p:cNvSpPr txBox="1"/>
+          <p:nvPr/>
+        </p:nvSpPr>
+        <p:spPr>
+          <a:xfrm>
+            <a:off x="6096000" y="6581001"/>
+            <a:ext cx="6096000" cy="276999"/>
+          </a:xfrm>
+          <a:prstGeom prst="rect">
+            <a:avLst/>
+          </a:prstGeom>
+          <a:noFill/>
+        </p:spPr>
+        <p:txBody>
+          <a:bodyPr wrap="square">
+            <a:spAutoFit/>
+          </a:bodyPr>
+          <a:lstStyle/>
+          <a:p>
+            <a:pPr algn="r"/>
+            <a:r>
+              <a:rPr lang="en-AT" sz="1200" dirty="0"/>
+              <a:t>Source:</a:t>
+            </a:r>
+            <a:r>
+              <a:rPr lang="en-AT" sz="1200" dirty="0">
+                <a:hlinkClick r:id="rId3"/>
+              </a:rPr>
+              <a:t> https://instructorc.github.io/site/slides/webdev/images/html/htmlstructure.png</a:t>
+            </a:r>
+            <a:endParaRPr lang="en-AT" sz="1200" dirty="0"/>
+          </a:p>
+        </p:txBody>
+      </p:sp>
+    </p:spTree>
+    <p:extLst>
+      <p:ext uri="{BB962C8B-B14F-4D97-AF65-F5344CB8AC3E}">
+        <p14:creationId xmlns:p14="http://schemas.microsoft.com/office/powerpoint/2010/main" val="2459886883"/>
+      </p:ext>
+    </p:extLst>
+  </p:cSld>
+  <p:clrMapOvr>
+    <a:masterClrMapping/>
+  </p:clrMapOvr>
+</p:sld>
+</file>
+
+<file path=ppt/slides/slide8.xml><?xml version="1.0" encoding="utf-8"?>
+<p:sld xmlns:a="http://schemas.openxmlformats.org/drawingml/2006/main" xmlns:r="http://schemas.openxmlformats.org/officeDocument/2006/relationships" xmlns:p="http://schemas.openxmlformats.org/presentationml/2006/main" showMasterSp="0">
+  <p:cSld>
+    <p:bg>
+      <p:bgPr>
+        <a:solidFill>
+          <a:srgbClr val="130F0C"/>
+        </a:solidFill>
+        <a:effectLst/>
+      </p:bgPr>
+    </p:bg>
+    <p:spTree>
+      <p:nvGrpSpPr>
+        <p:cNvPr id="1" name="">
+          <a:extLst>
+            <a:ext uri="{FF2B5EF4-FFF2-40B4-BE49-F238E27FC236}">
+              <a16:creationId xmlns:a16="http://schemas.microsoft.com/office/drawing/2014/main" id="{E740FDED-C50D-97D4-65BE-C3CC9A40BBA9}"/>
+            </a:ext>
+          </a:extLst>
+        </p:cNvPr>
+        <p:cNvGrpSpPr/>
+        <p:nvPr/>
+      </p:nvGrpSpPr>
+      <p:grpSpPr>
+        <a:xfrm>
+          <a:off x="0" y="0"/>
+          <a:ext cx="0" cy="0"/>
+          <a:chOff x="0" y="0"/>
+          <a:chExt cx="0" cy="0"/>
+        </a:xfrm>
+      </p:grpSpPr>
+      <p:pic>
+        <p:nvPicPr>
+          <p:cNvPr id="3074" name="Picture 2" descr="O.G. Original Gangster - Album by Ice T - Apple Music">
+            <a:extLst>
+              <a:ext uri="{FF2B5EF4-FFF2-40B4-BE49-F238E27FC236}">
+                <a16:creationId xmlns:a16="http://schemas.microsoft.com/office/drawing/2014/main" id="{D27219D5-6462-3C6E-076E-335D5F9D7A6F}"/>
+              </a:ext>
+            </a:extLst>
+          </p:cNvPr>
+          <p:cNvPicPr>
+            <a:picLocks noChangeAspect="1" noChangeArrowheads="1"/>
+          </p:cNvPicPr>
+          <p:nvPr/>
+        </p:nvPicPr>
+        <p:blipFill>
+          <a:blip r:embed="rId2">
+            <a:extLst>
+              <a:ext uri="{28A0092B-C50C-407E-A947-70E740481C1C}">
+                <a14:useLocalDpi xmlns:a14="http://schemas.microsoft.com/office/drawing/2010/main" val="0"/>
+              </a:ext>
+            </a:extLst>
+          </a:blip>
+          <a:srcRect/>
+          <a:stretch>
+            <a:fillRect/>
+          </a:stretch>
+        </p:blipFill>
+        <p:spPr bwMode="auto">
+          <a:xfrm>
+            <a:off x="3350418" y="683418"/>
+            <a:ext cx="5491163" cy="5491163"/>
+          </a:xfrm>
+          <a:prstGeom prst="rect">
+            <a:avLst/>
+          </a:prstGeom>
+          <a:noFill/>
+          <a:ln w="38100">
+            <a:solidFill>
+              <a:srgbClr val="99B8D6"/>
+            </a:solidFill>
+          </a:ln>
+          <a:extLst>
+            <a:ext uri="{909E8E84-426E-40DD-AFC4-6F175D3DCCD1}">
+              <a14:hiddenFill xmlns:a14="http://schemas.microsoft.com/office/drawing/2010/main">
+                <a:solidFill>
+                  <a:srgbClr val="FFFFFF"/>
+                </a:solidFill>
+              </a14:hiddenFill>
+            </a:ext>
+          </a:extLst>
+        </p:spPr>
+      </p:pic>
+    </p:spTree>
+    <p:extLst>
+      <p:ext uri="{BB962C8B-B14F-4D97-AF65-F5344CB8AC3E}">
+        <p14:creationId xmlns:p14="http://schemas.microsoft.com/office/powerpoint/2010/main" val="1766575315"/>
+      </p:ext>
+    </p:extLst>
+  </p:cSld>
+  <p:clrMapOvr>
+    <a:masterClrMapping/>
+  </p:clrMapOvr>
+</p:sld>
+</file>
+
+<file path=ppt/slides/slide9.xml><?xml version="1.0" encoding="utf-8"?>
+<p:sld xmlns:a="http://schemas.openxmlformats.org/drawingml/2006/main" xmlns:r="http://schemas.openxmlformats.org/officeDocument/2006/relationships" xmlns:p="http://schemas.openxmlformats.org/presentationml/2006/main">
+  <p:cSld>
+    <p:spTree>
+      <p:nvGrpSpPr>
+        <p:cNvPr id="1" name="">
+          <a:extLst>
+            <a:ext uri="{FF2B5EF4-FFF2-40B4-BE49-F238E27FC236}">
+              <a16:creationId xmlns:a16="http://schemas.microsoft.com/office/drawing/2014/main" id="{B3845F96-205C-71ED-4A6C-6F4392FC10E4}"/>
+            </a:ext>
+          </a:extLst>
+        </p:cNvPr>
+        <p:cNvGrpSpPr/>
+        <p:nvPr/>
+      </p:nvGrpSpPr>
+      <p:grpSpPr>
+        <a:xfrm>
+          <a:off x="0" y="0"/>
+          <a:ext cx="0" cy="0"/>
+          <a:chOff x="0" y="0"/>
+          <a:chExt cx="0" cy="0"/>
+        </a:xfrm>
+      </p:grpSpPr>
+      <p:sp>
+        <p:nvSpPr>
+          <p:cNvPr id="2" name="Title 1">
+            <a:extLst>
+              <a:ext uri="{FF2B5EF4-FFF2-40B4-BE49-F238E27FC236}">
+                <a16:creationId xmlns:a16="http://schemas.microsoft.com/office/drawing/2014/main" id="{67E03045-A441-6D7F-7B9E-28EB816EA073}"/>
+              </a:ext>
+            </a:extLst>
+          </p:cNvPr>
+          <p:cNvSpPr>
+            <a:spLocks noGrp="1"/>
+          </p:cNvSpPr>
+          <p:nvPr>
+            <p:ph type="title"/>
+          </p:nvPr>
+        </p:nvSpPr>
+        <p:spPr/>
+        <p:txBody>
+          <a:bodyPr/>
+          <a:lstStyle/>
+          <a:p>
+            <a:r>
+              <a:rPr lang="en-GB" b="0" dirty="0"/>
+              <a:t>The</a:t>
+            </a:r>
+            <a:r>
+              <a:rPr lang="en-GB" b="1" dirty="0"/>
+              <a:t> </a:t>
+            </a:r>
+            <a:r>
+              <a:rPr lang="en-GB" dirty="0"/>
+              <a:t>Open Graph Protocol </a:t>
+            </a:r>
+            <a:r>
+              <a:rPr lang="en-GB" sz="2000" dirty="0"/>
+              <a:t>(</a:t>
+            </a:r>
+            <a:r>
+              <a:rPr lang="en-GB" sz="2000" dirty="0">
+                <a:hlinkClick r:id="rId2"/>
+              </a:rPr>
+              <a:t>https://ogp.me/</a:t>
+            </a:r>
+            <a:r>
+              <a:rPr lang="en-GB" sz="2000" dirty="0"/>
+              <a:t>)</a:t>
+            </a:r>
+            <a:endParaRPr lang="en-GB" dirty="0"/>
+          </a:p>
+        </p:txBody>
+      </p:sp>
+      <p:sp>
+        <p:nvSpPr>
+          <p:cNvPr id="3" name="Content Placeholder 2">
+            <a:extLst>
+              <a:ext uri="{FF2B5EF4-FFF2-40B4-BE49-F238E27FC236}">
+                <a16:creationId xmlns:a16="http://schemas.microsoft.com/office/drawing/2014/main" id="{8C103685-2084-77BF-3000-E0F0A0EF73C6}"/>
+              </a:ext>
+            </a:extLst>
+          </p:cNvPr>
+          <p:cNvSpPr>
+            <a:spLocks noGrp="1"/>
+          </p:cNvSpPr>
+          <p:nvPr>
+            <p:ph idx="1"/>
+          </p:nvPr>
+        </p:nvSpPr>
+        <p:spPr/>
+        <p:txBody>
+          <a:bodyPr/>
+          <a:lstStyle/>
+          <a:p>
+            <a:r>
+              <a:rPr lang="en-AT" dirty="0"/>
+              <a:t>Protkoll bzw. Standard zum Definieren von Metadaten für Webseiten</a:t>
+            </a:r>
+          </a:p>
+          <a:p>
+            <a:r>
+              <a:rPr lang="en-GB" dirty="0" err="1"/>
+              <a:t>Wird</a:t>
+            </a:r>
+            <a:r>
+              <a:rPr lang="en-GB" dirty="0"/>
+              <a:t> </a:t>
+            </a:r>
+            <a:r>
+              <a:rPr lang="en-GB" dirty="0" err="1"/>
+              <a:t>zum</a:t>
+            </a:r>
+            <a:r>
+              <a:rPr lang="en-GB" dirty="0"/>
+              <a:t> </a:t>
+            </a:r>
+            <a:r>
+              <a:rPr lang="en-GB" dirty="0" err="1"/>
+              <a:t>Großteil</a:t>
+            </a:r>
+            <a:r>
+              <a:rPr lang="en-GB" dirty="0"/>
+              <a:t> von Social Media </a:t>
+            </a:r>
+            <a:r>
+              <a:rPr lang="en-GB" dirty="0" err="1"/>
+              <a:t>Plattformen</a:t>
+            </a:r>
+            <a:r>
+              <a:rPr lang="en-GB" dirty="0"/>
+              <a:t> </a:t>
+            </a:r>
+            <a:r>
+              <a:rPr lang="en-GB" dirty="0" err="1"/>
+              <a:t>verwendet</a:t>
+            </a:r>
+            <a:endParaRPr lang="en-GB" dirty="0"/>
+          </a:p>
+          <a:p>
+            <a:r>
+              <a:rPr lang="en-GB" dirty="0" err="1"/>
+              <a:t>Beispiel</a:t>
+            </a:r>
+            <a:r>
+              <a:rPr lang="en-GB" dirty="0"/>
+              <a:t>:</a:t>
+            </a:r>
+            <a:endParaRPr lang="en-AT" dirty="0"/>
+          </a:p>
+        </p:txBody>
+      </p:sp>
+      <p:pic>
+        <p:nvPicPr>
+          <p:cNvPr id="4" name="Picture 3">
+            <a:hlinkClick r:id="rId3"/>
+            <a:extLst>
+              <a:ext uri="{FF2B5EF4-FFF2-40B4-BE49-F238E27FC236}">
+                <a16:creationId xmlns:a16="http://schemas.microsoft.com/office/drawing/2014/main" id="{D9EE906A-9B03-A86C-37D5-88900255F5B4}"/>
+              </a:ext>
+            </a:extLst>
+          </p:cNvPr>
+          <p:cNvPicPr>
+            <a:picLocks noChangeAspect="1"/>
+          </p:cNvPicPr>
+          <p:nvPr/>
+        </p:nvPicPr>
+        <p:blipFill>
+          <a:blip r:embed="rId4">
+            <a:clrChange>
+              <a:clrFrom>
+                <a:srgbClr val="F3F4F6"/>
+              </a:clrFrom>
+              <a:clrTo>
+                <a:srgbClr val="F3F4F6">
+                  <a:alpha val="0"/>
+                </a:srgbClr>
+              </a:clrTo>
+            </a:clrChange>
+          </a:blip>
+          <a:stretch>
+            <a:fillRect/>
+          </a:stretch>
+        </p:blipFill>
+        <p:spPr>
+          <a:xfrm>
+            <a:off x="10026946" y="5224436"/>
+            <a:ext cx="1834558" cy="1403681"/>
+          </a:xfrm>
+          <a:prstGeom prst="rect">
+            <a:avLst/>
+          </a:prstGeom>
+        </p:spPr>
+      </p:pic>
+      <p:sp>
+        <p:nvSpPr>
+          <p:cNvPr id="8" name="TextBox 7">
+            <a:extLst>
+              <a:ext uri="{FF2B5EF4-FFF2-40B4-BE49-F238E27FC236}">
+                <a16:creationId xmlns:a16="http://schemas.microsoft.com/office/drawing/2014/main" id="{B80FFE23-5771-28BD-4A8B-D2D7ECAC4DF7}"/>
+              </a:ext>
+            </a:extLst>
+          </p:cNvPr>
+          <p:cNvSpPr txBox="1"/>
+          <p:nvPr/>
+        </p:nvSpPr>
+        <p:spPr>
+          <a:xfrm>
+            <a:off x="895350" y="4265444"/>
+            <a:ext cx="11296650" cy="1077218"/>
+          </a:xfrm>
+          <a:prstGeom prst="rect">
+            <a:avLst/>
+          </a:prstGeom>
+          <a:noFill/>
+        </p:spPr>
+        <p:txBody>
+          <a:bodyPr wrap="square">
+            <a:spAutoFit/>
+          </a:bodyPr>
+          <a:lstStyle/>
+          <a:p>
+            <a:pPr>
+              <a:buNone/>
+            </a:pPr>
+            <a:r>
+              <a:rPr lang="en-GB" sz="1600" b="0" dirty="0">
+                <a:solidFill>
+                  <a:srgbClr val="36F9F6"/>
+                </a:solidFill>
+                <a:effectLst/>
+                <a:latin typeface="Menlo" panose="020B0609030804020204" pitchFamily="49" charset="0"/>
+              </a:rPr>
+              <a:t>&lt;</a:t>
+            </a:r>
+            <a:r>
+              <a:rPr lang="en-GB" sz="1600" b="0" dirty="0">
+                <a:solidFill>
+                  <a:srgbClr val="72F1B8"/>
+                </a:solidFill>
+                <a:effectLst/>
+                <a:latin typeface="Menlo" panose="020B0609030804020204" pitchFamily="49" charset="0"/>
+              </a:rPr>
+              <a:t>meta</a:t>
+            </a:r>
+            <a:r>
+              <a:rPr lang="en-GB" sz="1600" b="0" dirty="0">
+                <a:solidFill>
+                  <a:srgbClr val="FFFFFF"/>
+                </a:solidFill>
+                <a:effectLst/>
+                <a:latin typeface="Menlo" panose="020B0609030804020204" pitchFamily="49" charset="0"/>
+              </a:rPr>
+              <a:t> </a:t>
+            </a:r>
+            <a:r>
+              <a:rPr lang="en-GB" sz="1600" b="0" i="1" dirty="0">
+                <a:solidFill>
+                  <a:srgbClr val="FEDE5D"/>
+                </a:solidFill>
+                <a:effectLst/>
+                <a:latin typeface="Menlo" panose="020B0609030804020204" pitchFamily="49" charset="0"/>
+              </a:rPr>
+              <a:t>property</a:t>
+            </a:r>
+            <a:r>
+              <a:rPr lang="en-GB" sz="1600" b="0" dirty="0">
+                <a:solidFill>
+                  <a:srgbClr val="B6B1B1"/>
+                </a:solidFill>
+                <a:effectLst/>
+                <a:latin typeface="Menlo" panose="020B0609030804020204" pitchFamily="49" charset="0"/>
+              </a:rPr>
+              <a:t>=</a:t>
+            </a:r>
+            <a:r>
+              <a:rPr lang="en-GB" sz="1600" b="0" dirty="0">
+                <a:solidFill>
+                  <a:srgbClr val="FF8B39"/>
+                </a:solidFill>
+                <a:effectLst/>
+                <a:latin typeface="Menlo" panose="020B0609030804020204" pitchFamily="49" charset="0"/>
+              </a:rPr>
+              <a:t>"</a:t>
+            </a:r>
+            <a:r>
+              <a:rPr lang="en-GB" sz="1600" b="0" dirty="0" err="1">
+                <a:solidFill>
+                  <a:srgbClr val="FF8B39"/>
+                </a:solidFill>
+                <a:effectLst/>
+                <a:latin typeface="Menlo" panose="020B0609030804020204" pitchFamily="49" charset="0"/>
+              </a:rPr>
+              <a:t>og:title</a:t>
+            </a:r>
+            <a:r>
+              <a:rPr lang="en-GB" sz="1600" b="0" dirty="0">
+                <a:solidFill>
+                  <a:srgbClr val="FF8B39"/>
+                </a:solidFill>
+                <a:effectLst/>
+                <a:latin typeface="Menlo" panose="020B0609030804020204" pitchFamily="49" charset="0"/>
+              </a:rPr>
+              <a:t>"</a:t>
+            </a:r>
+            <a:r>
+              <a:rPr lang="en-GB" sz="1600" b="0" dirty="0">
+                <a:solidFill>
+                  <a:srgbClr val="FFFFFF"/>
+                </a:solidFill>
+                <a:effectLst/>
+                <a:latin typeface="Menlo" panose="020B0609030804020204" pitchFamily="49" charset="0"/>
+              </a:rPr>
+              <a:t> </a:t>
+            </a:r>
+            <a:r>
+              <a:rPr lang="en-GB" sz="1600" b="0" i="1" dirty="0">
+                <a:solidFill>
+                  <a:srgbClr val="FEDE5D"/>
+                </a:solidFill>
+                <a:effectLst/>
+                <a:latin typeface="Menlo" panose="020B0609030804020204" pitchFamily="49" charset="0"/>
+              </a:rPr>
+              <a:t>content</a:t>
+            </a:r>
+            <a:r>
+              <a:rPr lang="en-GB" sz="1600" b="0" dirty="0">
+                <a:solidFill>
+                  <a:srgbClr val="B6B1B1"/>
+                </a:solidFill>
+                <a:effectLst/>
+                <a:latin typeface="Menlo" panose="020B0609030804020204" pitchFamily="49" charset="0"/>
+              </a:rPr>
+              <a:t>=</a:t>
+            </a:r>
+            <a:r>
+              <a:rPr lang="en-GB" sz="1600" b="0" dirty="0">
+                <a:solidFill>
+                  <a:srgbClr val="FF8B39"/>
+                </a:solidFill>
+                <a:effectLst/>
+                <a:latin typeface="Menlo" panose="020B0609030804020204" pitchFamily="49" charset="0"/>
+              </a:rPr>
+              <a:t>"</a:t>
+            </a:r>
+            <a:r>
+              <a:rPr lang="en-GB" sz="1600" b="0" dirty="0" err="1">
+                <a:solidFill>
+                  <a:srgbClr val="FF8B39"/>
+                </a:solidFill>
+                <a:effectLst/>
+                <a:latin typeface="Menlo" panose="020B0609030804020204" pitchFamily="49" charset="0"/>
+              </a:rPr>
+              <a:t>Beispielseite</a:t>
+            </a:r>
+            <a:r>
+              <a:rPr lang="en-GB" sz="1600" b="0" dirty="0">
+                <a:solidFill>
+                  <a:srgbClr val="FF8B39"/>
+                </a:solidFill>
+                <a:effectLst/>
+                <a:latin typeface="Menlo" panose="020B0609030804020204" pitchFamily="49" charset="0"/>
+              </a:rPr>
+              <a:t>"</a:t>
+            </a:r>
+            <a:r>
+              <a:rPr lang="en-GB" sz="1600" b="0" dirty="0">
+                <a:solidFill>
+                  <a:srgbClr val="36F9F6"/>
+                </a:solidFill>
+                <a:effectLst/>
+                <a:latin typeface="Menlo" panose="020B0609030804020204" pitchFamily="49" charset="0"/>
+              </a:rPr>
+              <a:t>&gt;</a:t>
+            </a:r>
+            <a:endParaRPr lang="en-GB" sz="1600" b="0" dirty="0">
+              <a:solidFill>
+                <a:srgbClr val="BBBBBB"/>
+              </a:solidFill>
+              <a:effectLst/>
+              <a:latin typeface="Menlo" panose="020B0609030804020204" pitchFamily="49" charset="0"/>
+            </a:endParaRPr>
+          </a:p>
+          <a:p>
+            <a:pPr>
+              <a:buNone/>
+            </a:pPr>
+            <a:r>
+              <a:rPr lang="en-GB" sz="1600" b="0" dirty="0">
+                <a:solidFill>
+                  <a:srgbClr val="36F9F6"/>
+                </a:solidFill>
+                <a:effectLst/>
+                <a:latin typeface="Menlo" panose="020B0609030804020204" pitchFamily="49" charset="0"/>
+              </a:rPr>
+              <a:t>&lt;</a:t>
+            </a:r>
+            <a:r>
+              <a:rPr lang="en-GB" sz="1600" b="0" dirty="0">
+                <a:solidFill>
+                  <a:srgbClr val="72F1B8"/>
+                </a:solidFill>
+                <a:effectLst/>
+                <a:latin typeface="Menlo" panose="020B0609030804020204" pitchFamily="49" charset="0"/>
+              </a:rPr>
+              <a:t>meta</a:t>
+            </a:r>
+            <a:r>
+              <a:rPr lang="en-GB" sz="1600" b="0" dirty="0">
+                <a:solidFill>
+                  <a:srgbClr val="FFFFFF"/>
+                </a:solidFill>
+                <a:effectLst/>
+                <a:latin typeface="Menlo" panose="020B0609030804020204" pitchFamily="49" charset="0"/>
+              </a:rPr>
+              <a:t> </a:t>
+            </a:r>
+            <a:r>
+              <a:rPr lang="en-GB" sz="1600" b="0" i="1" dirty="0">
+                <a:solidFill>
+                  <a:srgbClr val="FEDE5D"/>
+                </a:solidFill>
+                <a:effectLst/>
+                <a:latin typeface="Menlo" panose="020B0609030804020204" pitchFamily="49" charset="0"/>
+              </a:rPr>
+              <a:t>property</a:t>
+            </a:r>
+            <a:r>
+              <a:rPr lang="en-GB" sz="1600" b="0" dirty="0">
+                <a:solidFill>
+                  <a:srgbClr val="B6B1B1"/>
+                </a:solidFill>
+                <a:effectLst/>
+                <a:latin typeface="Menlo" panose="020B0609030804020204" pitchFamily="49" charset="0"/>
+              </a:rPr>
+              <a:t>=</a:t>
+            </a:r>
+            <a:r>
+              <a:rPr lang="en-GB" sz="1600" b="0" dirty="0">
+                <a:solidFill>
+                  <a:srgbClr val="FF8B39"/>
+                </a:solidFill>
+                <a:effectLst/>
+                <a:latin typeface="Menlo" panose="020B0609030804020204" pitchFamily="49" charset="0"/>
+              </a:rPr>
+              <a:t>"</a:t>
+            </a:r>
+            <a:r>
+              <a:rPr lang="en-GB" sz="1600" b="0" dirty="0" err="1">
+                <a:solidFill>
+                  <a:srgbClr val="FF8B39"/>
+                </a:solidFill>
+                <a:effectLst/>
+                <a:latin typeface="Menlo" panose="020B0609030804020204" pitchFamily="49" charset="0"/>
+              </a:rPr>
+              <a:t>og:description</a:t>
+            </a:r>
+            <a:r>
+              <a:rPr lang="en-GB" sz="1600" b="0" dirty="0">
+                <a:solidFill>
+                  <a:srgbClr val="FF8B39"/>
+                </a:solidFill>
+                <a:effectLst/>
+                <a:latin typeface="Menlo" panose="020B0609030804020204" pitchFamily="49" charset="0"/>
+              </a:rPr>
+              <a:t>"</a:t>
+            </a:r>
+            <a:r>
+              <a:rPr lang="en-GB" sz="1600" b="0" dirty="0">
+                <a:solidFill>
+                  <a:srgbClr val="FFFFFF"/>
+                </a:solidFill>
+                <a:effectLst/>
+                <a:latin typeface="Menlo" panose="020B0609030804020204" pitchFamily="49" charset="0"/>
+              </a:rPr>
+              <a:t> </a:t>
+            </a:r>
+            <a:r>
+              <a:rPr lang="en-GB" sz="1600" b="0" i="1" dirty="0">
+                <a:solidFill>
+                  <a:srgbClr val="FEDE5D"/>
+                </a:solidFill>
+                <a:effectLst/>
+                <a:latin typeface="Menlo" panose="020B0609030804020204" pitchFamily="49" charset="0"/>
+              </a:rPr>
+              <a:t>content</a:t>
+            </a:r>
+            <a:r>
+              <a:rPr lang="en-GB" sz="1600" b="0" dirty="0">
+                <a:solidFill>
+                  <a:srgbClr val="B6B1B1"/>
+                </a:solidFill>
+                <a:effectLst/>
+                <a:latin typeface="Menlo" panose="020B0609030804020204" pitchFamily="49" charset="0"/>
+              </a:rPr>
+              <a:t>=</a:t>
+            </a:r>
+            <a:r>
+              <a:rPr lang="en-GB" sz="1600" b="0" dirty="0">
+                <a:solidFill>
+                  <a:srgbClr val="FF8B39"/>
+                </a:solidFill>
+                <a:effectLst/>
+                <a:latin typeface="Menlo" panose="020B0609030804020204" pitchFamily="49" charset="0"/>
+              </a:rPr>
+              <a:t>"Dies </a:t>
+            </a:r>
+            <a:r>
+              <a:rPr lang="en-GB" sz="1600" b="0" dirty="0" err="1">
+                <a:solidFill>
+                  <a:srgbClr val="FF8B39"/>
+                </a:solidFill>
+                <a:effectLst/>
+                <a:latin typeface="Menlo" panose="020B0609030804020204" pitchFamily="49" charset="0"/>
+              </a:rPr>
+              <a:t>ist</a:t>
+            </a:r>
+            <a:r>
+              <a:rPr lang="en-GB" sz="1600" b="0" dirty="0">
+                <a:solidFill>
+                  <a:srgbClr val="FF8B39"/>
+                </a:solidFill>
+                <a:effectLst/>
+                <a:latin typeface="Menlo" panose="020B0609030804020204" pitchFamily="49" charset="0"/>
+              </a:rPr>
+              <a:t> </a:t>
+            </a:r>
+            <a:r>
+              <a:rPr lang="en-GB" sz="1600" b="0" dirty="0" err="1">
+                <a:solidFill>
+                  <a:srgbClr val="FF8B39"/>
+                </a:solidFill>
+                <a:effectLst/>
+                <a:latin typeface="Menlo" panose="020B0609030804020204" pitchFamily="49" charset="0"/>
+              </a:rPr>
+              <a:t>eine</a:t>
+            </a:r>
+            <a:r>
+              <a:rPr lang="en-GB" sz="1600" b="0" dirty="0">
+                <a:solidFill>
+                  <a:srgbClr val="FF8B39"/>
+                </a:solidFill>
+                <a:effectLst/>
+                <a:latin typeface="Menlo" panose="020B0609030804020204" pitchFamily="49" charset="0"/>
+              </a:rPr>
+              <a:t> </a:t>
+            </a:r>
+            <a:r>
+              <a:rPr lang="en-GB" sz="1600" b="0" dirty="0" err="1">
+                <a:solidFill>
+                  <a:srgbClr val="FF8B39"/>
+                </a:solidFill>
+                <a:effectLst/>
+                <a:latin typeface="Menlo" panose="020B0609030804020204" pitchFamily="49" charset="0"/>
+              </a:rPr>
+              <a:t>Beispielbeschreibung</a:t>
+            </a:r>
+            <a:r>
+              <a:rPr lang="en-GB" sz="1600" b="0" dirty="0">
+                <a:solidFill>
+                  <a:srgbClr val="FF8B39"/>
+                </a:solidFill>
+                <a:effectLst/>
+                <a:latin typeface="Menlo" panose="020B0609030804020204" pitchFamily="49" charset="0"/>
+              </a:rPr>
+              <a:t>."</a:t>
+            </a:r>
+            <a:r>
+              <a:rPr lang="en-GB" sz="1600" b="0" dirty="0">
+                <a:solidFill>
+                  <a:srgbClr val="36F9F6"/>
+                </a:solidFill>
+                <a:effectLst/>
+                <a:latin typeface="Menlo" panose="020B0609030804020204" pitchFamily="49" charset="0"/>
+              </a:rPr>
+              <a:t>&gt;</a:t>
+            </a:r>
+            <a:endParaRPr lang="en-GB" sz="1600" b="0" dirty="0">
+              <a:solidFill>
+                <a:srgbClr val="BBBBBB"/>
+              </a:solidFill>
+              <a:effectLst/>
+              <a:latin typeface="Menlo" panose="020B0609030804020204" pitchFamily="49" charset="0"/>
+            </a:endParaRPr>
+          </a:p>
+          <a:p>
+            <a:pPr>
+              <a:buNone/>
+            </a:pPr>
+            <a:r>
+              <a:rPr lang="en-GB" sz="1600" b="0" dirty="0">
+                <a:solidFill>
+                  <a:srgbClr val="36F9F6"/>
+                </a:solidFill>
+                <a:effectLst/>
+                <a:latin typeface="Menlo" panose="020B0609030804020204" pitchFamily="49" charset="0"/>
+              </a:rPr>
+              <a:t>&lt;</a:t>
+            </a:r>
+            <a:r>
+              <a:rPr lang="en-GB" sz="1600" b="0" dirty="0">
+                <a:solidFill>
+                  <a:srgbClr val="72F1B8"/>
+                </a:solidFill>
+                <a:effectLst/>
+                <a:latin typeface="Menlo" panose="020B0609030804020204" pitchFamily="49" charset="0"/>
+              </a:rPr>
+              <a:t>meta</a:t>
+            </a:r>
+            <a:r>
+              <a:rPr lang="en-GB" sz="1600" b="0" dirty="0">
+                <a:solidFill>
+                  <a:srgbClr val="FFFFFF"/>
+                </a:solidFill>
+                <a:effectLst/>
+                <a:latin typeface="Menlo" panose="020B0609030804020204" pitchFamily="49" charset="0"/>
+              </a:rPr>
+              <a:t> </a:t>
+            </a:r>
+            <a:r>
+              <a:rPr lang="en-GB" sz="1600" b="0" i="1" dirty="0">
+                <a:solidFill>
+                  <a:srgbClr val="FEDE5D"/>
+                </a:solidFill>
+                <a:effectLst/>
+                <a:latin typeface="Menlo" panose="020B0609030804020204" pitchFamily="49" charset="0"/>
+              </a:rPr>
+              <a:t>property</a:t>
+            </a:r>
+            <a:r>
+              <a:rPr lang="en-GB" sz="1600" b="0" dirty="0">
+                <a:solidFill>
+                  <a:srgbClr val="B6B1B1"/>
+                </a:solidFill>
+                <a:effectLst/>
+                <a:latin typeface="Menlo" panose="020B0609030804020204" pitchFamily="49" charset="0"/>
+              </a:rPr>
+              <a:t>=</a:t>
+            </a:r>
+            <a:r>
+              <a:rPr lang="en-GB" sz="1600" b="0" dirty="0">
+                <a:solidFill>
+                  <a:srgbClr val="FF8B39"/>
+                </a:solidFill>
+                <a:effectLst/>
+                <a:latin typeface="Menlo" panose="020B0609030804020204" pitchFamily="49" charset="0"/>
+              </a:rPr>
+              <a:t>"</a:t>
+            </a:r>
+            <a:r>
+              <a:rPr lang="en-GB" sz="1600" b="0" dirty="0" err="1">
+                <a:solidFill>
+                  <a:srgbClr val="FF8B39"/>
+                </a:solidFill>
+                <a:effectLst/>
+                <a:latin typeface="Menlo" panose="020B0609030804020204" pitchFamily="49" charset="0"/>
+              </a:rPr>
+              <a:t>og:image</a:t>
+            </a:r>
+            <a:r>
+              <a:rPr lang="en-GB" sz="1600" b="0" dirty="0">
+                <a:solidFill>
+                  <a:srgbClr val="FF8B39"/>
+                </a:solidFill>
+                <a:effectLst/>
+                <a:latin typeface="Menlo" panose="020B0609030804020204" pitchFamily="49" charset="0"/>
+              </a:rPr>
+              <a:t>"</a:t>
+            </a:r>
+            <a:r>
+              <a:rPr lang="en-GB" sz="1600" b="0" dirty="0">
+                <a:solidFill>
+                  <a:srgbClr val="FFFFFF"/>
+                </a:solidFill>
+                <a:effectLst/>
+                <a:latin typeface="Menlo" panose="020B0609030804020204" pitchFamily="49" charset="0"/>
+              </a:rPr>
+              <a:t> </a:t>
+            </a:r>
+            <a:r>
+              <a:rPr lang="en-GB" sz="1600" b="0" i="1" dirty="0">
+                <a:solidFill>
+                  <a:srgbClr val="FEDE5D"/>
+                </a:solidFill>
+                <a:effectLst/>
+                <a:latin typeface="Menlo" panose="020B0609030804020204" pitchFamily="49" charset="0"/>
+              </a:rPr>
+              <a:t>content</a:t>
+            </a:r>
+            <a:r>
+              <a:rPr lang="en-GB" sz="1600" b="0" dirty="0">
+                <a:solidFill>
+                  <a:srgbClr val="B6B1B1"/>
+                </a:solidFill>
+                <a:effectLst/>
+                <a:latin typeface="Menlo" panose="020B0609030804020204" pitchFamily="49" charset="0"/>
+              </a:rPr>
+              <a:t>=</a:t>
+            </a:r>
+            <a:r>
+              <a:rPr lang="en-GB" sz="1600" b="0" dirty="0">
+                <a:solidFill>
+                  <a:srgbClr val="FF8B39"/>
+                </a:solidFill>
+                <a:effectLst/>
+                <a:latin typeface="Menlo" panose="020B0609030804020204" pitchFamily="49" charset="0"/>
+              </a:rPr>
+              <a:t>"https://</a:t>
+            </a:r>
+            <a:r>
+              <a:rPr lang="en-GB" sz="1600" b="0" dirty="0" err="1">
+                <a:solidFill>
+                  <a:srgbClr val="FF8B39"/>
+                </a:solidFill>
+                <a:effectLst/>
+                <a:latin typeface="Menlo" panose="020B0609030804020204" pitchFamily="49" charset="0"/>
+              </a:rPr>
+              <a:t>example.com</a:t>
+            </a:r>
+            <a:r>
+              <a:rPr lang="en-GB" sz="1600" b="0" dirty="0">
+                <a:solidFill>
+                  <a:srgbClr val="FF8B39"/>
+                </a:solidFill>
+                <a:effectLst/>
+                <a:latin typeface="Menlo" panose="020B0609030804020204" pitchFamily="49" charset="0"/>
+              </a:rPr>
+              <a:t>/</a:t>
+            </a:r>
+            <a:r>
+              <a:rPr lang="en-GB" sz="1600" b="0" dirty="0" err="1">
+                <a:solidFill>
+                  <a:srgbClr val="FF8B39"/>
+                </a:solidFill>
+                <a:effectLst/>
+                <a:latin typeface="Menlo" panose="020B0609030804020204" pitchFamily="49" charset="0"/>
+              </a:rPr>
+              <a:t>image.jpg</a:t>
+            </a:r>
+            <a:r>
+              <a:rPr lang="en-GB" sz="1600" b="0" dirty="0">
+                <a:solidFill>
+                  <a:srgbClr val="FF8B39"/>
+                </a:solidFill>
+                <a:effectLst/>
+                <a:latin typeface="Menlo" panose="020B0609030804020204" pitchFamily="49" charset="0"/>
+              </a:rPr>
+              <a:t>"</a:t>
+            </a:r>
+            <a:r>
+              <a:rPr lang="en-GB" sz="1600" b="0" dirty="0">
+                <a:solidFill>
+                  <a:srgbClr val="36F9F6"/>
+                </a:solidFill>
+                <a:effectLst/>
+                <a:latin typeface="Menlo" panose="020B0609030804020204" pitchFamily="49" charset="0"/>
+              </a:rPr>
+              <a:t>&gt;</a:t>
+            </a:r>
+            <a:endParaRPr lang="en-GB" sz="1600" b="0" dirty="0">
+              <a:solidFill>
+                <a:srgbClr val="BBBBBB"/>
+              </a:solidFill>
+              <a:effectLst/>
+              <a:latin typeface="Menlo" panose="020B0609030804020204" pitchFamily="49" charset="0"/>
+            </a:endParaRPr>
+          </a:p>
+          <a:p>
+            <a:pPr>
+              <a:buNone/>
+            </a:pPr>
+            <a:r>
+              <a:rPr lang="en-GB" sz="1600" b="0" dirty="0">
+                <a:solidFill>
+                  <a:srgbClr val="36F9F6"/>
+                </a:solidFill>
+                <a:effectLst/>
+                <a:latin typeface="Menlo" panose="020B0609030804020204" pitchFamily="49" charset="0"/>
+              </a:rPr>
+              <a:t>&lt;</a:t>
+            </a:r>
+            <a:r>
+              <a:rPr lang="en-GB" sz="1600" b="0" dirty="0">
+                <a:solidFill>
+                  <a:srgbClr val="72F1B8"/>
+                </a:solidFill>
+                <a:effectLst/>
+                <a:latin typeface="Menlo" panose="020B0609030804020204" pitchFamily="49" charset="0"/>
+              </a:rPr>
+              <a:t>meta</a:t>
+            </a:r>
+            <a:r>
+              <a:rPr lang="en-GB" sz="1600" b="0" dirty="0">
+                <a:solidFill>
+                  <a:srgbClr val="FFFFFF"/>
+                </a:solidFill>
+                <a:effectLst/>
+                <a:latin typeface="Menlo" panose="020B0609030804020204" pitchFamily="49" charset="0"/>
+              </a:rPr>
+              <a:t> </a:t>
+            </a:r>
+            <a:r>
+              <a:rPr lang="en-GB" sz="1600" b="0" i="1" dirty="0">
+                <a:solidFill>
+                  <a:srgbClr val="FEDE5D"/>
+                </a:solidFill>
+                <a:effectLst/>
+                <a:latin typeface="Menlo" panose="020B0609030804020204" pitchFamily="49" charset="0"/>
+              </a:rPr>
+              <a:t>property</a:t>
+            </a:r>
+            <a:r>
+              <a:rPr lang="en-GB" sz="1600" b="0" dirty="0">
+                <a:solidFill>
+                  <a:srgbClr val="B6B1B1"/>
+                </a:solidFill>
+                <a:effectLst/>
+                <a:latin typeface="Menlo" panose="020B0609030804020204" pitchFamily="49" charset="0"/>
+              </a:rPr>
+              <a:t>=</a:t>
+            </a:r>
+            <a:r>
+              <a:rPr lang="en-GB" sz="1600" b="0" dirty="0">
+                <a:solidFill>
+                  <a:srgbClr val="FF8B39"/>
+                </a:solidFill>
+                <a:effectLst/>
+                <a:latin typeface="Menlo" panose="020B0609030804020204" pitchFamily="49" charset="0"/>
+              </a:rPr>
+              <a:t>"</a:t>
+            </a:r>
+            <a:r>
+              <a:rPr lang="en-GB" sz="1600" b="0" dirty="0" err="1">
+                <a:solidFill>
+                  <a:srgbClr val="FF8B39"/>
+                </a:solidFill>
+                <a:effectLst/>
+                <a:latin typeface="Menlo" panose="020B0609030804020204" pitchFamily="49" charset="0"/>
+              </a:rPr>
+              <a:t>og:url</a:t>
+            </a:r>
+            <a:r>
+              <a:rPr lang="en-GB" sz="1600" b="0" dirty="0">
+                <a:solidFill>
+                  <a:srgbClr val="FF8B39"/>
+                </a:solidFill>
+                <a:effectLst/>
+                <a:latin typeface="Menlo" panose="020B0609030804020204" pitchFamily="49" charset="0"/>
+              </a:rPr>
+              <a:t>"</a:t>
+            </a:r>
+            <a:r>
+              <a:rPr lang="en-GB" sz="1600" b="0" dirty="0">
+                <a:solidFill>
+                  <a:srgbClr val="FFFFFF"/>
+                </a:solidFill>
+                <a:effectLst/>
+                <a:latin typeface="Menlo" panose="020B0609030804020204" pitchFamily="49" charset="0"/>
+              </a:rPr>
+              <a:t> </a:t>
+            </a:r>
+            <a:r>
+              <a:rPr lang="en-GB" sz="1600" b="0" i="1" dirty="0">
+                <a:solidFill>
+                  <a:srgbClr val="FEDE5D"/>
+                </a:solidFill>
+                <a:effectLst/>
+                <a:latin typeface="Menlo" panose="020B0609030804020204" pitchFamily="49" charset="0"/>
+              </a:rPr>
+              <a:t>content</a:t>
+            </a:r>
+            <a:r>
+              <a:rPr lang="en-GB" sz="1600" b="0" dirty="0">
+                <a:solidFill>
+                  <a:srgbClr val="B6B1B1"/>
+                </a:solidFill>
+                <a:effectLst/>
+                <a:latin typeface="Menlo" panose="020B0609030804020204" pitchFamily="49" charset="0"/>
+              </a:rPr>
+              <a:t>=</a:t>
+            </a:r>
+            <a:r>
+              <a:rPr lang="en-GB" sz="1600" b="0" dirty="0">
+                <a:solidFill>
+                  <a:srgbClr val="FF8B39"/>
+                </a:solidFill>
+                <a:effectLst/>
+                <a:latin typeface="Menlo" panose="020B0609030804020204" pitchFamily="49" charset="0"/>
+              </a:rPr>
+              <a:t>"https://</a:t>
+            </a:r>
+            <a:r>
+              <a:rPr lang="en-GB" sz="1600" b="0" dirty="0" err="1">
+                <a:solidFill>
+                  <a:srgbClr val="FF8B39"/>
+                </a:solidFill>
+                <a:effectLst/>
+                <a:latin typeface="Menlo" panose="020B0609030804020204" pitchFamily="49" charset="0"/>
+              </a:rPr>
+              <a:t>example.com</a:t>
+            </a:r>
+            <a:r>
+              <a:rPr lang="en-GB" sz="1600" b="0" dirty="0">
+                <a:solidFill>
+                  <a:srgbClr val="FF8B39"/>
+                </a:solidFill>
+                <a:effectLst/>
+                <a:latin typeface="Menlo" panose="020B0609030804020204" pitchFamily="49" charset="0"/>
+              </a:rPr>
+              <a:t>"</a:t>
+            </a:r>
+            <a:r>
+              <a:rPr lang="en-GB" sz="1600" b="0" dirty="0">
+                <a:solidFill>
+                  <a:srgbClr val="36F9F6"/>
+                </a:solidFill>
+                <a:effectLst/>
+                <a:latin typeface="Menlo" panose="020B0609030804020204" pitchFamily="49" charset="0"/>
+              </a:rPr>
+              <a:t>&gt;</a:t>
+            </a:r>
+            <a:endParaRPr lang="en-GB" sz="1600" b="0" dirty="0">
+              <a:solidFill>
+                <a:srgbClr val="BBBBBB"/>
+              </a:solidFill>
+              <a:effectLst/>
+              <a:latin typeface="Menlo" panose="020B0609030804020204" pitchFamily="49" charset="0"/>
+            </a:endParaRPr>
+          </a:p>
+        </p:txBody>
+      </p:sp>
+    </p:spTree>
+    <p:extLst>
+      <p:ext uri="{BB962C8B-B14F-4D97-AF65-F5344CB8AC3E}">
+        <p14:creationId xmlns:p14="http://schemas.microsoft.com/office/powerpoint/2010/main" val="1075276025"/>
       </p:ext>
     </p:extLst>
   </p:cSld>
@@ -4568,4 +9466,319 @@
     </a:ext>
   </a:extLst>
 </a:theme>
+</file>
+
+<file path=ppt/theme/theme2.xml><?xml version="1.0" encoding="utf-8"?>
+<a:theme xmlns:a="http://schemas.openxmlformats.org/drawingml/2006/main" name="Office Theme">
+  <a:themeElements>
+    <a:clrScheme name="Office">
+      <a:dk1>
+        <a:sysClr val="windowText" lastClr="000000"/>
+      </a:dk1>
+      <a:lt1>
+        <a:sysClr val="window" lastClr="FFFFFF"/>
+      </a:lt1>
+      <a:dk2>
+        <a:srgbClr val="0E2841"/>
+      </a:dk2>
+      <a:lt2>
+        <a:srgbClr val="E8E8E8"/>
+      </a:lt2>
+      <a:accent1>
+        <a:srgbClr val="156082"/>
+      </a:accent1>
+      <a:accent2>
+        <a:srgbClr val="E97132"/>
+      </a:accent2>
+      <a:accent3>
+        <a:srgbClr val="196B24"/>
+      </a:accent3>
+      <a:accent4>
+        <a:srgbClr val="0F9ED5"/>
+      </a:accent4>
+      <a:accent5>
+        <a:srgbClr val="A02B93"/>
+      </a:accent5>
+      <a:accent6>
+        <a:srgbClr val="4EA72E"/>
+      </a:accent6>
+      <a:hlink>
+        <a:srgbClr val="467886"/>
+      </a:hlink>
+      <a:folHlink>
+        <a:srgbClr val="96607D"/>
+      </a:folHlink>
+    </a:clrScheme>
+    <a:fontScheme name="Office">
+      <a:majorFont>
+        <a:latin typeface="Aptos Display" panose="02110004020202020204"/>
+        <a:ea typeface=""/>
+        <a:cs typeface=""/>
+        <a:font script="Jpan" typeface="游ゴシック Light"/>
+        <a:font script="Hang" typeface="맑은 고딕"/>
+        <a:font script="Hans" typeface="等线 Light"/>
+        <a:font script="Hant" typeface="新細明體"/>
+        <a:font script="Arab" typeface="Times New Roman"/>
+        <a:font script="Hebr" typeface="Times New Roman"/>
+        <a:font script="Thai" typeface="Angsana New"/>
+        <a:font script="Ethi" typeface="Nyala"/>
+        <a:font script="Beng" typeface="Vrinda"/>
+        <a:font script="Gujr" typeface="Shruti"/>
+        <a:font script="Khmr" typeface="MoolBoran"/>
+        <a:font script="Knda" typeface="Tunga"/>
+        <a:font script="Guru" typeface="Raavi"/>
+        <a:font script="Cans" typeface="Euphemia"/>
+        <a:font script="Cher" typeface="Plantagenet Cherokee"/>
+        <a:font script="Yiii" typeface="Microsoft Yi Baiti"/>
+        <a:font script="Tibt" typeface="Microsoft Himalaya"/>
+        <a:font script="Thaa" typeface="MV Boli"/>
+        <a:font script="Deva" typeface="Mangal"/>
+        <a:font script="Telu" typeface="Gautami"/>
+        <a:font script="Taml" typeface="Latha"/>
+        <a:font script="Syrc" typeface="Estrangelo Edessa"/>
+        <a:font script="Orya" typeface="Kalinga"/>
+        <a:font script="Mlym" typeface="Kartika"/>
+        <a:font script="Laoo" typeface="DokChampa"/>
+        <a:font script="Sinh" typeface="Iskoola Pota"/>
+        <a:font script="Mong" typeface="Mongolian Baiti"/>
+        <a:font script="Viet" typeface="Times New Roman"/>
+        <a:font script="Uigh" typeface="Microsoft Uighur"/>
+        <a:font script="Geor" typeface="Sylfaen"/>
+        <a:font script="Armn" typeface="Arial"/>
+        <a:font script="Bugi" typeface="Leelawadee UI"/>
+        <a:font script="Bopo" typeface="Microsoft JhengHei"/>
+        <a:font script="Java" typeface="Javanese Text"/>
+        <a:font script="Lisu" typeface="Segoe UI"/>
+        <a:font script="Mymr" typeface="Myanmar Text"/>
+        <a:font script="Nkoo" typeface="Ebrima"/>
+        <a:font script="Olck" typeface="Nirmala UI"/>
+        <a:font script="Osma" typeface="Ebrima"/>
+        <a:font script="Phag" typeface="Phagspa"/>
+        <a:font script="Syrn" typeface="Estrangelo Edessa"/>
+        <a:font script="Syrj" typeface="Estrangelo Edessa"/>
+        <a:font script="Syre" typeface="Estrangelo Edessa"/>
+        <a:font script="Sora" typeface="Nirmala UI"/>
+        <a:font script="Tale" typeface="Microsoft Tai Le"/>
+        <a:font script="Talu" typeface="Microsoft New Tai Lue"/>
+        <a:font script="Tfng" typeface="Ebrima"/>
+      </a:majorFont>
+      <a:minorFont>
+        <a:latin typeface="Aptos" panose="02110004020202020204"/>
+        <a:ea typeface=""/>
+        <a:cs typeface=""/>
+        <a:font script="Jpan" typeface="游ゴシック"/>
+        <a:font script="Hang" typeface="맑은 고딕"/>
+        <a:font script="Hans" typeface="等线"/>
+        <a:font script="Hant" typeface="新細明體"/>
+        <a:font script="Arab" typeface="Arial"/>
+        <a:font script="Hebr" typeface="Arial"/>
+        <a:font script="Thai" typeface="Cordia New"/>
+        <a:font script="Ethi" typeface="Nyala"/>
+        <a:font script="Beng" typeface="Vrinda"/>
+        <a:font script="Gujr" typeface="Shruti"/>
+        <a:font script="Khmr" typeface="DaunPenh"/>
+        <a:font script="Knda" typeface="Tunga"/>
+        <a:font script="Guru" typeface="Raavi"/>
+        <a:font script="Cans" typeface="Euphemia"/>
+        <a:font script="Cher" typeface="Plantagenet Cherokee"/>
+        <a:font script="Yiii" typeface="Microsoft Yi Baiti"/>
+        <a:font script="Tibt" typeface="Microsoft Himalaya"/>
+        <a:font script="Thaa" typeface="MV Boli"/>
+        <a:font script="Deva" typeface="Mangal"/>
+        <a:font script="Telu" typeface="Gautami"/>
+        <a:font script="Taml" typeface="Latha"/>
+        <a:font script="Syrc" typeface="Estrangelo Edessa"/>
+        <a:font script="Orya" typeface="Kalinga"/>
+        <a:font script="Mlym" typeface="Kartika"/>
+        <a:font script="Laoo" typeface="DokChampa"/>
+        <a:font script="Sinh" typeface="Iskoola Pota"/>
+        <a:font script="Mong" typeface="Mongolian Baiti"/>
+        <a:font script="Viet" typeface="Arial"/>
+        <a:font script="Uigh" typeface="Microsoft Uighur"/>
+        <a:font script="Geor" typeface="Sylfaen"/>
+        <a:font script="Armn" typeface="Arial"/>
+        <a:font script="Bugi" typeface="Leelawadee UI"/>
+        <a:font script="Bopo" typeface="Microsoft JhengHei"/>
+        <a:font script="Java" typeface="Javanese Text"/>
+        <a:font script="Lisu" typeface="Segoe UI"/>
+        <a:font script="Mymr" typeface="Myanmar Text"/>
+        <a:font script="Nkoo" typeface="Ebrima"/>
+        <a:font script="Olck" typeface="Nirmala UI"/>
+        <a:font script="Osma" typeface="Ebrima"/>
+        <a:font script="Phag" typeface="Phagspa"/>
+        <a:font script="Syrn" typeface="Estrangelo Edessa"/>
+        <a:font script="Syrj" typeface="Estrangelo Edessa"/>
+        <a:font script="Syre" typeface="Estrangelo Edessa"/>
+        <a:font script="Sora" typeface="Nirmala UI"/>
+        <a:font script="Tale" typeface="Microsoft Tai Le"/>
+        <a:font script="Talu" typeface="Microsoft New Tai Lue"/>
+        <a:font script="Tfng" typeface="Ebrima"/>
+      </a:minorFont>
+    </a:fontScheme>
+    <a:fmtScheme name="Office">
+      <a:fillStyleLst>
+        <a:solidFill>
+          <a:schemeClr val="phClr"/>
+        </a:solidFill>
+        <a:gradFill rotWithShape="1">
+          <a:gsLst>
+            <a:gs pos="0">
+              <a:schemeClr val="phClr">
+                <a:lumMod val="110000"/>
+                <a:satMod val="105000"/>
+                <a:tint val="67000"/>
+              </a:schemeClr>
+            </a:gs>
+            <a:gs pos="50000">
+              <a:schemeClr val="phClr">
+                <a:lumMod val="105000"/>
+                <a:satMod val="103000"/>
+                <a:tint val="73000"/>
+              </a:schemeClr>
+            </a:gs>
+            <a:gs pos="100000">
+              <a:schemeClr val="phClr">
+                <a:lumMod val="105000"/>
+                <a:satMod val="109000"/>
+                <a:tint val="81000"/>
+              </a:schemeClr>
+            </a:gs>
+          </a:gsLst>
+          <a:lin ang="5400000" scaled="0"/>
+        </a:gradFill>
+        <a:gradFill rotWithShape="1">
+          <a:gsLst>
+            <a:gs pos="0">
+              <a:schemeClr val="phClr">
+                <a:satMod val="103000"/>
+                <a:lumMod val="102000"/>
+                <a:tint val="94000"/>
+              </a:schemeClr>
+            </a:gs>
+            <a:gs pos="50000">
+              <a:schemeClr val="phClr">
+                <a:satMod val="110000"/>
+                <a:lumMod val="100000"/>
+                <a:shade val="100000"/>
+              </a:schemeClr>
+            </a:gs>
+            <a:gs pos="100000">
+              <a:schemeClr val="phClr">
+                <a:lumMod val="99000"/>
+                <a:satMod val="120000"/>
+                <a:shade val="78000"/>
+              </a:schemeClr>
+            </a:gs>
+          </a:gsLst>
+          <a:lin ang="5400000" scaled="0"/>
+        </a:gradFill>
+      </a:fillStyleLst>
+      <a:lnStyleLst>
+        <a:ln w="12700" cap="flat" cmpd="sng" algn="ctr">
+          <a:solidFill>
+            <a:schemeClr val="phClr"/>
+          </a:solidFill>
+          <a:prstDash val="solid"/>
+          <a:miter lim="800000"/>
+        </a:ln>
+        <a:ln w="19050" cap="flat" cmpd="sng" algn="ctr">
+          <a:solidFill>
+            <a:schemeClr val="phClr"/>
+          </a:solidFill>
+          <a:prstDash val="solid"/>
+          <a:miter lim="800000"/>
+        </a:ln>
+        <a:ln w="25400" cap="flat" cmpd="sng" algn="ctr">
+          <a:solidFill>
+            <a:schemeClr val="phClr"/>
+          </a:solidFill>
+          <a:prstDash val="solid"/>
+          <a:miter lim="800000"/>
+        </a:ln>
+      </a:lnStyleLst>
+      <a:effectStyleLst>
+        <a:effectStyle>
+          <a:effectLst/>
+        </a:effectStyle>
+        <a:effectStyle>
+          <a:effectLst/>
+        </a:effectStyle>
+        <a:effectStyle>
+          <a:effectLst>
+            <a:outerShdw blurRad="57150" dist="19050" dir="5400000" algn="ctr" rotWithShape="0">
+              <a:srgbClr val="000000">
+                <a:alpha val="63000"/>
+              </a:srgbClr>
+            </a:outerShdw>
+          </a:effectLst>
+        </a:effectStyle>
+      </a:effectStyleLst>
+      <a:bgFillStyleLst>
+        <a:solidFill>
+          <a:schemeClr val="phClr"/>
+        </a:solidFill>
+        <a:solidFill>
+          <a:schemeClr val="phClr">
+            <a:tint val="95000"/>
+            <a:satMod val="170000"/>
+          </a:schemeClr>
+        </a:solidFill>
+        <a:gradFill rotWithShape="1">
+          <a:gsLst>
+            <a:gs pos="0">
+              <a:schemeClr val="phClr">
+                <a:tint val="93000"/>
+                <a:satMod val="150000"/>
+                <a:shade val="98000"/>
+                <a:lumMod val="102000"/>
+              </a:schemeClr>
+            </a:gs>
+            <a:gs pos="50000">
+              <a:schemeClr val="phClr">
+                <a:tint val="98000"/>
+                <a:satMod val="130000"/>
+                <a:shade val="90000"/>
+                <a:lumMod val="103000"/>
+              </a:schemeClr>
+            </a:gs>
+            <a:gs pos="100000">
+              <a:schemeClr val="phClr">
+                <a:shade val="63000"/>
+                <a:satMod val="120000"/>
+              </a:schemeClr>
+            </a:gs>
+          </a:gsLst>
+          <a:lin ang="5400000" scaled="0"/>
+        </a:gradFill>
+      </a:bgFillStyleLst>
+    </a:fmtScheme>
+  </a:themeElements>
+  <a:objectDefaults>
+    <a:lnDef>
+      <a:spPr/>
+      <a:bodyPr/>
+      <a:lstStyle/>
+      <a:style>
+        <a:lnRef idx="2">
+          <a:schemeClr val="accent1"/>
+        </a:lnRef>
+        <a:fillRef idx="0">
+          <a:schemeClr val="accent1"/>
+        </a:fillRef>
+        <a:effectRef idx="1">
+          <a:schemeClr val="accent1"/>
+        </a:effectRef>
+        <a:fontRef idx="minor">
+          <a:schemeClr val="tx1"/>
+        </a:fontRef>
+      </a:style>
+    </a:lnDef>
+  </a:objectDefaults>
+  <a:extraClrSchemeLst/>
+  <a:extLst>
+    <a:ext uri="{05A4C25C-085E-4340-85A3-A5531E510DB2}">
+      <thm15:themeFamily xmlns:thm15="http://schemas.microsoft.com/office/thememl/2012/main" name="Office Theme" id="{2E142A2C-CD16-42D6-873A-C26D2A0506FA}" vid="{1BDDFF52-6CD6-40A5-AB3C-68EB2F1E4D0A}"/>
+    </a:ext>
+  </a:extLst>
+</a:theme>
 </file>
--- a/slides.pptx
+++ b/slides.pptx
@@ -5,7 +5,7 @@
     <p:sldMasterId id="2147483695" r:id="rId1"/>
   </p:sldMasterIdLst>
   <p:notesMasterIdLst>
-    <p:notesMasterId r:id="rId22"/>
+    <p:notesMasterId r:id="rId24"/>
   </p:notesMasterIdLst>
   <p:sldIdLst>
     <p:sldId id="256" r:id="rId2"/>
@@ -27,7 +27,9 @@
     <p:sldId id="275" r:id="rId18"/>
     <p:sldId id="274" r:id="rId19"/>
     <p:sldId id="276" r:id="rId20"/>
-    <p:sldId id="258" r:id="rId21"/>
+    <p:sldId id="277" r:id="rId21"/>
+    <p:sldId id="278" r:id="rId22"/>
+    <p:sldId id="258" r:id="rId23"/>
   </p:sldIdLst>
   <p:sldSz cx="12192000" cy="6858000"/>
   <p:notesSz cx="6858000" cy="9144000"/>
@@ -126,6 +128,11 @@
       </a:defRPr>
     </a:lvl9pPr>
   </p:defaultTextStyle>
+  <p:extLst>
+    <p:ext uri="{EFAFB233-063F-42B5-8137-9DF3F51BA10A}">
+      <p15:sldGuideLst xmlns:p15="http://schemas.microsoft.com/office/powerpoint/2012/main"/>
+    </p:ext>
+  </p:extLst>
 </p:presentation>
 </file>
 
@@ -211,7 +218,7 @@
           <a:p>
             <a:fld id="{B67A8BCD-B78C-754D-A0F2-EF0519EC9695}" type="datetimeFigureOut">
               <a:rPr lang="en-AT" smtClean="0"/>
-              <a:t>12.05.25</a:t>
+              <a:t>13.05.25</a:t>
             </a:fld>
             <a:endParaRPr lang="en-AT"/>
           </a:p>
@@ -871,6 +878,90 @@
 </p:notes>
 </file>
 
+<file path=ppt/notesSlides/notesSlide5.xml><?xml version="1.0" encoding="utf-8"?>
+<p:notes xmlns:a="http://schemas.openxmlformats.org/drawingml/2006/main" xmlns:r="http://schemas.openxmlformats.org/officeDocument/2006/relationships" xmlns:p="http://schemas.openxmlformats.org/presentationml/2006/main">
+  <p:cSld>
+    <p:spTree>
+      <p:nvGrpSpPr>
+        <p:cNvPr id="1" name=""/>
+        <p:cNvGrpSpPr/>
+        <p:nvPr/>
+      </p:nvGrpSpPr>
+      <p:grpSpPr>
+        <a:xfrm>
+          <a:off x="0" y="0"/>
+          <a:ext cx="0" cy="0"/>
+          <a:chOff x="0" y="0"/>
+          <a:chExt cx="0" cy="0"/>
+        </a:xfrm>
+      </p:grpSpPr>
+      <p:sp>
+        <p:nvSpPr>
+          <p:cNvPr id="2" name="Slide Image Placeholder 1"/>
+          <p:cNvSpPr>
+            <a:spLocks noGrp="1" noRot="1" noChangeAspect="1"/>
+          </p:cNvSpPr>
+          <p:nvPr>
+            <p:ph type="sldImg"/>
+          </p:nvPr>
+        </p:nvSpPr>
+        <p:spPr/>
+      </p:sp>
+      <p:sp>
+        <p:nvSpPr>
+          <p:cNvPr id="3" name="Notes Placeholder 2"/>
+          <p:cNvSpPr>
+            <a:spLocks noGrp="1"/>
+          </p:cNvSpPr>
+          <p:nvPr>
+            <p:ph type="body" idx="1"/>
+          </p:nvPr>
+        </p:nvSpPr>
+        <p:spPr/>
+        <p:txBody>
+          <a:bodyPr/>
+          <a:lstStyle/>
+          <a:p>
+            <a:endParaRPr lang="en-AT"/>
+          </a:p>
+        </p:txBody>
+      </p:sp>
+      <p:sp>
+        <p:nvSpPr>
+          <p:cNvPr id="4" name="Slide Number Placeholder 3"/>
+          <p:cNvSpPr>
+            <a:spLocks noGrp="1"/>
+          </p:cNvSpPr>
+          <p:nvPr>
+            <p:ph type="sldNum" sz="quarter" idx="5"/>
+          </p:nvPr>
+        </p:nvSpPr>
+        <p:spPr/>
+        <p:txBody>
+          <a:bodyPr/>
+          <a:lstStyle/>
+          <a:p>
+            <a:fld id="{161D0137-A32E-984C-B467-D3F6B7FCE6FF}" type="slidenum">
+              <a:rPr lang="en-AT" smtClean="0"/>
+              <a:t>21</a:t>
+            </a:fld>
+            <a:endParaRPr lang="en-AT"/>
+          </a:p>
+        </p:txBody>
+      </p:sp>
+    </p:spTree>
+    <p:extLst>
+      <p:ext uri="{BB962C8B-B14F-4D97-AF65-F5344CB8AC3E}">
+        <p14:creationId xmlns:p14="http://schemas.microsoft.com/office/powerpoint/2010/main" val="1831408690"/>
+      </p:ext>
+    </p:extLst>
+  </p:cSld>
+  <p:clrMapOvr>
+    <a:masterClrMapping/>
+  </p:clrMapOvr>
+</p:notes>
+</file>
+
 <file path=ppt/slideLayouts/slideLayout1.xml><?xml version="1.0" encoding="utf-8"?>
 <p:sldLayout xmlns:a="http://schemas.openxmlformats.org/drawingml/2006/main" xmlns:r="http://schemas.openxmlformats.org/officeDocument/2006/relationships" xmlns:p="http://schemas.openxmlformats.org/presentationml/2006/main" type="title" preserve="1">
   <p:cSld name="Title Slide">
@@ -1027,7 +1118,7 @@
           <a:p>
             <a:fld id="{6444479B-705B-4489-957E-7E8A228BDFA0}" type="datetime1">
               <a:rPr lang="en-US" smtClean="0"/>
-              <a:t>5/12/25</a:t>
+              <a:t>5/13/25</a:t>
             </a:fld>
             <a:endParaRPr lang="en-US"/>
           </a:p>
@@ -1227,7 +1318,7 @@
           <a:p>
             <a:fld id="{C07B66AD-7C08-490A-ADA4-B47E10FB2407}" type="datetime1">
               <a:rPr lang="en-US" smtClean="0"/>
-              <a:t>5/12/25</a:t>
+              <a:t>5/13/25</a:t>
             </a:fld>
             <a:endParaRPr lang="en-US"/>
           </a:p>
@@ -1486,7 +1577,7 @@
           <a:p>
             <a:fld id="{05B95027-4255-49E7-9841-CD21BCC99996}" type="datetime1">
               <a:rPr lang="en-US" smtClean="0"/>
-              <a:t>5/12/25</a:t>
+              <a:t>5/13/25</a:t>
             </a:fld>
             <a:endParaRPr lang="en-US"/>
           </a:p>
@@ -1727,7 +1818,7 @@
           <a:p>
             <a:fld id="{9F89F774-3FA6-43B8-9241-99959C8FD463}" type="datetime1">
               <a:rPr lang="en-US" smtClean="0"/>
-              <a:t>5/12/25</a:t>
+              <a:t>5/13/25</a:t>
             </a:fld>
             <a:endParaRPr lang="en-US"/>
           </a:p>
@@ -2054,7 +2145,7 @@
           <a:p>
             <a:fld id="{F9504452-5DCC-4FE2-A5C9-8A5EF6714D65}" type="datetime1">
               <a:rPr lang="en-US" smtClean="0"/>
-              <a:t>5/12/25</a:t>
+              <a:t>5/13/25</a:t>
             </a:fld>
             <a:endParaRPr lang="en-US"/>
           </a:p>
@@ -2364,7 +2455,7 @@
           <a:p>
             <a:fld id="{E579ABC2-0180-4F3A-A895-A85BC724D472}" type="datetime1">
               <a:rPr lang="en-US" smtClean="0"/>
-              <a:t>5/12/25</a:t>
+              <a:t>5/13/25</a:t>
             </a:fld>
             <a:endParaRPr lang="en-US"/>
           </a:p>
@@ -2782,7 +2873,7 @@
           <a:p>
             <a:fld id="{6AEEA9BA-4E8F-439E-BEA4-91FBA01E3F5F}" type="datetime1">
               <a:rPr lang="en-US" smtClean="0"/>
-              <a:t>5/12/25</a:t>
+              <a:t>5/13/25</a:t>
             </a:fld>
             <a:endParaRPr lang="en-US"/>
           </a:p>
@@ -2924,7 +3015,7 @@
           <a:p>
             <a:fld id="{BE15BF18-0007-481C-AA29-413124BC3EE7}" type="datetime1">
               <a:rPr lang="en-US" smtClean="0"/>
-              <a:t>5/12/25</a:t>
+              <a:t>5/13/25</a:t>
             </a:fld>
             <a:endParaRPr lang="en-US"/>
           </a:p>
@@ -3086,7 +3177,7 @@
           <a:p>
             <a:fld id="{09BE9870-3748-43AD-B547-02A075CB4A1D}" type="datetime1">
               <a:rPr lang="en-US" smtClean="0"/>
-              <a:t>5/12/25</a:t>
+              <a:t>5/13/25</a:t>
             </a:fld>
             <a:endParaRPr lang="en-US"/>
           </a:p>
@@ -3403,7 +3494,7 @@
           <a:p>
             <a:fld id="{558E7897-33C5-4F1A-9307-D068E37F3DC7}" type="datetime1">
               <a:rPr lang="en-US" smtClean="0"/>
-              <a:t>5/12/25</a:t>
+              <a:t>5/13/25</a:t>
             </a:fld>
             <a:endParaRPr lang="en-US"/>
           </a:p>
@@ -3698,7 +3789,7 @@
           <a:p>
             <a:fld id="{82E171BA-CC09-47C8-A6DF-F5C5CB59CEEC}" type="datetime1">
               <a:rPr lang="en-US" smtClean="0"/>
-              <a:t>5/12/25</a:t>
+              <a:t>5/13/25</a:t>
             </a:fld>
             <a:endParaRPr lang="en-US"/>
           </a:p>
@@ -3939,7 +4030,7 @@
           <a:p>
             <a:fld id="{7DA38F49-B3E2-4BF0-BEC7-C30D34ABBB8D}" type="datetime1">
               <a:rPr lang="en-US" smtClean="0"/>
-              <a:t>5/12/25</a:t>
+              <a:t>5/13/25</a:t>
             </a:fld>
             <a:endParaRPr lang="en-US"/>
           </a:p>
@@ -4963,18 +5054,6 @@
   <p:clrMapOvr>
     <a:masterClrMapping/>
   </p:clrMapOvr>
-  <mc:AlternateContent xmlns:mc="http://schemas.openxmlformats.org/markup-compatibility/2006">
-    <mc:Choice xmlns:p14="http://schemas.microsoft.com/office/powerpoint/2010/main" Requires="p14">
-      <p:transition spd="med" p14:dur="700">
-        <p:fade/>
-      </p:transition>
-    </mc:Choice>
-    <mc:Fallback>
-      <p:transition spd="med">
-        <p:fade/>
-      </p:transition>
-    </mc:Fallback>
-  </mc:AlternateContent>
 </p:sld>
 </file>
 
@@ -6543,6 +6622,309 @@
           <p:cNvPr id="2" name="Title 1">
             <a:extLst>
               <a:ext uri="{FF2B5EF4-FFF2-40B4-BE49-F238E27FC236}">
+                <a16:creationId xmlns:a16="http://schemas.microsoft.com/office/drawing/2014/main" id="{685F3CAB-503F-5160-D86E-EADEA6B2D646}"/>
+              </a:ext>
+            </a:extLst>
+          </p:cNvPr>
+          <p:cNvSpPr>
+            <a:spLocks noGrp="1"/>
+          </p:cNvSpPr>
+          <p:nvPr>
+            <p:ph type="title"/>
+          </p:nvPr>
+        </p:nvSpPr>
+        <p:spPr/>
+        <p:txBody>
+          <a:bodyPr/>
+          <a:lstStyle/>
+          <a:p>
+            <a:r>
+              <a:rPr lang="en-AT" dirty="0"/>
+              <a:t>Proxies</a:t>
+            </a:r>
+          </a:p>
+        </p:txBody>
+      </p:sp>
+      <p:sp>
+        <p:nvSpPr>
+          <p:cNvPr id="3" name="Content Placeholder 2">
+            <a:extLst>
+              <a:ext uri="{FF2B5EF4-FFF2-40B4-BE49-F238E27FC236}">
+                <a16:creationId xmlns:a16="http://schemas.microsoft.com/office/drawing/2014/main" id="{8311ADDE-5F42-7276-700B-12214A62FF00}"/>
+              </a:ext>
+            </a:extLst>
+          </p:cNvPr>
+          <p:cNvSpPr>
+            <a:spLocks noGrp="1"/>
+          </p:cNvSpPr>
+          <p:nvPr>
+            <p:ph idx="1"/>
+          </p:nvPr>
+        </p:nvSpPr>
+        <p:spPr/>
+        <p:txBody>
+          <a:bodyPr/>
+          <a:lstStyle/>
+          <a:p>
+            <a:r>
+              <a:rPr lang="en-AT" dirty="0"/>
+              <a:t>Anbieter</a:t>
+            </a:r>
+          </a:p>
+          <a:p>
+            <a:pPr lvl="1"/>
+            <a:r>
+              <a:rPr lang="en-GB" dirty="0">
+                <a:hlinkClick r:id="rId2"/>
+              </a:rPr>
+              <a:t>https://oxylabs.io/pages/residential-proxies</a:t>
+            </a:r>
+            <a:endParaRPr lang="en-AT" dirty="0"/>
+          </a:p>
+          <a:p>
+            <a:pPr lvl="1"/>
+            <a:r>
+              <a:rPr lang="en-GB" dirty="0">
+                <a:hlinkClick r:id="rId3"/>
+              </a:rPr>
+              <a:t>https://scrapingant.com/</a:t>
+            </a:r>
+            <a:endParaRPr lang="en-AT" dirty="0"/>
+          </a:p>
+          <a:p>
+            <a:pPr lvl="1"/>
+            <a:r>
+              <a:rPr lang="en-GB" dirty="0">
+                <a:hlinkClick r:id="rId4"/>
+              </a:rPr>
+              <a:t>https://decodo.com/use-cases/web-scraping</a:t>
+            </a:r>
+            <a:endParaRPr lang="en-AT" dirty="0"/>
+          </a:p>
+        </p:txBody>
+      </p:sp>
+    </p:spTree>
+    <p:extLst>
+      <p:ext uri="{BB962C8B-B14F-4D97-AF65-F5344CB8AC3E}">
+        <p14:creationId xmlns:p14="http://schemas.microsoft.com/office/powerpoint/2010/main" val="3336716353"/>
+      </p:ext>
+    </p:extLst>
+  </p:cSld>
+  <p:clrMapOvr>
+    <a:masterClrMapping/>
+  </p:clrMapOvr>
+</p:sld>
+</file>
+
+<file path=ppt/slides/slide21.xml><?xml version="1.0" encoding="utf-8"?>
+<p:sld xmlns:a="http://schemas.openxmlformats.org/drawingml/2006/main" xmlns:r="http://schemas.openxmlformats.org/officeDocument/2006/relationships" xmlns:p="http://schemas.openxmlformats.org/presentationml/2006/main">
+  <p:cSld>
+    <p:spTree>
+      <p:nvGrpSpPr>
+        <p:cNvPr id="1" name=""/>
+        <p:cNvGrpSpPr/>
+        <p:nvPr/>
+      </p:nvGrpSpPr>
+      <p:grpSpPr>
+        <a:xfrm>
+          <a:off x="0" y="0"/>
+          <a:ext cx="0" cy="0"/>
+          <a:chOff x="0" y="0"/>
+          <a:chExt cx="0" cy="0"/>
+        </a:xfrm>
+      </p:grpSpPr>
+      <p:sp>
+        <p:nvSpPr>
+          <p:cNvPr id="4" name="Title 3">
+            <a:extLst>
+              <a:ext uri="{FF2B5EF4-FFF2-40B4-BE49-F238E27FC236}">
+                <a16:creationId xmlns:a16="http://schemas.microsoft.com/office/drawing/2014/main" id="{4D04B501-1B02-F296-3BE9-0F2176B31F2F}"/>
+              </a:ext>
+            </a:extLst>
+          </p:cNvPr>
+          <p:cNvSpPr>
+            <a:spLocks noGrp="1"/>
+          </p:cNvSpPr>
+          <p:nvPr>
+            <p:ph type="title"/>
+          </p:nvPr>
+        </p:nvSpPr>
+        <p:spPr>
+          <a:xfrm>
+            <a:off x="640079" y="2880360"/>
+            <a:ext cx="10890929" cy="1097280"/>
+          </a:xfrm>
+        </p:spPr>
+        <p:txBody>
+          <a:bodyPr anchor="ctr">
+            <a:noAutofit/>
+          </a:bodyPr>
+          <a:lstStyle/>
+          <a:p>
+            <a:pPr algn="ctr"/>
+            <a:r>
+              <a:rPr lang="en-AT" sz="9000" dirty="0"/>
+              <a:t>§</a:t>
+            </a:r>
+          </a:p>
+        </p:txBody>
+      </p:sp>
+      <p:sp>
+        <p:nvSpPr>
+          <p:cNvPr id="5" name="TextBox 4">
+            <a:extLst>
+              <a:ext uri="{FF2B5EF4-FFF2-40B4-BE49-F238E27FC236}">
+                <a16:creationId xmlns:a16="http://schemas.microsoft.com/office/drawing/2014/main" id="{D95222C3-4109-5B39-F964-D5E58779D088}"/>
+              </a:ext>
+            </a:extLst>
+          </p:cNvPr>
+          <p:cNvSpPr txBox="1"/>
+          <p:nvPr/>
+        </p:nvSpPr>
+        <p:spPr>
+          <a:xfrm>
+            <a:off x="6416298" y="2680305"/>
+            <a:ext cx="1890793" cy="400110"/>
+          </a:xfrm>
+          <a:prstGeom prst="rect">
+            <a:avLst/>
+          </a:prstGeom>
+          <a:noFill/>
+        </p:spPr>
+        <p:txBody>
+          <a:bodyPr wrap="square" rtlCol="0">
+            <a:spAutoFit/>
+          </a:bodyPr>
+          <a:lstStyle/>
+          <a:p>
+            <a:r>
+              <a:rPr lang="en-AT" sz="2000" dirty="0"/>
+              <a:t>LLMs?</a:t>
+            </a:r>
+          </a:p>
+        </p:txBody>
+      </p:sp>
+    </p:spTree>
+    <p:extLst>
+      <p:ext uri="{BB962C8B-B14F-4D97-AF65-F5344CB8AC3E}">
+        <p14:creationId xmlns:p14="http://schemas.microsoft.com/office/powerpoint/2010/main" val="837111983"/>
+      </p:ext>
+    </p:extLst>
+  </p:cSld>
+  <p:clrMapOvr>
+    <a:masterClrMapping/>
+  </p:clrMapOvr>
+  <p:timing>
+    <p:tnLst>
+      <p:par>
+        <p:cTn id="1" dur="indefinite" restart="never" nodeType="tmRoot">
+          <p:childTnLst>
+            <p:seq concurrent="1" nextAc="seek">
+              <p:cTn id="2" dur="indefinite" nodeType="mainSeq">
+                <p:childTnLst>
+                  <p:par>
+                    <p:cTn id="3" fill="hold">
+                      <p:stCondLst>
+                        <p:cond delay="indefinite"/>
+                      </p:stCondLst>
+                      <p:childTnLst>
+                        <p:par>
+                          <p:cTn id="4" fill="hold">
+                            <p:stCondLst>
+                              <p:cond delay="0"/>
+                            </p:stCondLst>
+                            <p:childTnLst>
+                              <p:par>
+                                <p:cTn id="5" presetID="10" presetClass="entr" presetSubtype="0" fill="hold" grpId="0" nodeType="clickEffect">
+                                  <p:stCondLst>
+                                    <p:cond delay="0"/>
+                                  </p:stCondLst>
+                                  <p:childTnLst>
+                                    <p:set>
+                                      <p:cBhvr>
+                                        <p:cTn id="6" dur="1" fill="hold">
+                                          <p:stCondLst>
+                                            <p:cond delay="0"/>
+                                          </p:stCondLst>
+                                        </p:cTn>
+                                        <p:tgtEl>
+                                          <p:spTgt spid="5"/>
+                                        </p:tgtEl>
+                                        <p:attrNameLst>
+                                          <p:attrName>style.visibility</p:attrName>
+                                        </p:attrNameLst>
+                                      </p:cBhvr>
+                                      <p:to>
+                                        <p:strVal val="visible"/>
+                                      </p:to>
+                                    </p:set>
+                                    <p:animEffect transition="in" filter="fade">
+                                      <p:cBhvr>
+                                        <p:cTn id="7" dur="500"/>
+                                        <p:tgtEl>
+                                          <p:spTgt spid="5"/>
+                                        </p:tgtEl>
+                                      </p:cBhvr>
+                                    </p:animEffect>
+                                  </p:childTnLst>
+                                </p:cTn>
+                              </p:par>
+                            </p:childTnLst>
+                          </p:cTn>
+                        </p:par>
+                      </p:childTnLst>
+                    </p:cTn>
+                  </p:par>
+                </p:childTnLst>
+              </p:cTn>
+              <p:prevCondLst>
+                <p:cond evt="onPrev" delay="0">
+                  <p:tgtEl>
+                    <p:sldTgt/>
+                  </p:tgtEl>
+                </p:cond>
+              </p:prevCondLst>
+              <p:nextCondLst>
+                <p:cond evt="onNext" delay="0">
+                  <p:tgtEl>
+                    <p:sldTgt/>
+                  </p:tgtEl>
+                </p:cond>
+              </p:nextCondLst>
+            </p:seq>
+          </p:childTnLst>
+        </p:cTn>
+      </p:par>
+    </p:tnLst>
+    <p:bldLst>
+      <p:bldP spid="5" grpId="0"/>
+    </p:bldLst>
+  </p:timing>
+</p:sld>
+</file>
+
+<file path=ppt/slides/slide22.xml><?xml version="1.0" encoding="utf-8"?>
+<p:sld xmlns:a="http://schemas.openxmlformats.org/drawingml/2006/main" xmlns:r="http://schemas.openxmlformats.org/officeDocument/2006/relationships" xmlns:p="http://schemas.openxmlformats.org/presentationml/2006/main">
+  <p:cSld>
+    <p:spTree>
+      <p:nvGrpSpPr>
+        <p:cNvPr id="1" name=""/>
+        <p:cNvGrpSpPr/>
+        <p:nvPr/>
+      </p:nvGrpSpPr>
+      <p:grpSpPr>
+        <a:xfrm>
+          <a:off x="0" y="0"/>
+          <a:ext cx="0" cy="0"/>
+          <a:chOff x="0" y="0"/>
+          <a:chExt cx="0" cy="0"/>
+        </a:xfrm>
+      </p:grpSpPr>
+      <p:sp>
+        <p:nvSpPr>
+          <p:cNvPr id="2" name="Title 1">
+            <a:extLst>
+              <a:ext uri="{FF2B5EF4-FFF2-40B4-BE49-F238E27FC236}">
                 <a16:creationId xmlns:a16="http://schemas.microsoft.com/office/drawing/2014/main" id="{590BBA06-E66E-8782-87A6-1BC7A2565DC3}"/>
               </a:ext>
             </a:extLst>
@@ -7109,6 +7491,458 @@
   <p:clrMapOvr>
     <a:masterClrMapping/>
   </p:clrMapOvr>
+  <p:timing>
+    <p:tnLst>
+      <p:par>
+        <p:cTn id="1" dur="indefinite" restart="never" nodeType="tmRoot">
+          <p:childTnLst>
+            <p:seq concurrent="1" nextAc="seek">
+              <p:cTn id="2" dur="indefinite" nodeType="mainSeq">
+                <p:childTnLst>
+                  <p:par>
+                    <p:cTn id="3" fill="hold">
+                      <p:stCondLst>
+                        <p:cond delay="indefinite"/>
+                      </p:stCondLst>
+                      <p:childTnLst>
+                        <p:par>
+                          <p:cTn id="4" fill="hold">
+                            <p:stCondLst>
+                              <p:cond delay="0"/>
+                            </p:stCondLst>
+                            <p:childTnLst>
+                              <p:par>
+                                <p:cTn id="5" presetID="1" presetClass="entr" presetSubtype="0" fill="hold" grpId="0" nodeType="clickEffect">
+                                  <p:stCondLst>
+                                    <p:cond delay="0"/>
+                                  </p:stCondLst>
+                                  <p:childTnLst>
+                                    <p:set>
+                                      <p:cBhvr>
+                                        <p:cTn id="6" dur="1" fill="hold">
+                                          <p:stCondLst>
+                                            <p:cond delay="0"/>
+                                          </p:stCondLst>
+                                        </p:cTn>
+                                        <p:tgtEl>
+                                          <p:spTgt spid="3">
+                                            <p:txEl>
+                                              <p:pRg st="0" end="0"/>
+                                            </p:txEl>
+                                          </p:spTgt>
+                                        </p:tgtEl>
+                                        <p:attrNameLst>
+                                          <p:attrName>style.visibility</p:attrName>
+                                        </p:attrNameLst>
+                                      </p:cBhvr>
+                                      <p:to>
+                                        <p:strVal val="visible"/>
+                                      </p:to>
+                                    </p:set>
+                                  </p:childTnLst>
+                                </p:cTn>
+                              </p:par>
+                            </p:childTnLst>
+                          </p:cTn>
+                        </p:par>
+                      </p:childTnLst>
+                    </p:cTn>
+                  </p:par>
+                  <p:par>
+                    <p:cTn id="7" fill="hold">
+                      <p:stCondLst>
+                        <p:cond delay="indefinite"/>
+                      </p:stCondLst>
+                      <p:childTnLst>
+                        <p:par>
+                          <p:cTn id="8" fill="hold">
+                            <p:stCondLst>
+                              <p:cond delay="0"/>
+                            </p:stCondLst>
+                            <p:childTnLst>
+                              <p:par>
+                                <p:cTn id="9" presetID="1" presetClass="entr" presetSubtype="0" fill="hold" grpId="0" nodeType="clickEffect">
+                                  <p:stCondLst>
+                                    <p:cond delay="0"/>
+                                  </p:stCondLst>
+                                  <p:childTnLst>
+                                    <p:set>
+                                      <p:cBhvr>
+                                        <p:cTn id="10" dur="1" fill="hold">
+                                          <p:stCondLst>
+                                            <p:cond delay="0"/>
+                                          </p:stCondLst>
+                                        </p:cTn>
+                                        <p:tgtEl>
+                                          <p:spTgt spid="3">
+                                            <p:txEl>
+                                              <p:pRg st="1" end="1"/>
+                                            </p:txEl>
+                                          </p:spTgt>
+                                        </p:tgtEl>
+                                        <p:attrNameLst>
+                                          <p:attrName>style.visibility</p:attrName>
+                                        </p:attrNameLst>
+                                      </p:cBhvr>
+                                      <p:to>
+                                        <p:strVal val="visible"/>
+                                      </p:to>
+                                    </p:set>
+                                  </p:childTnLst>
+                                </p:cTn>
+                              </p:par>
+                              <p:par>
+                                <p:cTn id="11" presetID="1" presetClass="entr" presetSubtype="0" fill="hold" grpId="0" nodeType="withEffect">
+                                  <p:stCondLst>
+                                    <p:cond delay="0"/>
+                                  </p:stCondLst>
+                                  <p:childTnLst>
+                                    <p:set>
+                                      <p:cBhvr>
+                                        <p:cTn id="12" dur="1" fill="hold">
+                                          <p:stCondLst>
+                                            <p:cond delay="0"/>
+                                          </p:stCondLst>
+                                        </p:cTn>
+                                        <p:tgtEl>
+                                          <p:spTgt spid="3">
+                                            <p:txEl>
+                                              <p:pRg st="2" end="2"/>
+                                            </p:txEl>
+                                          </p:spTgt>
+                                        </p:tgtEl>
+                                        <p:attrNameLst>
+                                          <p:attrName>style.visibility</p:attrName>
+                                        </p:attrNameLst>
+                                      </p:cBhvr>
+                                      <p:to>
+                                        <p:strVal val="visible"/>
+                                      </p:to>
+                                    </p:set>
+                                  </p:childTnLst>
+                                </p:cTn>
+                              </p:par>
+                              <p:par>
+                                <p:cTn id="13" presetID="1" presetClass="entr" presetSubtype="0" fill="hold" grpId="0" nodeType="withEffect">
+                                  <p:stCondLst>
+                                    <p:cond delay="0"/>
+                                  </p:stCondLst>
+                                  <p:childTnLst>
+                                    <p:set>
+                                      <p:cBhvr>
+                                        <p:cTn id="14" dur="1" fill="hold">
+                                          <p:stCondLst>
+                                            <p:cond delay="0"/>
+                                          </p:stCondLst>
+                                        </p:cTn>
+                                        <p:tgtEl>
+                                          <p:spTgt spid="3">
+                                            <p:txEl>
+                                              <p:pRg st="3" end="3"/>
+                                            </p:txEl>
+                                          </p:spTgt>
+                                        </p:tgtEl>
+                                        <p:attrNameLst>
+                                          <p:attrName>style.visibility</p:attrName>
+                                        </p:attrNameLst>
+                                      </p:cBhvr>
+                                      <p:to>
+                                        <p:strVal val="visible"/>
+                                      </p:to>
+                                    </p:set>
+                                  </p:childTnLst>
+                                </p:cTn>
+                              </p:par>
+                            </p:childTnLst>
+                          </p:cTn>
+                        </p:par>
+                      </p:childTnLst>
+                    </p:cTn>
+                  </p:par>
+                  <p:par>
+                    <p:cTn id="15" fill="hold">
+                      <p:stCondLst>
+                        <p:cond delay="indefinite"/>
+                      </p:stCondLst>
+                      <p:childTnLst>
+                        <p:par>
+                          <p:cTn id="16" fill="hold">
+                            <p:stCondLst>
+                              <p:cond delay="0"/>
+                            </p:stCondLst>
+                            <p:childTnLst>
+                              <p:par>
+                                <p:cTn id="17" presetID="1" presetClass="entr" presetSubtype="0" fill="hold" grpId="0" nodeType="clickEffect">
+                                  <p:stCondLst>
+                                    <p:cond delay="0"/>
+                                  </p:stCondLst>
+                                  <p:childTnLst>
+                                    <p:set>
+                                      <p:cBhvr>
+                                        <p:cTn id="18" dur="1" fill="hold">
+                                          <p:stCondLst>
+                                            <p:cond delay="0"/>
+                                          </p:stCondLst>
+                                        </p:cTn>
+                                        <p:tgtEl>
+                                          <p:spTgt spid="3">
+                                            <p:txEl>
+                                              <p:pRg st="4" end="4"/>
+                                            </p:txEl>
+                                          </p:spTgt>
+                                        </p:tgtEl>
+                                        <p:attrNameLst>
+                                          <p:attrName>style.visibility</p:attrName>
+                                        </p:attrNameLst>
+                                      </p:cBhvr>
+                                      <p:to>
+                                        <p:strVal val="visible"/>
+                                      </p:to>
+                                    </p:set>
+                                  </p:childTnLst>
+                                </p:cTn>
+                              </p:par>
+                            </p:childTnLst>
+                          </p:cTn>
+                        </p:par>
+                      </p:childTnLst>
+                    </p:cTn>
+                  </p:par>
+                  <p:par>
+                    <p:cTn id="19" fill="hold">
+                      <p:stCondLst>
+                        <p:cond delay="indefinite"/>
+                      </p:stCondLst>
+                      <p:childTnLst>
+                        <p:par>
+                          <p:cTn id="20" fill="hold">
+                            <p:stCondLst>
+                              <p:cond delay="0"/>
+                            </p:stCondLst>
+                            <p:childTnLst>
+                              <p:par>
+                                <p:cTn id="21" presetID="1" presetClass="entr" presetSubtype="0" fill="hold" grpId="0" nodeType="clickEffect">
+                                  <p:stCondLst>
+                                    <p:cond delay="0"/>
+                                  </p:stCondLst>
+                                  <p:childTnLst>
+                                    <p:set>
+                                      <p:cBhvr>
+                                        <p:cTn id="22" dur="1" fill="hold">
+                                          <p:stCondLst>
+                                            <p:cond delay="0"/>
+                                          </p:stCondLst>
+                                        </p:cTn>
+                                        <p:tgtEl>
+                                          <p:spTgt spid="5">
+                                            <p:txEl>
+                                              <p:pRg st="0" end="0"/>
+                                            </p:txEl>
+                                          </p:spTgt>
+                                        </p:tgtEl>
+                                        <p:attrNameLst>
+                                          <p:attrName>style.visibility</p:attrName>
+                                        </p:attrNameLst>
+                                      </p:cBhvr>
+                                      <p:to>
+                                        <p:strVal val="visible"/>
+                                      </p:to>
+                                    </p:set>
+                                  </p:childTnLst>
+                                </p:cTn>
+                              </p:par>
+                            </p:childTnLst>
+                          </p:cTn>
+                        </p:par>
+                      </p:childTnLst>
+                    </p:cTn>
+                  </p:par>
+                  <p:par>
+                    <p:cTn id="23" fill="hold">
+                      <p:stCondLst>
+                        <p:cond delay="indefinite"/>
+                      </p:stCondLst>
+                      <p:childTnLst>
+                        <p:par>
+                          <p:cTn id="24" fill="hold">
+                            <p:stCondLst>
+                              <p:cond delay="0"/>
+                            </p:stCondLst>
+                            <p:childTnLst>
+                              <p:par>
+                                <p:cTn id="25" presetID="1" presetClass="entr" presetSubtype="0" fill="hold" grpId="0" nodeType="clickEffect">
+                                  <p:stCondLst>
+                                    <p:cond delay="0"/>
+                                  </p:stCondLst>
+                                  <p:childTnLst>
+                                    <p:set>
+                                      <p:cBhvr>
+                                        <p:cTn id="26" dur="1" fill="hold">
+                                          <p:stCondLst>
+                                            <p:cond delay="0"/>
+                                          </p:stCondLst>
+                                        </p:cTn>
+                                        <p:tgtEl>
+                                          <p:spTgt spid="5">
+                                            <p:txEl>
+                                              <p:pRg st="1" end="1"/>
+                                            </p:txEl>
+                                          </p:spTgt>
+                                        </p:tgtEl>
+                                        <p:attrNameLst>
+                                          <p:attrName>style.visibility</p:attrName>
+                                        </p:attrNameLst>
+                                      </p:cBhvr>
+                                      <p:to>
+                                        <p:strVal val="visible"/>
+                                      </p:to>
+                                    </p:set>
+                                  </p:childTnLst>
+                                </p:cTn>
+                              </p:par>
+                              <p:par>
+                                <p:cTn id="27" presetID="1" presetClass="entr" presetSubtype="0" fill="hold" grpId="0" nodeType="withEffect">
+                                  <p:stCondLst>
+                                    <p:cond delay="0"/>
+                                  </p:stCondLst>
+                                  <p:childTnLst>
+                                    <p:set>
+                                      <p:cBhvr>
+                                        <p:cTn id="28" dur="1" fill="hold">
+                                          <p:stCondLst>
+                                            <p:cond delay="0"/>
+                                          </p:stCondLst>
+                                        </p:cTn>
+                                        <p:tgtEl>
+                                          <p:spTgt spid="5">
+                                            <p:txEl>
+                                              <p:pRg st="2" end="2"/>
+                                            </p:txEl>
+                                          </p:spTgt>
+                                        </p:tgtEl>
+                                        <p:attrNameLst>
+                                          <p:attrName>style.visibility</p:attrName>
+                                        </p:attrNameLst>
+                                      </p:cBhvr>
+                                      <p:to>
+                                        <p:strVal val="visible"/>
+                                      </p:to>
+                                    </p:set>
+                                  </p:childTnLst>
+                                </p:cTn>
+                              </p:par>
+                              <p:par>
+                                <p:cTn id="29" presetID="1" presetClass="entr" presetSubtype="0" fill="hold" grpId="0" nodeType="withEffect">
+                                  <p:stCondLst>
+                                    <p:cond delay="0"/>
+                                  </p:stCondLst>
+                                  <p:childTnLst>
+                                    <p:set>
+                                      <p:cBhvr>
+                                        <p:cTn id="30" dur="1" fill="hold">
+                                          <p:stCondLst>
+                                            <p:cond delay="0"/>
+                                          </p:stCondLst>
+                                        </p:cTn>
+                                        <p:tgtEl>
+                                          <p:spTgt spid="5">
+                                            <p:txEl>
+                                              <p:pRg st="3" end="3"/>
+                                            </p:txEl>
+                                          </p:spTgt>
+                                        </p:tgtEl>
+                                        <p:attrNameLst>
+                                          <p:attrName>style.visibility</p:attrName>
+                                        </p:attrNameLst>
+                                      </p:cBhvr>
+                                      <p:to>
+                                        <p:strVal val="visible"/>
+                                      </p:to>
+                                    </p:set>
+                                  </p:childTnLst>
+                                </p:cTn>
+                              </p:par>
+                            </p:childTnLst>
+                          </p:cTn>
+                        </p:par>
+                      </p:childTnLst>
+                    </p:cTn>
+                  </p:par>
+                  <p:par>
+                    <p:cTn id="31" fill="hold">
+                      <p:stCondLst>
+                        <p:cond delay="indefinite"/>
+                      </p:stCondLst>
+                      <p:childTnLst>
+                        <p:par>
+                          <p:cTn id="32" fill="hold">
+                            <p:stCondLst>
+                              <p:cond delay="0"/>
+                            </p:stCondLst>
+                            <p:childTnLst>
+                              <p:par>
+                                <p:cTn id="33" presetID="1" presetClass="entr" presetSubtype="0" fill="hold" grpId="0" nodeType="clickEffect">
+                                  <p:stCondLst>
+                                    <p:cond delay="0"/>
+                                  </p:stCondLst>
+                                  <p:childTnLst>
+                                    <p:set>
+                                      <p:cBhvr>
+                                        <p:cTn id="34" dur="1" fill="hold">
+                                          <p:stCondLst>
+                                            <p:cond delay="0"/>
+                                          </p:stCondLst>
+                                        </p:cTn>
+                                        <p:tgtEl>
+                                          <p:spTgt spid="5">
+                                            <p:txEl>
+                                              <p:pRg st="4" end="4"/>
+                                            </p:txEl>
+                                          </p:spTgt>
+                                        </p:tgtEl>
+                                        <p:attrNameLst>
+                                          <p:attrName>style.visibility</p:attrName>
+                                        </p:attrNameLst>
+                                      </p:cBhvr>
+                                      <p:to>
+                                        <p:strVal val="visible"/>
+                                      </p:to>
+                                    </p:set>
+                                  </p:childTnLst>
+                                </p:cTn>
+                              </p:par>
+                            </p:childTnLst>
+                          </p:cTn>
+                        </p:par>
+                      </p:childTnLst>
+                    </p:cTn>
+                  </p:par>
+                </p:childTnLst>
+              </p:cTn>
+              <p:prevCondLst>
+                <p:cond evt="onPrev" delay="0">
+                  <p:tgtEl>
+                    <p:sldTgt/>
+                  </p:tgtEl>
+                </p:cond>
+              </p:prevCondLst>
+              <p:nextCondLst>
+                <p:cond evt="onNext" delay="0">
+                  <p:tgtEl>
+                    <p:sldTgt/>
+                  </p:tgtEl>
+                </p:cond>
+              </p:nextCondLst>
+            </p:seq>
+          </p:childTnLst>
+        </p:cTn>
+      </p:par>
+    </p:tnLst>
+    <p:bldLst>
+      <p:bldP spid="3" grpId="0" build="p"/>
+      <p:bldP spid="5" grpId="0" build="p"/>
+    </p:bldLst>
+  </p:timing>
 </p:sld>
 </file>
 
